--- a/PRESENTATIONS/wot-summary-and-roadmap-04-2019.pptx
+++ b/PRESENTATIONS/wot-summary-and-roadmap-04-2019.pptx
@@ -536,6 +536,174 @@
           <a:bodyPr/>
           <a:lstStyle/>
           <a:p>
+            <a:endParaRPr lang="en-US"/>
+          </a:p>
+        </p:txBody>
+      </p:sp>
+      <p:sp>
+        <p:nvSpPr>
+          <p:cNvPr id="4" name="Slide Number Placeholder 3"/>
+          <p:cNvSpPr>
+            <a:spLocks noGrp="1"/>
+          </p:cNvSpPr>
+          <p:nvPr>
+            <p:ph type="sldNum" sz="quarter" idx="5"/>
+          </p:nvPr>
+        </p:nvSpPr>
+        <p:spPr/>
+        <p:txBody>
+          <a:bodyPr/>
+          <a:lstStyle/>
+          <a:p>
+            <a:fld id="{9306DCE6-5E8C-4E63-B22B-AE2E83541C38}" type="slidenum">
+              <a:rPr lang="en-US" smtClean="0"/>
+              <a:t>3</a:t>
+            </a:fld>
+            <a:endParaRPr lang="en-US"/>
+          </a:p>
+        </p:txBody>
+      </p:sp>
+    </p:spTree>
+    <p:extLst>
+      <p:ext uri="{BB962C8B-B14F-4D97-AF65-F5344CB8AC3E}">
+        <p14:creationId xmlns:p14="http://schemas.microsoft.com/office/powerpoint/2010/main" val="845450670"/>
+      </p:ext>
+    </p:extLst>
+  </p:cSld>
+  <p:clrMapOvr>
+    <a:masterClrMapping/>
+  </p:clrMapOvr>
+</p:notes>
+</file>
+
+<file path=ppt/notesSlides/notesSlide2.xml><?xml version="1.0" encoding="utf-8"?>
+<p:notes xmlns:a="http://schemas.openxmlformats.org/drawingml/2006/main" xmlns:r="http://schemas.openxmlformats.org/officeDocument/2006/relationships" xmlns:p="http://schemas.openxmlformats.org/presentationml/2006/main">
+  <p:cSld>
+    <p:spTree>
+      <p:nvGrpSpPr>
+        <p:cNvPr id="1" name=""/>
+        <p:cNvGrpSpPr/>
+        <p:nvPr/>
+      </p:nvGrpSpPr>
+      <p:grpSpPr>
+        <a:xfrm>
+          <a:off x="0" y="0"/>
+          <a:ext cx="0" cy="0"/>
+          <a:chOff x="0" y="0"/>
+          <a:chExt cx="0" cy="0"/>
+        </a:xfrm>
+      </p:grpSpPr>
+      <p:sp>
+        <p:nvSpPr>
+          <p:cNvPr id="2" name="Slide Image Placeholder 1"/>
+          <p:cNvSpPr>
+            <a:spLocks noGrp="1" noRot="1" noChangeAspect="1"/>
+          </p:cNvSpPr>
+          <p:nvPr>
+            <p:ph type="sldImg"/>
+          </p:nvPr>
+        </p:nvSpPr>
+        <p:spPr/>
+      </p:sp>
+      <p:sp>
+        <p:nvSpPr>
+          <p:cNvPr id="3" name="Notes Placeholder 2"/>
+          <p:cNvSpPr>
+            <a:spLocks noGrp="1"/>
+          </p:cNvSpPr>
+          <p:nvPr>
+            <p:ph type="body" idx="1"/>
+          </p:nvPr>
+        </p:nvSpPr>
+        <p:spPr/>
+        <p:txBody>
+          <a:bodyPr/>
+          <a:lstStyle/>
+          <a:p>
+            <a:endParaRPr lang="en-US"/>
+          </a:p>
+        </p:txBody>
+      </p:sp>
+      <p:sp>
+        <p:nvSpPr>
+          <p:cNvPr id="4" name="Slide Number Placeholder 3"/>
+          <p:cNvSpPr>
+            <a:spLocks noGrp="1"/>
+          </p:cNvSpPr>
+          <p:nvPr>
+            <p:ph type="sldNum" sz="quarter" idx="5"/>
+          </p:nvPr>
+        </p:nvSpPr>
+        <p:spPr/>
+        <p:txBody>
+          <a:bodyPr/>
+          <a:lstStyle/>
+          <a:p>
+            <a:fld id="{9306DCE6-5E8C-4E63-B22B-AE2E83541C38}" type="slidenum">
+              <a:rPr lang="en-US" smtClean="0"/>
+              <a:t>4</a:t>
+            </a:fld>
+            <a:endParaRPr lang="en-US"/>
+          </a:p>
+        </p:txBody>
+      </p:sp>
+    </p:spTree>
+    <p:extLst>
+      <p:ext uri="{BB962C8B-B14F-4D97-AF65-F5344CB8AC3E}">
+        <p14:creationId xmlns:p14="http://schemas.microsoft.com/office/powerpoint/2010/main" val="855166197"/>
+      </p:ext>
+    </p:extLst>
+  </p:cSld>
+  <p:clrMapOvr>
+    <a:masterClrMapping/>
+  </p:clrMapOvr>
+</p:notes>
+</file>
+
+<file path=ppt/notesSlides/notesSlide3.xml><?xml version="1.0" encoding="utf-8"?>
+<p:notes xmlns:a="http://schemas.openxmlformats.org/drawingml/2006/main" xmlns:r="http://schemas.openxmlformats.org/officeDocument/2006/relationships" xmlns:p="http://schemas.openxmlformats.org/presentationml/2006/main">
+  <p:cSld>
+    <p:spTree>
+      <p:nvGrpSpPr>
+        <p:cNvPr id="1" name=""/>
+        <p:cNvGrpSpPr/>
+        <p:nvPr/>
+      </p:nvGrpSpPr>
+      <p:grpSpPr>
+        <a:xfrm>
+          <a:off x="0" y="0"/>
+          <a:ext cx="0" cy="0"/>
+          <a:chOff x="0" y="0"/>
+          <a:chExt cx="0" cy="0"/>
+        </a:xfrm>
+      </p:grpSpPr>
+      <p:sp>
+        <p:nvSpPr>
+          <p:cNvPr id="2" name="Slide Image Placeholder 1"/>
+          <p:cNvSpPr>
+            <a:spLocks noGrp="1" noRot="1" noChangeAspect="1"/>
+          </p:cNvSpPr>
+          <p:nvPr>
+            <p:ph type="sldImg"/>
+          </p:nvPr>
+        </p:nvSpPr>
+        <p:spPr/>
+      </p:sp>
+      <p:sp>
+        <p:nvSpPr>
+          <p:cNvPr id="3" name="Notes Placeholder 2"/>
+          <p:cNvSpPr>
+            <a:spLocks noGrp="1"/>
+          </p:cNvSpPr>
+          <p:nvPr>
+            <p:ph type="body" idx="1"/>
+          </p:nvPr>
+        </p:nvSpPr>
+        <p:spPr/>
+        <p:txBody>
+          <a:bodyPr/>
+          <a:lstStyle/>
+          <a:p>
             <a:r>
               <a:rPr lang="en-US" dirty="0" err="1"/>
               <a:t>coap:methodCode</a:t>
@@ -1238,7 +1406,7 @@
           <a:graphicData uri="http://schemas.openxmlformats.org/presentationml/2006/ole">
             <mc:AlternateContent xmlns:mc="http://schemas.openxmlformats.org/markup-compatibility/2006">
               <mc:Choice xmlns:v="urn:schemas-microsoft-com:vml" Requires="v">
-                <p:oleObj spid="_x0000_s1048" name="think-cell Folie" r:id="rId9" imgW="270" imgH="270" progId="">
+                <p:oleObj spid="_x0000_s1056" name="think-cell Folie" r:id="rId9" imgW="270" imgH="270" progId="">
                   <p:embed/>
                 </p:oleObj>
               </mc:Choice>
@@ -24312,22 +24480,34 @@
             <a:endParaRPr lang="en-US" sz="2100" dirty="0"/>
           </a:p>
           <a:p>
-            <a:pPr lvl="1"/>
-            <a:endParaRPr lang="en-US" dirty="0"/>
+            <a:pPr marL="360000" lvl="1" indent="0">
+              <a:buNone/>
+            </a:pPr>
+            <a:endParaRPr lang="en-US" sz="2100" dirty="0"/>
           </a:p>
           <a:p>
             <a:r>
-              <a:rPr lang="en-US" dirty="0"/>
-              <a:t>Implementations</a:t>
+              <a:rPr lang="en-US" sz="2900" dirty="0"/>
+              <a:t>Reference Implementation: node-wot</a:t>
             </a:r>
           </a:p>
           <a:p>
             <a:pPr lvl="1"/>
             <a:r>
-              <a:rPr lang="en-US" sz="2100" dirty="0">
+              <a:rPr lang="en-US" sz="2100" u="sng" dirty="0">
                 <a:hlinkClick r:id="rId19"/>
               </a:rPr>
-              <a:t>https://projects.eclipse.org/projects/iot.thingweb</a:t>
+              <a:t>https://github.com/eclipse/thingweb.node-wot</a:t>
+            </a:r>
+            <a:endParaRPr lang="en-US" sz="2100" dirty="0"/>
+          </a:p>
+          <a:p>
+            <a:endParaRPr lang="en-US" sz="2900" dirty="0"/>
+          </a:p>
+          <a:p>
+            <a:r>
+              <a:rPr lang="en-US" sz="2900" dirty="0"/>
+              <a:t>TAG Design Reviews</a:t>
             </a:r>
           </a:p>
           <a:p>
@@ -24336,35 +24516,15 @@
               <a:rPr lang="en-US" sz="2100" dirty="0">
                 <a:hlinkClick r:id="rId20"/>
               </a:rPr>
-              <a:t>https://github.com/thingweb/</a:t>
+              <a:t>https://github.com/w3ctag/design-reviews/issues/355</a:t>
             </a:r>
             <a:endParaRPr lang="en-US" sz="2100" dirty="0"/>
           </a:p>
           <a:p>
             <a:pPr lvl="1"/>
-            <a:endParaRPr lang="en-US" sz="2100" dirty="0"/>
-          </a:p>
-          <a:p>
-            <a:r>
-              <a:rPr lang="en-US" sz="2900" dirty="0"/>
-              <a:t>TAG Design Reviews</a:t>
-            </a:r>
-          </a:p>
-          <a:p>
-            <a:pPr lvl="1"/>
             <a:r>
               <a:rPr lang="en-US" sz="2100" dirty="0">
                 <a:hlinkClick r:id="rId21"/>
-              </a:rPr>
-              <a:t>https://github.com/w3ctag/design-reviews/issues/355</a:t>
-            </a:r>
-            <a:endParaRPr lang="en-US" sz="2100" dirty="0"/>
-          </a:p>
-          <a:p>
-            <a:pPr lvl="1"/>
-            <a:r>
-              <a:rPr lang="en-US" sz="2100" dirty="0">
-                <a:hlinkClick r:id="rId22"/>
               </a:rPr>
               <a:t>https://github.com/w3ctag/design-reviews/issues/357</a:t>
             </a:r>
@@ -24644,13 +24804,6 @@
             <a:br>
               <a:rPr lang="en-US" sz="1600" dirty="0"/>
             </a:br>
-            <a:r>
-              <a:rPr lang="en-US" sz="1600" dirty="0"/>
-              <a:t>Co-chairs: Siemens AG, Huawei</a:t>
-            </a:r>
-          </a:p>
-          <a:p>
-            <a:pPr lvl="1"/>
             <a:endParaRPr lang="en-US" sz="1600" dirty="0"/>
           </a:p>
           <a:p>
@@ -24671,7 +24824,7 @@
             <a:pPr lvl="1"/>
             <a:r>
               <a:rPr lang="en-US" dirty="0"/>
-              <a:t>Informal work, outreach</a:t>
+              <a:t>Informal work and outreach</a:t>
             </a:r>
           </a:p>
           <a:p>
@@ -24682,7 +24835,7 @@
             </a:r>
             <a:r>
               <a:rPr lang="en-US" dirty="0" err="1"/>
-              <a:t>PlugFests</a:t>
+              <a:t>PlugFest</a:t>
             </a:r>
             <a:r>
               <a:rPr lang="en-US" dirty="0"/>
@@ -24773,13 +24926,7 @@
               </a:rPr>
               <a:t>https://www.w3.org/2016/12/wot-wg-2016.html</a:t>
             </a:r>
-            <a:br>
-              <a:rPr lang="en-US" sz="1600" dirty="0"/>
-            </a:br>
-            <a:r>
-              <a:rPr lang="en-US" sz="1600" dirty="0"/>
-              <a:t>Co-chairs: Siemens AG/Huawei, Panasonic Corp., Intel Corp.</a:t>
-            </a:r>
+            <a:endParaRPr lang="en-US" dirty="0"/>
           </a:p>
           <a:p>
             <a:pPr lvl="1"/>
@@ -25097,7 +25244,7 @@
                                         <p:tgtEl>
                                           <p:spTgt spid="3">
                                             <p:txEl>
-                                              <p:pRg st="2" end="2"/>
+                                              <p:pRg st="1" end="1"/>
                                             </p:txEl>
                                           </p:spTgt>
                                         </p:tgtEl>
@@ -25115,7 +25262,7 @@
                                         <p:tgtEl>
                                           <p:spTgt spid="3">
                                             <p:txEl>
-                                              <p:pRg st="2" end="2"/>
+                                              <p:pRg st="1" end="1"/>
                                             </p:txEl>
                                           </p:spTgt>
                                         </p:tgtEl>
@@ -25140,7 +25287,7 @@
                                         <p:tgtEl>
                                           <p:spTgt spid="3">
                                             <p:txEl>
-                                              <p:pRg st="3" end="3"/>
+                                              <p:pRg st="2" end="2"/>
                                             </p:txEl>
                                           </p:spTgt>
                                         </p:tgtEl>
@@ -25158,7 +25305,7 @@
                                         <p:tgtEl>
                                           <p:spTgt spid="3">
                                             <p:txEl>
-                                              <p:pRg st="3" end="3"/>
+                                              <p:pRg st="2" end="2"/>
                                             </p:txEl>
                                           </p:spTgt>
                                         </p:tgtEl>
@@ -25183,7 +25330,7 @@
                                         <p:tgtEl>
                                           <p:spTgt spid="3">
                                             <p:txEl>
-                                              <p:pRg st="4" end="4"/>
+                                              <p:pRg st="3" end="3"/>
                                             </p:txEl>
                                           </p:spTgt>
                                         </p:tgtEl>
@@ -25201,7 +25348,7 @@
                                         <p:tgtEl>
                                           <p:spTgt spid="3">
                                             <p:txEl>
-                                              <p:pRg st="4" end="4"/>
+                                              <p:pRg st="3" end="3"/>
                                             </p:txEl>
                                           </p:spTgt>
                                         </p:tgtEl>
@@ -25226,7 +25373,7 @@
                                         <p:tgtEl>
                                           <p:spTgt spid="3">
                                             <p:txEl>
-                                              <p:pRg st="5" end="5"/>
+                                              <p:pRg st="4" end="4"/>
                                             </p:txEl>
                                           </p:spTgt>
                                         </p:tgtEl>
@@ -25244,7 +25391,7 @@
                                         <p:tgtEl>
                                           <p:spTgt spid="3">
                                             <p:txEl>
-                                              <p:pRg st="5" end="5"/>
+                                              <p:pRg st="4" end="4"/>
                                             </p:txEl>
                                           </p:spTgt>
                                         </p:tgtEl>
@@ -25269,7 +25416,7 @@
                                         <p:tgtEl>
                                           <p:spTgt spid="3">
                                             <p:txEl>
-                                              <p:pRg st="6" end="6"/>
+                                              <p:pRg st="5" end="5"/>
                                             </p:txEl>
                                           </p:spTgt>
                                         </p:tgtEl>
@@ -25287,7 +25434,7 @@
                                         <p:tgtEl>
                                           <p:spTgt spid="3">
                                             <p:txEl>
-                                              <p:pRg st="6" end="6"/>
+                                              <p:pRg st="5" end="5"/>
                                             </p:txEl>
                                           </p:spTgt>
                                         </p:tgtEl>
@@ -25312,7 +25459,7 @@
                                         <p:tgtEl>
                                           <p:spTgt spid="3">
                                             <p:txEl>
-                                              <p:pRg st="7" end="7"/>
+                                              <p:pRg st="6" end="6"/>
                                             </p:txEl>
                                           </p:spTgt>
                                         </p:tgtEl>
@@ -25330,7 +25477,7 @@
                                         <p:tgtEl>
                                           <p:spTgt spid="3">
                                             <p:txEl>
-                                              <p:pRg st="7" end="7"/>
+                                              <p:pRg st="6" end="6"/>
                                             </p:txEl>
                                           </p:spTgt>
                                         </p:tgtEl>
@@ -25355,7 +25502,7 @@
                                         <p:tgtEl>
                                           <p:spTgt spid="3">
                                             <p:txEl>
-                                              <p:pRg st="8" end="8"/>
+                                              <p:pRg st="7" end="7"/>
                                             </p:txEl>
                                           </p:spTgt>
                                         </p:tgtEl>
@@ -25373,7 +25520,7 @@
                                         <p:tgtEl>
                                           <p:spTgt spid="3">
                                             <p:txEl>
-                                              <p:pRg st="8" end="8"/>
+                                              <p:pRg st="7" end="7"/>
                                             </p:txEl>
                                           </p:spTgt>
                                         </p:tgtEl>
@@ -25398,7 +25545,7 @@
                                         <p:tgtEl>
                                           <p:spTgt spid="3">
                                             <p:txEl>
-                                              <p:pRg st="10" end="10"/>
+                                              <p:pRg st="9" end="9"/>
                                             </p:txEl>
                                           </p:spTgt>
                                         </p:tgtEl>
@@ -25416,7 +25563,7 @@
                                         <p:tgtEl>
                                           <p:spTgt spid="3">
                                             <p:txEl>
-                                              <p:pRg st="10" end="10"/>
+                                              <p:pRg st="9" end="9"/>
                                             </p:txEl>
                                           </p:spTgt>
                                         </p:tgtEl>
@@ -25965,7 +26112,7 @@
               <p:nvPr/>
             </p:nvPicPr>
             <p:blipFill rotWithShape="1">
-              <a:blip r:embed="rId39" cstate="screen">
+              <a:blip r:embed="rId40" cstate="screen">
                 <a:extLst>
                   <a:ext uri="{28A0092B-C50C-407E-A947-70E740481C1C}">
                     <a14:useLocalDpi xmlns:a14="http://schemas.microsoft.com/office/drawing/2010/main"/>
@@ -27768,7 +27915,7 @@
               <p:nvPr/>
             </p:nvPicPr>
             <p:blipFill rotWithShape="1">
-              <a:blip r:embed="rId39" cstate="screen">
+              <a:blip r:embed="rId40" cstate="screen">
                 <a:extLst>
                   <a:ext uri="{28A0092B-C50C-407E-A947-70E740481C1C}">
                     <a14:useLocalDpi xmlns:a14="http://schemas.microsoft.com/office/drawing/2010/main"/>
@@ -29109,7 +29256,7 @@
               <p:nvPr/>
             </p:nvPicPr>
             <p:blipFill rotWithShape="1">
-              <a:blip r:embed="rId39" cstate="screen">
+              <a:blip r:embed="rId40" cstate="screen">
                 <a:extLst>
                   <a:ext uri="{28A0092B-C50C-407E-A947-70E740481C1C}">
                     <a14:useLocalDpi xmlns:a14="http://schemas.microsoft.com/office/drawing/2010/main"/>
@@ -31428,11 +31575,11 @@
   <p:clrMapOvr>
     <a:masterClrMapping/>
   </p:clrMapOvr>
-  <mc:AlternateContent xmlns:mc="http://schemas.openxmlformats.org/markup-compatibility/2006">
-    <mc:Choice xmlns:p14="http://schemas.microsoft.com/office/powerpoint/2010/main" Requires="p14">
+  <mc:AlternateContent xmlns:mc="http://schemas.openxmlformats.org/markup-compatibility/2006" xmlns:p14="http://schemas.microsoft.com/office/powerpoint/2010/main">
+    <mc:Choice Requires="p14">
       <p:transition p14:dur="0"/>
     </mc:Choice>
-    <mc:Fallback>
+    <mc:Fallback xmlns="">
       <p:transition/>
     </mc:Fallback>
   </mc:AlternateContent>
@@ -32298,7 +32445,7 @@
               <a:r>
                 <a:rPr lang="en-US" sz="2000" dirty="0">
                   <a:solidFill>
-                    <a:prstClr val="white"/>
+                    <a:schemeClr val="tx1"/>
                   </a:solidFill>
                   <a:effectLst>
                     <a:outerShdw blurRad="38100" dist="38100" dir="2700000" algn="tl">
@@ -32307,7 +32454,7 @@
                       </a:srgbClr>
                     </a:outerShdw>
                   </a:effectLst>
-                  <a:latin typeface="Intel Clear Pro"/>
+                  <a:latin typeface="+mj-lt"/>
                   <a:cs typeface="Arial" charset="0"/>
                 </a:rPr>
                 <a:t>SEMANTIC ANNOTATION</a:t>
@@ -32412,10 +32559,10 @@
                       </a:srgbClr>
                     </a:outerShdw>
                   </a:effectLst>
-                  <a:latin typeface="Intel Clear Pro"/>
+                  <a:latin typeface="+mj-lt"/>
                   <a:cs typeface="Arial" charset="0"/>
                 </a:rPr>
-                <a:t>Interaction Affordances</a:t>
+                <a:t>INTERACTION AFFORDANCES</a:t>
               </a:r>
             </a:p>
           </p:txBody>
@@ -32517,7 +32664,7 @@
                       </a:srgbClr>
                     </a:outerShdw>
                   </a:effectLst>
-                  <a:latin typeface="Intel Clear Pro"/>
+                  <a:latin typeface="+mj-lt"/>
                   <a:cs typeface="Arial" charset="0"/>
                 </a:rPr>
                 <a:t>SECURITY SCHEME</a:t>
@@ -32622,7 +32769,7 @@
                       </a:srgbClr>
                     </a:outerShdw>
                   </a:effectLst>
-                  <a:latin typeface="Intel Clear Pro"/>
+                  <a:latin typeface="+mj-lt"/>
                   <a:cs typeface="Arial" charset="0"/>
                 </a:rPr>
                 <a:t>PROTOCOL BINDING</a:t>
@@ -32727,7 +32874,7 @@
                       </a:srgbClr>
                     </a:outerShdw>
                   </a:effectLst>
-                  <a:latin typeface="Intel Clear Pro"/>
+                  <a:latin typeface="+mj-lt"/>
                   <a:cs typeface="Arial" charset="0"/>
                 </a:rPr>
                 <a:t>PAYLOAD DATA SCHEMA</a:t>
@@ -34540,11 +34687,11 @@
   <p:clrMapOvr>
     <a:masterClrMapping/>
   </p:clrMapOvr>
-  <mc:AlternateContent xmlns:mc="http://schemas.openxmlformats.org/markup-compatibility/2006">
-    <mc:Choice xmlns:p14="http://schemas.microsoft.com/office/powerpoint/2010/main" Requires="p14">
+  <mc:AlternateContent xmlns:mc="http://schemas.openxmlformats.org/markup-compatibility/2006" xmlns:p14="http://schemas.microsoft.com/office/powerpoint/2010/main">
+    <mc:Choice Requires="p14">
       <p:transition p14:dur="0"/>
     </mc:Choice>
-    <mc:Fallback>
+    <mc:Fallback xmlns="">
       <p:transition/>
     </mc:Fallback>
   </mc:AlternateContent>
@@ -37697,7 +37844,7 @@
                 </a:solidFill>
                 <a:latin typeface="Consolas" panose="020B0609020204030204" pitchFamily="49" charset="0"/>
               </a:rPr>
-              <a:t>"oauth2</a:t>
+              <a:t>"basic</a:t>
             </a:r>
             <a:r>
               <a:rPr lang="de-DE" sz="1600" b="1" dirty="0">
@@ -37724,7 +37871,7 @@
                 </a:solidFill>
                 <a:latin typeface="Consolas" panose="020B0609020204030204" pitchFamily="49" charset="0"/>
               </a:rPr>
-              <a:t>:{</a:t>
+              <a:t>: {</a:t>
             </a:r>
             <a:endParaRPr lang="de-DE" sz="1600" dirty="0">
               <a:latin typeface="Consolas" panose="020B0609020204030204" pitchFamily="49" charset="0"/>
@@ -37778,7 +37925,7 @@
                 </a:solidFill>
                 <a:latin typeface="Consolas" panose="020B0609020204030204" pitchFamily="49" charset="0"/>
               </a:rPr>
-              <a:t>"oauth2"</a:t>
+              <a:t>"basic"</a:t>
             </a:r>
             <a:r>
               <a:rPr lang="de-DE" sz="1600" dirty="0">
@@ -37823,7 +37970,7 @@
                 </a:solidFill>
                 <a:latin typeface="Consolas" panose="020B0609020204030204" pitchFamily="49" charset="0"/>
               </a:rPr>
-              <a:t>"authenticationUrl"</a:t>
+              <a:t>"in"</a:t>
             </a:r>
             <a:r>
               <a:rPr lang="de-DE" sz="1600" dirty="0">
@@ -37841,7 +37988,7 @@
                 </a:solidFill>
                 <a:latin typeface="Consolas" panose="020B0609020204030204" pitchFamily="49" charset="0"/>
               </a:rPr>
-              <a:t>"https://authority-issuing.example.org"</a:t>
+              <a:t>"header"</a:t>
             </a:r>
           </a:p>
           <a:p>
@@ -41994,13 +42141,13 @@
         </p:nvSpPr>
         <p:spPr>
           <a:xfrm>
-            <a:off x="609918" y="980728"/>
-            <a:ext cx="10978515" cy="5688632"/>
+            <a:off x="609918" y="1052736"/>
+            <a:ext cx="10978515" cy="5616624"/>
           </a:xfrm>
         </p:spPr>
         <p:txBody>
           <a:bodyPr>
-            <a:normAutofit fontScale="92500"/>
+            <a:normAutofit lnSpcReduction="10000"/>
           </a:bodyPr>
           <a:lstStyle/>
           <a:p>
@@ -42035,33 +42182,41 @@
             <a:pPr lvl="1"/>
             <a:r>
               <a:rPr lang="en-US" dirty="0"/>
-              <a:t>Generally: more similarity to standard JSON practices</a:t>
+              <a:t>More similarity to standard JSON practices</a:t>
             </a:r>
           </a:p>
           <a:p>
             <a:r>
               <a:rPr lang="en-US" dirty="0"/>
-              <a:t>Depends on specific features being adopted into JSON-LD 1.1</a:t>
+              <a:t>Security metadata</a:t>
             </a:r>
           </a:p>
           <a:p>
             <a:pPr lvl="1"/>
             <a:r>
               <a:rPr lang="en-US" dirty="0"/>
-              <a:t>Will be working with JSON-LD 1.1 WG to keep standards in alignment</a:t>
+              <a:t>Focus on HTTP(S), </a:t>
+            </a:r>
+            <a:r>
+              <a:rPr lang="en-US" dirty="0" err="1"/>
+              <a:t>CoAP</a:t>
+            </a:r>
+            <a:r>
+              <a:rPr lang="en-US" dirty="0"/>
+              <a:t>(S), and MQTT(S)</a:t>
             </a:r>
           </a:p>
           <a:p>
             <a:r>
               <a:rPr lang="en-US" dirty="0"/>
-              <a:t>Security metadata</a:t>
+              <a:t>Protocol Bindings</a:t>
             </a:r>
           </a:p>
           <a:p>
             <a:pPr lvl="1"/>
             <a:r>
               <a:rPr lang="en-US" dirty="0"/>
-              <a:t>Focus on HTTP(S), </a:t>
+              <a:t>Focus on HTTP, </a:t>
             </a:r>
             <a:r>
               <a:rPr lang="en-US" dirty="0" err="1"/>
@@ -42069,51 +42224,36 @@
             </a:r>
             <a:r>
               <a:rPr lang="en-US" dirty="0"/>
-              <a:t>(S), and MQTT(S)</a:t>
-            </a:r>
-          </a:p>
-          <a:p>
-            <a:r>
-              <a:rPr lang="en-US" dirty="0"/>
-              <a:t>Protocol Bindings</a:t>
+              <a:t>, and MQTT and structured payloads compatible with JSON</a:t>
             </a:r>
           </a:p>
           <a:p>
             <a:pPr lvl="1"/>
             <a:r>
               <a:rPr lang="en-US" dirty="0"/>
-              <a:t>Focus on HTTP, </a:t>
+              <a:t>Support for Observe, using </a:t>
             </a:r>
             <a:r>
               <a:rPr lang="en-US" dirty="0" err="1"/>
-              <a:t>CoAP</a:t>
+              <a:t>subProtocols</a:t>
             </a:r>
             <a:r>
               <a:rPr lang="en-US" dirty="0"/>
-              <a:t>, and MQTT and structured payloads compatible with JSON</a:t>
+              <a:t> (</a:t>
+            </a:r>
+            <a:r>
+              <a:rPr lang="en-US" dirty="0" err="1"/>
+              <a:t>eg</a:t>
+            </a:r>
+            <a:r>
+              <a:rPr lang="en-US" dirty="0"/>
+              <a:t> long polling in HTTP) when appropriate</a:t>
             </a:r>
           </a:p>
           <a:p>
-            <a:pPr lvl="1"/>
-            <a:r>
-              <a:rPr lang="en-US" dirty="0"/>
-              <a:t>Support for Observe, using </a:t>
-            </a:r>
-            <a:r>
-              <a:rPr lang="en-US" dirty="0" err="1"/>
-              <a:t>subProtocols</a:t>
-            </a:r>
-            <a:r>
-              <a:rPr lang="en-US" dirty="0"/>
-              <a:t> (</a:t>
-            </a:r>
-            <a:r>
-              <a:rPr lang="en-US" dirty="0" err="1"/>
-              <a:t>eg</a:t>
-            </a:r>
-            <a:r>
-              <a:rPr lang="en-US" dirty="0"/>
-              <a:t> long polling in HTTP) when appropriate</a:t>
+            <a:r>
+              <a:rPr lang="en-US" b="1" i="1" dirty="0"/>
+              <a:t>Architecture and Thing Description submitted to TAG Review 26 March 2019</a:t>
             </a:r>
           </a:p>
           <a:p>
@@ -42123,10 +42263,10 @@
             </a:r>
           </a:p>
           <a:p>
-            <a:r>
-              <a:rPr lang="en-US" b="1" i="1" dirty="0"/>
-              <a:t>Architecture and Thing Description submitted to TAG Review 26 March 2019</a:t>
-            </a:r>
+            <a:pPr marL="0" indent="0">
+              <a:buNone/>
+            </a:pPr>
+            <a:endParaRPr lang="en-US" b="1" i="1" dirty="0"/>
           </a:p>
           <a:p>
             <a:endParaRPr lang="en-US" dirty="0"/>

--- a/PRESENTATIONS/wot-summary-and-roadmap-04-2019.pptx
+++ b/PRESENTATIONS/wot-summary-and-roadmap-04-2019.pptx
@@ -224,7 +224,7 @@
           <a:p>
             <a:fld id="{44A134F2-1676-48A3-903A-038A6077AAEC}" type="datetimeFigureOut">
               <a:rPr lang="en-US" smtClean="0"/>
-              <a:t>4/7/2019</a:t>
+              <a:t>4/8/2019</a:t>
             </a:fld>
             <a:endParaRPr lang="en-US"/>
           </a:p>
@@ -953,7 +953,7 @@
           <a:p>
             <a:fld id="{26CC6D46-8883-4C59-8F41-21D7EAD29FB2}" type="datetimeFigureOut">
               <a:rPr lang="en-US" smtClean="0"/>
-              <a:t>4/7/2019</a:t>
+              <a:t>4/8/2019</a:t>
             </a:fld>
             <a:endParaRPr lang="en-US"/>
           </a:p>
@@ -1123,7 +1123,7 @@
           <a:p>
             <a:fld id="{26CC6D46-8883-4C59-8F41-21D7EAD29FB2}" type="datetimeFigureOut">
               <a:rPr lang="en-US" smtClean="0"/>
-              <a:t>4/7/2019</a:t>
+              <a:t>4/8/2019</a:t>
             </a:fld>
             <a:endParaRPr lang="en-US"/>
           </a:p>
@@ -1303,7 +1303,7 @@
           <a:p>
             <a:fld id="{26CC6D46-8883-4C59-8F41-21D7EAD29FB2}" type="datetimeFigureOut">
               <a:rPr lang="en-US" smtClean="0"/>
-              <a:t>4/7/2019</a:t>
+              <a:t>4/8/2019</a:t>
             </a:fld>
             <a:endParaRPr lang="en-US"/>
           </a:p>
@@ -1406,7 +1406,7 @@
           <a:graphicData uri="http://schemas.openxmlformats.org/presentationml/2006/ole">
             <mc:AlternateContent xmlns:mc="http://schemas.openxmlformats.org/markup-compatibility/2006">
               <mc:Choice xmlns:v="urn:schemas-microsoft-com:vml" Requires="v">
-                <p:oleObj spid="_x0000_s1056" name="think-cell Folie" r:id="rId9" imgW="270" imgH="270" progId="">
+                <p:oleObj spid="_x0000_s1065" name="think-cell Folie" r:id="rId9" imgW="270" imgH="270" progId="">
                   <p:embed/>
                 </p:oleObj>
               </mc:Choice>
@@ -20210,7 +20210,7 @@
           <a:p>
             <a:fld id="{26CC6D46-8883-4C59-8F41-21D7EAD29FB2}" type="datetimeFigureOut">
               <a:rPr lang="en-US" smtClean="0"/>
-              <a:t>4/7/2019</a:t>
+              <a:t>4/8/2019</a:t>
             </a:fld>
             <a:endParaRPr lang="en-US"/>
           </a:p>
@@ -20456,7 +20456,7 @@
           <a:p>
             <a:fld id="{26CC6D46-8883-4C59-8F41-21D7EAD29FB2}" type="datetimeFigureOut">
               <a:rPr lang="en-US" smtClean="0"/>
-              <a:t>4/7/2019</a:t>
+              <a:t>4/8/2019</a:t>
             </a:fld>
             <a:endParaRPr lang="en-US"/>
           </a:p>
@@ -20748,7 +20748,7 @@
           <a:p>
             <a:fld id="{26CC6D46-8883-4C59-8F41-21D7EAD29FB2}" type="datetimeFigureOut">
               <a:rPr lang="en-US" smtClean="0"/>
-              <a:t>4/7/2019</a:t>
+              <a:t>4/8/2019</a:t>
             </a:fld>
             <a:endParaRPr lang="en-US"/>
           </a:p>
@@ -21174,7 +21174,7 @@
           <a:p>
             <a:fld id="{26CC6D46-8883-4C59-8F41-21D7EAD29FB2}" type="datetimeFigureOut">
               <a:rPr lang="en-US" smtClean="0"/>
-              <a:t>4/7/2019</a:t>
+              <a:t>4/8/2019</a:t>
             </a:fld>
             <a:endParaRPr lang="en-US"/>
           </a:p>
@@ -21292,7 +21292,7 @@
           <a:p>
             <a:fld id="{26CC6D46-8883-4C59-8F41-21D7EAD29FB2}" type="datetimeFigureOut">
               <a:rPr lang="en-US" smtClean="0"/>
-              <a:t>4/7/2019</a:t>
+              <a:t>4/8/2019</a:t>
             </a:fld>
             <a:endParaRPr lang="en-US"/>
           </a:p>
@@ -21387,7 +21387,7 @@
           <a:p>
             <a:fld id="{26CC6D46-8883-4C59-8F41-21D7EAD29FB2}" type="datetimeFigureOut">
               <a:rPr lang="en-US" smtClean="0"/>
-              <a:t>4/7/2019</a:t>
+              <a:t>4/8/2019</a:t>
             </a:fld>
             <a:endParaRPr lang="en-US"/>
           </a:p>
@@ -21666,7 +21666,7 @@
           <a:p>
             <a:fld id="{26CC6D46-8883-4C59-8F41-21D7EAD29FB2}" type="datetimeFigureOut">
               <a:rPr lang="en-US" smtClean="0"/>
-              <a:t>4/7/2019</a:t>
+              <a:t>4/8/2019</a:t>
             </a:fld>
             <a:endParaRPr lang="en-US"/>
           </a:p>
@@ -21919,7 +21919,7 @@
           <a:p>
             <a:fld id="{26CC6D46-8883-4C59-8F41-21D7EAD29FB2}" type="datetimeFigureOut">
               <a:rPr lang="en-US" smtClean="0"/>
-              <a:t>4/7/2019</a:t>
+              <a:t>4/8/2019</a:t>
             </a:fld>
             <a:endParaRPr lang="en-US"/>
           </a:p>
@@ -22132,7 +22132,7 @@
           <a:p>
             <a:fld id="{26CC6D46-8883-4C59-8F41-21D7EAD29FB2}" type="datetimeFigureOut">
               <a:rPr lang="en-US" smtClean="0"/>
-              <a:t>4/7/2019</a:t>
+              <a:t>4/8/2019</a:t>
             </a:fld>
             <a:endParaRPr lang="en-US"/>
           </a:p>
@@ -22641,7 +22641,7 @@
             <a:fld id="{1A337C23-E3EE-4DE1-9498-0ACEDE885A4A}" type="datetimeFigureOut">
               <a:rPr lang="de-DE" smtClean="0"/>
               <a:pPr/>
-              <a:t>07.04.2019</a:t>
+              <a:t>08.04.2019</a:t>
             </a:fld>
             <a:endParaRPr lang="de-DE"/>
           </a:p>
@@ -24048,7 +24048,7 @@
           <a:p>
             <a:r>
               <a:rPr lang="en-US" dirty="0"/>
-              <a:t>By Describing and Complementing</a:t>
+              <a:t>By describing and complementing</a:t>
             </a:r>
           </a:p>
           <a:p>

--- a/PRESENTATIONS/wot-summary-and-roadmap-04-2019.pptx
+++ b/PRESENTATIONS/wot-summary-and-roadmap-04-2019.pptx
@@ -1406,7 +1406,7 @@
           <a:graphicData uri="http://schemas.openxmlformats.org/presentationml/2006/ole">
             <mc:AlternateContent xmlns:mc="http://schemas.openxmlformats.org/markup-compatibility/2006">
               <mc:Choice xmlns:v="urn:schemas-microsoft-com:vml" Requires="v">
-                <p:oleObj spid="_x0000_s1065" name="think-cell Folie" r:id="rId9" imgW="270" imgH="270" progId="">
+                <p:oleObj spid="_x0000_s1066" name="think-cell Folie" r:id="rId9" imgW="270" imgH="270" progId="">
                   <p:embed/>
                 </p:oleObj>
               </mc:Choice>
@@ -38032,10 +38032,19 @@
                 </a:solidFill>
                 <a:latin typeface="Consolas" panose="020B0609020204030204" pitchFamily="49" charset="0"/>
               </a:rPr>
-              <a:t>  "security"</a:t>
-            </a:r>
-            <a:r>
-              <a:rPr lang="de-DE" sz="1600" dirty="0">
+              <a:t>  "security</a:t>
+            </a:r>
+            <a:r>
+              <a:rPr lang="de-DE" sz="1600" b="1">
+                <a:solidFill>
+                  <a:srgbClr val="4A7B7C"/>
+                </a:solidFill>
+                <a:latin typeface="Consolas" panose="020B0609020204030204" pitchFamily="49" charset="0"/>
+              </a:rPr>
+              <a:t>"</a:t>
+            </a:r>
+            <a:r>
+              <a:rPr lang="de-DE" sz="1600">
                 <a:solidFill>
                   <a:srgbClr val="000000"/>
                 </a:solidFill>
@@ -38044,13 +38053,22 @@
               <a:t>: [</a:t>
             </a:r>
             <a:r>
-              <a:rPr lang="de-DE" sz="1600" dirty="0">
+              <a:rPr lang="de-DE" sz="1600">
                 <a:solidFill>
                   <a:srgbClr val="4A7B7C"/>
                 </a:solidFill>
                 <a:latin typeface="Consolas" panose="020B0609020204030204" pitchFamily="49" charset="0"/>
               </a:rPr>
-              <a:t>"oauth2_sc"</a:t>
+              <a:t>"basic</a:t>
+            </a:r>
+            <a:r>
+              <a:rPr lang="de-DE" sz="1600" dirty="0">
+                <a:solidFill>
+                  <a:srgbClr val="4A7B7C"/>
+                </a:solidFill>
+                <a:latin typeface="Consolas" panose="020B0609020204030204" pitchFamily="49" charset="0"/>
+              </a:rPr>
+              <a:t>_sc"</a:t>
             </a:r>
             <a:r>
               <a:rPr lang="de-DE" sz="1600" dirty="0">

--- a/PRESENTATIONS/wot-summary-and-roadmap-04-2019.pptx
+++ b/PRESENTATIONS/wot-summary-and-roadmap-04-2019.pptx
@@ -1406,7 +1406,7 @@
           <a:graphicData uri="http://schemas.openxmlformats.org/presentationml/2006/ole">
             <mc:AlternateContent xmlns:mc="http://schemas.openxmlformats.org/markup-compatibility/2006">
               <mc:Choice xmlns:v="urn:schemas-microsoft-com:vml" Requires="v">
-                <p:oleObj spid="_x0000_s1066" name="think-cell Folie" r:id="rId9" imgW="270" imgH="270" progId="">
+                <p:oleObj spid="_x0000_s1076" name="think-cell Folie" r:id="rId9" imgW="270" imgH="270" progId="">
                   <p:embed/>
                 </p:oleObj>
               </mc:Choice>
@@ -25989,10 +25989,10 @@
       </p:grpSpPr>
       <p:grpSp>
         <p:nvGrpSpPr>
-          <p:cNvPr id="55" name="Group 54">
+          <p:cNvPr id="41" name="Group 40">
             <a:extLst>
               <a:ext uri="{FF2B5EF4-FFF2-40B4-BE49-F238E27FC236}">
-                <a16:creationId xmlns:a16="http://schemas.microsoft.com/office/drawing/2014/main" id="{18DFB0D4-43B9-4614-87D4-A88A9403AD17}"/>
+                <a16:creationId xmlns:a16="http://schemas.microsoft.com/office/drawing/2014/main" id="{84F4C95F-716D-486B-8E52-A8D98EFFA515}"/>
               </a:ext>
             </a:extLst>
           </p:cNvPr>
@@ -26002,900 +26002,17 @@
         <p:grpSpPr>
           <a:xfrm>
             <a:off x="7613311" y="910444"/>
-            <a:ext cx="4249324" cy="4803321"/>
+            <a:ext cx="4249324" cy="4836452"/>
             <a:chOff x="7613311" y="910444"/>
-            <a:chExt cx="4249324" cy="4803321"/>
+            <a:chExt cx="4249324" cy="4836452"/>
           </a:xfrm>
         </p:grpSpPr>
         <p:grpSp>
           <p:nvGrpSpPr>
-            <p:cNvPr id="54" name="Group 53">
+            <p:cNvPr id="55" name="Group 54">
               <a:extLst>
                 <a:ext uri="{FF2B5EF4-FFF2-40B4-BE49-F238E27FC236}">
-                  <a16:creationId xmlns:a16="http://schemas.microsoft.com/office/drawing/2014/main" id="{922A4212-081D-4B49-BD36-98C47B4A2A88}"/>
-                </a:ext>
-              </a:extLst>
-            </p:cNvPr>
-            <p:cNvGrpSpPr/>
-            <p:nvPr/>
-          </p:nvGrpSpPr>
-          <p:grpSpPr>
-            <a:xfrm>
-              <a:off x="8389718" y="1508627"/>
-              <a:ext cx="2719977" cy="3677433"/>
-              <a:chOff x="8389718" y="1508627"/>
-              <a:chExt cx="2719977" cy="3677433"/>
-            </a:xfrm>
-          </p:grpSpPr>
-          <p:sp>
-            <p:nvSpPr>
-              <p:cNvPr id="7" name="Oval 6">
-                <a:extLst>
-                  <a:ext uri="{FF2B5EF4-FFF2-40B4-BE49-F238E27FC236}">
-                    <a16:creationId xmlns:a16="http://schemas.microsoft.com/office/drawing/2014/main" id="{C28A8288-B046-42FA-B06A-5DBC93EE3D05}"/>
-                  </a:ext>
-                </a:extLst>
-              </p:cNvPr>
-              <p:cNvSpPr/>
-              <p:nvPr>
-                <p:custDataLst>
-                  <p:tags r:id="rId37"/>
-                </p:custDataLst>
-              </p:nvPr>
-            </p:nvSpPr>
-            <p:spPr>
-              <a:xfrm rot="5400000" flipV="1">
-                <a:off x="8653494" y="2000710"/>
-                <a:ext cx="2192426" cy="2719977"/>
-              </a:xfrm>
-              <a:prstGeom prst="ellipse">
-                <a:avLst/>
-              </a:prstGeom>
-              <a:gradFill flip="none" rotWithShape="1">
-                <a:gsLst>
-                  <a:gs pos="0">
-                    <a:srgbClr val="00AEEF">
-                      <a:alpha val="86000"/>
-                    </a:srgbClr>
-                  </a:gs>
-                  <a:gs pos="100000">
-                    <a:srgbClr val="00AEEF">
-                      <a:alpha val="26000"/>
-                    </a:srgbClr>
-                  </a:gs>
-                </a:gsLst>
-                <a:lin ang="0" scaled="1"/>
-                <a:tileRect/>
-              </a:gradFill>
-              <a:ln w="28575" cap="flat" cmpd="sng" algn="ctr">
-                <a:noFill/>
-                <a:prstDash val="solid"/>
-              </a:ln>
-              <a:effectLst>
-                <a:outerShdw blurRad="57785" dist="33020" dir="3180000" algn="ctr">
-                  <a:srgbClr val="000000">
-                    <a:alpha val="30000"/>
-                  </a:srgbClr>
-                </a:outerShdw>
-              </a:effectLst>
-            </p:spPr>
-            <p:txBody>
-              <a:bodyPr rtlCol="0" anchor="ctr"/>
-              <a:lstStyle/>
-              <a:p>
-                <a:pPr algn="ctr" defTabSz="914354">
-                  <a:defRPr>
-                    <a:effectLst/>
-                  </a:defRPr>
-                </a:pPr>
-                <a:endParaRPr lang="en-US" sz="3067" b="1" kern="0">
-                  <a:solidFill>
-                    <a:prstClr val="black"/>
-                  </a:solidFill>
-                  <a:latin typeface="Intel Clear"/>
-                </a:endParaRPr>
-              </a:p>
-            </p:txBody>
-          </p:sp>
-          <p:pic>
-            <p:nvPicPr>
-              <p:cNvPr id="4" name="Picture 3">
-                <a:extLst>
-                  <a:ext uri="{FF2B5EF4-FFF2-40B4-BE49-F238E27FC236}">
-                    <a16:creationId xmlns:a16="http://schemas.microsoft.com/office/drawing/2014/main" id="{0142B63B-168E-414B-8DB1-560E54D47D12}"/>
-                  </a:ext>
-                </a:extLst>
-              </p:cNvPr>
-              <p:cNvPicPr>
-                <a:picLocks noChangeAspect="1"/>
-              </p:cNvPicPr>
-              <p:nvPr/>
-            </p:nvPicPr>
-            <p:blipFill rotWithShape="1">
-              <a:blip r:embed="rId40" cstate="screen">
-                <a:extLst>
-                  <a:ext uri="{28A0092B-C50C-407E-A947-70E740481C1C}">
-                    <a14:useLocalDpi xmlns:a14="http://schemas.microsoft.com/office/drawing/2010/main"/>
-                  </a:ext>
-                </a:extLst>
-              </a:blip>
-              <a:srcRect/>
-              <a:stretch/>
-            </p:blipFill>
-            <p:spPr>
-              <a:xfrm rot="5400000">
-                <a:off x="7865124" y="2795355"/>
-                <a:ext cx="3677433" cy="1103977"/>
-              </a:xfrm>
-              <a:prstGeom prst="rect">
-                <a:avLst/>
-              </a:prstGeom>
-            </p:spPr>
-          </p:pic>
-        </p:grpSp>
-        <p:grpSp>
-          <p:nvGrpSpPr>
-            <p:cNvPr id="53" name="Group 52">
-              <a:extLst>
-                <a:ext uri="{FF2B5EF4-FFF2-40B4-BE49-F238E27FC236}">
-                  <a16:creationId xmlns:a16="http://schemas.microsoft.com/office/drawing/2014/main" id="{0A9EE1FF-91A8-411A-BE5A-5E7E479B6494}"/>
-                </a:ext>
-              </a:extLst>
-            </p:cNvPr>
-            <p:cNvGrpSpPr/>
-            <p:nvPr/>
-          </p:nvGrpSpPr>
-          <p:grpSpPr>
-            <a:xfrm>
-              <a:off x="7613311" y="3754626"/>
-              <a:ext cx="4249324" cy="1959139"/>
-              <a:chOff x="7613311" y="3754626"/>
-              <a:chExt cx="4249324" cy="1959139"/>
-            </a:xfrm>
-          </p:grpSpPr>
-          <p:sp>
-            <p:nvSpPr>
-              <p:cNvPr id="3" name="Flowchart: Manual Operation 2">
-                <a:extLst>
-                  <a:ext uri="{FF2B5EF4-FFF2-40B4-BE49-F238E27FC236}">
-                    <a16:creationId xmlns:a16="http://schemas.microsoft.com/office/drawing/2014/main" id="{7EFE8D1C-BFAE-4407-96BB-DF6E6FC9AEC9}"/>
-                  </a:ext>
-                </a:extLst>
-              </p:cNvPr>
-              <p:cNvSpPr/>
-              <p:nvPr>
-                <p:custDataLst>
-                  <p:tags r:id="rId32"/>
-                </p:custDataLst>
-              </p:nvPr>
-            </p:nvSpPr>
-            <p:spPr>
-              <a:xfrm rot="10800000">
-                <a:off x="7613311" y="3754626"/>
-                <a:ext cx="4249324" cy="1938613"/>
-              </a:xfrm>
-              <a:prstGeom prst="flowChartManualOperation">
-                <a:avLst/>
-              </a:prstGeom>
-              <a:gradFill>
-                <a:gsLst>
-                  <a:gs pos="12000">
-                    <a:srgbClr val="00AEEF">
-                      <a:lumMod val="98000"/>
-                      <a:alpha val="41000"/>
-                    </a:srgbClr>
-                  </a:gs>
-                  <a:gs pos="59000">
-                    <a:srgbClr val="00AEEF"/>
-                  </a:gs>
-                </a:gsLst>
-                <a:lin ang="15000000" scaled="0"/>
-              </a:gradFill>
-              <a:ln w="9525" cap="flat" cmpd="sng" algn="ctr">
-                <a:noFill/>
-                <a:prstDash val="solid"/>
-                <a:round/>
-                <a:headEnd type="none" w="med" len="med"/>
-                <a:tailEnd type="none" w="med" len="med"/>
-              </a:ln>
-              <a:effectLst/>
-            </p:spPr>
-            <p:txBody>
-              <a:bodyPr rot="0" spcFirstLastPara="0" vertOverflow="overflow" horzOverflow="overflow" vert="horz" wrap="square" lIns="91372" tIns="45688" rIns="91372" bIns="45688" numCol="1" spcCol="0" rtlCol="0" fromWordArt="0" anchor="ctr" anchorCtr="0" forceAA="0" compatLnSpc="1">
-                <a:prstTxWarp prst="textNoShape">
-                  <a:avLst/>
-                </a:prstTxWarp>
-                <a:noAutofit/>
-              </a:bodyPr>
-              <a:lstStyle/>
-              <a:p>
-                <a:pPr algn="ctr" defTabSz="914400" fontAlgn="base">
-                  <a:lnSpc>
-                    <a:spcPct val="85000"/>
-                  </a:lnSpc>
-                  <a:spcAft>
-                    <a:spcPct val="0"/>
-                  </a:spcAft>
-                  <a:buClr>
-                    <a:prstClr val="black"/>
-                  </a:buClr>
-                  <a:defRPr/>
-                </a:pPr>
-                <a:endParaRPr lang="en-US" sz="1400" kern="0" dirty="0">
-                  <a:solidFill>
-                    <a:prstClr val="white"/>
-                  </a:solidFill>
-                  <a:latin typeface="Intel Clear"/>
-                  <a:cs typeface="Arial" charset="0"/>
-                </a:endParaRPr>
-              </a:p>
-            </p:txBody>
-          </p:sp>
-          <p:sp>
-            <p:nvSpPr>
-              <p:cNvPr id="6" name="Rectangle 5">
-                <a:extLst>
-                  <a:ext uri="{FF2B5EF4-FFF2-40B4-BE49-F238E27FC236}">
-                    <a16:creationId xmlns:a16="http://schemas.microsoft.com/office/drawing/2014/main" id="{D9C2274F-EE42-43B5-BF32-B381968767B8}"/>
-                  </a:ext>
-                </a:extLst>
-              </p:cNvPr>
-              <p:cNvSpPr/>
-              <p:nvPr>
-                <p:custDataLst>
-                  <p:tags r:id="rId33"/>
-                </p:custDataLst>
-              </p:nvPr>
-            </p:nvSpPr>
-            <p:spPr>
-              <a:xfrm>
-                <a:off x="8791583" y="4993075"/>
-                <a:ext cx="1963659" cy="720690"/>
-              </a:xfrm>
-              <a:prstGeom prst="rect">
-                <a:avLst/>
-              </a:prstGeom>
-              <a:noFill/>
-              <a:ln w="12700" cap="flat" cmpd="sng" algn="ctr">
-                <a:noFill/>
-                <a:prstDash val="solid"/>
-              </a:ln>
-              <a:effectLst/>
-            </p:spPr>
-            <p:txBody>
-              <a:bodyPr tIns="121920" rtlCol="0" anchor="ctr"/>
-              <a:lstStyle>
-                <a:defPPr>
-                  <a:defRPr lang="en-US">
-                    <a:effectLst/>
-                  </a:defRPr>
-                </a:defPPr>
-                <a:lvl1pPr marL="0" algn="l" defTabSz="914400" rtl="0" eaLnBrk="1" latinLnBrk="0" hangingPunct="1">
-                  <a:defRPr sz="1800" kern="1200">
-                    <a:solidFill>
-                      <a:schemeClr val="tx1"/>
-                    </a:solidFill>
-                    <a:effectLst/>
-                    <a:latin typeface="+mn-lt"/>
-                    <a:ea typeface="+mn-ea"/>
-                    <a:cs typeface="+mn-cs"/>
-                  </a:defRPr>
-                </a:lvl1pPr>
-                <a:lvl2pPr marL="457200" algn="l" defTabSz="914400" rtl="0" eaLnBrk="1" latinLnBrk="0" hangingPunct="1">
-                  <a:defRPr sz="1800" kern="1200">
-                    <a:solidFill>
-                      <a:schemeClr val="tx1"/>
-                    </a:solidFill>
-                    <a:effectLst/>
-                    <a:latin typeface="+mn-lt"/>
-                    <a:ea typeface="+mn-ea"/>
-                    <a:cs typeface="+mn-cs"/>
-                  </a:defRPr>
-                </a:lvl2pPr>
-                <a:lvl3pPr marL="914400" algn="l" defTabSz="914400" rtl="0" eaLnBrk="1" latinLnBrk="0" hangingPunct="1">
-                  <a:defRPr sz="1800" kern="1200">
-                    <a:solidFill>
-                      <a:schemeClr val="tx1"/>
-                    </a:solidFill>
-                    <a:effectLst/>
-                    <a:latin typeface="+mn-lt"/>
-                    <a:ea typeface="+mn-ea"/>
-                    <a:cs typeface="+mn-cs"/>
-                  </a:defRPr>
-                </a:lvl3pPr>
-                <a:lvl4pPr marL="1371600" algn="l" defTabSz="914400" rtl="0" eaLnBrk="1" latinLnBrk="0" hangingPunct="1">
-                  <a:defRPr sz="1800" kern="1200">
-                    <a:solidFill>
-                      <a:schemeClr val="tx1"/>
-                    </a:solidFill>
-                    <a:effectLst/>
-                    <a:latin typeface="+mn-lt"/>
-                    <a:ea typeface="+mn-ea"/>
-                    <a:cs typeface="+mn-cs"/>
-                  </a:defRPr>
-                </a:lvl4pPr>
-                <a:lvl5pPr marL="1828800" algn="l" defTabSz="914400" rtl="0" eaLnBrk="1" latinLnBrk="0" hangingPunct="1">
-                  <a:defRPr sz="1800" kern="1200">
-                    <a:solidFill>
-                      <a:schemeClr val="tx1"/>
-                    </a:solidFill>
-                    <a:effectLst/>
-                    <a:latin typeface="+mn-lt"/>
-                    <a:ea typeface="+mn-ea"/>
-                    <a:cs typeface="+mn-cs"/>
-                  </a:defRPr>
-                </a:lvl5pPr>
-                <a:lvl6pPr marL="2286000" algn="l" defTabSz="914400" rtl="0" eaLnBrk="1" latinLnBrk="0" hangingPunct="1">
-                  <a:defRPr sz="1800" kern="1200">
-                    <a:solidFill>
-                      <a:schemeClr val="tx1"/>
-                    </a:solidFill>
-                    <a:effectLst/>
-                    <a:latin typeface="+mn-lt"/>
-                    <a:ea typeface="+mn-ea"/>
-                    <a:cs typeface="+mn-cs"/>
-                  </a:defRPr>
-                </a:lvl6pPr>
-                <a:lvl7pPr marL="2743200" algn="l" defTabSz="914400" rtl="0" eaLnBrk="1" latinLnBrk="0" hangingPunct="1">
-                  <a:defRPr sz="1800" kern="1200">
-                    <a:solidFill>
-                      <a:schemeClr val="tx1"/>
-                    </a:solidFill>
-                    <a:effectLst/>
-                    <a:latin typeface="+mn-lt"/>
-                    <a:ea typeface="+mn-ea"/>
-                    <a:cs typeface="+mn-cs"/>
-                  </a:defRPr>
-                </a:lvl7pPr>
-                <a:lvl8pPr marL="3200400" algn="l" defTabSz="914400" rtl="0" eaLnBrk="1" latinLnBrk="0" hangingPunct="1">
-                  <a:defRPr sz="1800" kern="1200">
-                    <a:solidFill>
-                      <a:schemeClr val="tx1"/>
-                    </a:solidFill>
-                    <a:effectLst/>
-                    <a:latin typeface="+mn-lt"/>
-                    <a:ea typeface="+mn-ea"/>
-                    <a:cs typeface="+mn-cs"/>
-                  </a:defRPr>
-                </a:lvl8pPr>
-                <a:lvl9pPr marL="3657600" algn="l" defTabSz="914400" rtl="0" eaLnBrk="1" latinLnBrk="0" hangingPunct="1">
-                  <a:defRPr sz="1800" kern="1200">
-                    <a:solidFill>
-                      <a:schemeClr val="tx1"/>
-                    </a:solidFill>
-                    <a:effectLst/>
-                    <a:latin typeface="+mn-lt"/>
-                    <a:ea typeface="+mn-ea"/>
-                    <a:cs typeface="+mn-cs"/>
-                  </a:defRPr>
-                </a:lvl9pPr>
-              </a:lstStyle>
-              <a:p>
-                <a:pPr algn="ctr">
-                  <a:lnSpc>
-                    <a:spcPct val="70000"/>
-                  </a:lnSpc>
-                  <a:defRPr>
-                    <a:effectLst/>
-                  </a:defRPr>
-                </a:pPr>
-                <a:r>
-                  <a:rPr lang="en-US" sz="2000" kern="0" dirty="0">
-                    <a:solidFill>
-                      <a:prstClr val="white"/>
-                    </a:solidFill>
-                    <a:latin typeface="Intel Clear Pro"/>
-                  </a:rPr>
-                  <a:t>IOT DEVICES</a:t>
-                </a:r>
-              </a:p>
-            </p:txBody>
-          </p:sp>
-          <p:sp>
-            <p:nvSpPr>
-              <p:cNvPr id="36" name="Rectangle 35">
-                <a:extLst>
-                  <a:ext uri="{FF2B5EF4-FFF2-40B4-BE49-F238E27FC236}">
-                    <a16:creationId xmlns:a16="http://schemas.microsoft.com/office/drawing/2014/main" id="{9641CF4F-10CF-4575-9180-4849EF8BFDBD}"/>
-                  </a:ext>
-                </a:extLst>
-              </p:cNvPr>
-              <p:cNvSpPr/>
-              <p:nvPr>
-                <p:custDataLst>
-                  <p:tags r:id="rId34"/>
-                </p:custDataLst>
-              </p:nvPr>
-            </p:nvSpPr>
-            <p:spPr>
-              <a:xfrm>
-                <a:off x="8346896" y="4315623"/>
-                <a:ext cx="2628242" cy="720690"/>
-              </a:xfrm>
-              <a:prstGeom prst="rect">
-                <a:avLst/>
-              </a:prstGeom>
-              <a:noFill/>
-              <a:ln w="12700" cap="flat" cmpd="sng" algn="ctr">
-                <a:noFill/>
-                <a:prstDash val="solid"/>
-              </a:ln>
-              <a:effectLst/>
-            </p:spPr>
-            <p:txBody>
-              <a:bodyPr tIns="121920" rtlCol="0" anchor="ctr"/>
-              <a:lstStyle>
-                <a:defPPr>
-                  <a:defRPr lang="en-US">
-                    <a:effectLst/>
-                  </a:defRPr>
-                </a:defPPr>
-                <a:lvl1pPr marL="0" algn="l" defTabSz="914400" rtl="0" eaLnBrk="1" latinLnBrk="0" hangingPunct="1">
-                  <a:defRPr sz="1800" kern="1200">
-                    <a:solidFill>
-                      <a:schemeClr val="tx1"/>
-                    </a:solidFill>
-                    <a:effectLst/>
-                    <a:latin typeface="+mn-lt"/>
-                    <a:ea typeface="+mn-ea"/>
-                    <a:cs typeface="+mn-cs"/>
-                  </a:defRPr>
-                </a:lvl1pPr>
-                <a:lvl2pPr marL="457200" algn="l" defTabSz="914400" rtl="0" eaLnBrk="1" latinLnBrk="0" hangingPunct="1">
-                  <a:defRPr sz="1800" kern="1200">
-                    <a:solidFill>
-                      <a:schemeClr val="tx1"/>
-                    </a:solidFill>
-                    <a:effectLst/>
-                    <a:latin typeface="+mn-lt"/>
-                    <a:ea typeface="+mn-ea"/>
-                    <a:cs typeface="+mn-cs"/>
-                  </a:defRPr>
-                </a:lvl2pPr>
-                <a:lvl3pPr marL="914400" algn="l" defTabSz="914400" rtl="0" eaLnBrk="1" latinLnBrk="0" hangingPunct="1">
-                  <a:defRPr sz="1800" kern="1200">
-                    <a:solidFill>
-                      <a:schemeClr val="tx1"/>
-                    </a:solidFill>
-                    <a:effectLst/>
-                    <a:latin typeface="+mn-lt"/>
-                    <a:ea typeface="+mn-ea"/>
-                    <a:cs typeface="+mn-cs"/>
-                  </a:defRPr>
-                </a:lvl3pPr>
-                <a:lvl4pPr marL="1371600" algn="l" defTabSz="914400" rtl="0" eaLnBrk="1" latinLnBrk="0" hangingPunct="1">
-                  <a:defRPr sz="1800" kern="1200">
-                    <a:solidFill>
-                      <a:schemeClr val="tx1"/>
-                    </a:solidFill>
-                    <a:effectLst/>
-                    <a:latin typeface="+mn-lt"/>
-                    <a:ea typeface="+mn-ea"/>
-                    <a:cs typeface="+mn-cs"/>
-                  </a:defRPr>
-                </a:lvl4pPr>
-                <a:lvl5pPr marL="1828800" algn="l" defTabSz="914400" rtl="0" eaLnBrk="1" latinLnBrk="0" hangingPunct="1">
-                  <a:defRPr sz="1800" kern="1200">
-                    <a:solidFill>
-                      <a:schemeClr val="tx1"/>
-                    </a:solidFill>
-                    <a:effectLst/>
-                    <a:latin typeface="+mn-lt"/>
-                    <a:ea typeface="+mn-ea"/>
-                    <a:cs typeface="+mn-cs"/>
-                  </a:defRPr>
-                </a:lvl5pPr>
-                <a:lvl6pPr marL="2286000" algn="l" defTabSz="914400" rtl="0" eaLnBrk="1" latinLnBrk="0" hangingPunct="1">
-                  <a:defRPr sz="1800" kern="1200">
-                    <a:solidFill>
-                      <a:schemeClr val="tx1"/>
-                    </a:solidFill>
-                    <a:effectLst/>
-                    <a:latin typeface="+mn-lt"/>
-                    <a:ea typeface="+mn-ea"/>
-                    <a:cs typeface="+mn-cs"/>
-                  </a:defRPr>
-                </a:lvl6pPr>
-                <a:lvl7pPr marL="2743200" algn="l" defTabSz="914400" rtl="0" eaLnBrk="1" latinLnBrk="0" hangingPunct="1">
-                  <a:defRPr sz="1800" kern="1200">
-                    <a:solidFill>
-                      <a:schemeClr val="tx1"/>
-                    </a:solidFill>
-                    <a:effectLst/>
-                    <a:latin typeface="+mn-lt"/>
-                    <a:ea typeface="+mn-ea"/>
-                    <a:cs typeface="+mn-cs"/>
-                  </a:defRPr>
-                </a:lvl7pPr>
-                <a:lvl8pPr marL="3200400" algn="l" defTabSz="914400" rtl="0" eaLnBrk="1" latinLnBrk="0" hangingPunct="1">
-                  <a:defRPr sz="1800" kern="1200">
-                    <a:solidFill>
-                      <a:schemeClr val="tx1"/>
-                    </a:solidFill>
-                    <a:effectLst/>
-                    <a:latin typeface="+mn-lt"/>
-                    <a:ea typeface="+mn-ea"/>
-                    <a:cs typeface="+mn-cs"/>
-                  </a:defRPr>
-                </a:lvl8pPr>
-                <a:lvl9pPr marL="3657600" algn="l" defTabSz="914400" rtl="0" eaLnBrk="1" latinLnBrk="0" hangingPunct="1">
-                  <a:defRPr sz="1800" kern="1200">
-                    <a:solidFill>
-                      <a:schemeClr val="tx1"/>
-                    </a:solidFill>
-                    <a:effectLst/>
-                    <a:latin typeface="+mn-lt"/>
-                    <a:ea typeface="+mn-ea"/>
-                    <a:cs typeface="+mn-cs"/>
-                  </a:defRPr>
-                </a:lvl9pPr>
-              </a:lstStyle>
-              <a:p>
-                <a:pPr algn="ctr">
-                  <a:lnSpc>
-                    <a:spcPct val="70000"/>
-                  </a:lnSpc>
-                  <a:defRPr>
-                    <a:effectLst/>
-                  </a:defRPr>
-                </a:pPr>
-                <a:r>
-                  <a:rPr lang="en-US" sz="2000" kern="0" dirty="0">
-                    <a:solidFill>
-                      <a:prstClr val="white"/>
-                    </a:solidFill>
-                    <a:latin typeface="Intel Clear Pro"/>
-                  </a:rPr>
-                  <a:t>     JSON XML CBOR JPEG…</a:t>
-                </a:r>
-              </a:p>
-            </p:txBody>
-          </p:sp>
-          <p:sp>
-            <p:nvSpPr>
-              <p:cNvPr id="37" name="Rectangle 36">
-                <a:extLst>
-                  <a:ext uri="{FF2B5EF4-FFF2-40B4-BE49-F238E27FC236}">
-                    <a16:creationId xmlns:a16="http://schemas.microsoft.com/office/drawing/2014/main" id="{2DD894DA-7EE5-49C8-B9EB-4CADFE78F721}"/>
-                  </a:ext>
-                </a:extLst>
-              </p:cNvPr>
-              <p:cNvSpPr/>
-              <p:nvPr>
-                <p:custDataLst>
-                  <p:tags r:id="rId35"/>
-                </p:custDataLst>
-              </p:nvPr>
-            </p:nvSpPr>
-            <p:spPr>
-              <a:xfrm>
-                <a:off x="7894500" y="3986377"/>
-                <a:ext cx="3738360" cy="720690"/>
-              </a:xfrm>
-              <a:prstGeom prst="rect">
-                <a:avLst/>
-              </a:prstGeom>
-              <a:noFill/>
-              <a:ln w="12700" cap="flat" cmpd="sng" algn="ctr">
-                <a:noFill/>
-                <a:prstDash val="solid"/>
-              </a:ln>
-              <a:effectLst/>
-            </p:spPr>
-            <p:txBody>
-              <a:bodyPr tIns="121920" rtlCol="0" anchor="ctr"/>
-              <a:lstStyle>
-                <a:defPPr>
-                  <a:defRPr lang="en-US">
-                    <a:effectLst/>
-                  </a:defRPr>
-                </a:defPPr>
-                <a:lvl1pPr marL="0" algn="l" defTabSz="914400" rtl="0" eaLnBrk="1" latinLnBrk="0" hangingPunct="1">
-                  <a:defRPr sz="1800" kern="1200">
-                    <a:solidFill>
-                      <a:schemeClr val="tx1"/>
-                    </a:solidFill>
-                    <a:effectLst/>
-                    <a:latin typeface="+mn-lt"/>
-                    <a:ea typeface="+mn-ea"/>
-                    <a:cs typeface="+mn-cs"/>
-                  </a:defRPr>
-                </a:lvl1pPr>
-                <a:lvl2pPr marL="457200" algn="l" defTabSz="914400" rtl="0" eaLnBrk="1" latinLnBrk="0" hangingPunct="1">
-                  <a:defRPr sz="1800" kern="1200">
-                    <a:solidFill>
-                      <a:schemeClr val="tx1"/>
-                    </a:solidFill>
-                    <a:effectLst/>
-                    <a:latin typeface="+mn-lt"/>
-                    <a:ea typeface="+mn-ea"/>
-                    <a:cs typeface="+mn-cs"/>
-                  </a:defRPr>
-                </a:lvl2pPr>
-                <a:lvl3pPr marL="914400" algn="l" defTabSz="914400" rtl="0" eaLnBrk="1" latinLnBrk="0" hangingPunct="1">
-                  <a:defRPr sz="1800" kern="1200">
-                    <a:solidFill>
-                      <a:schemeClr val="tx1"/>
-                    </a:solidFill>
-                    <a:effectLst/>
-                    <a:latin typeface="+mn-lt"/>
-                    <a:ea typeface="+mn-ea"/>
-                    <a:cs typeface="+mn-cs"/>
-                  </a:defRPr>
-                </a:lvl3pPr>
-                <a:lvl4pPr marL="1371600" algn="l" defTabSz="914400" rtl="0" eaLnBrk="1" latinLnBrk="0" hangingPunct="1">
-                  <a:defRPr sz="1800" kern="1200">
-                    <a:solidFill>
-                      <a:schemeClr val="tx1"/>
-                    </a:solidFill>
-                    <a:effectLst/>
-                    <a:latin typeface="+mn-lt"/>
-                    <a:ea typeface="+mn-ea"/>
-                    <a:cs typeface="+mn-cs"/>
-                  </a:defRPr>
-                </a:lvl4pPr>
-                <a:lvl5pPr marL="1828800" algn="l" defTabSz="914400" rtl="0" eaLnBrk="1" latinLnBrk="0" hangingPunct="1">
-                  <a:defRPr sz="1800" kern="1200">
-                    <a:solidFill>
-                      <a:schemeClr val="tx1"/>
-                    </a:solidFill>
-                    <a:effectLst/>
-                    <a:latin typeface="+mn-lt"/>
-                    <a:ea typeface="+mn-ea"/>
-                    <a:cs typeface="+mn-cs"/>
-                  </a:defRPr>
-                </a:lvl5pPr>
-                <a:lvl6pPr marL="2286000" algn="l" defTabSz="914400" rtl="0" eaLnBrk="1" latinLnBrk="0" hangingPunct="1">
-                  <a:defRPr sz="1800" kern="1200">
-                    <a:solidFill>
-                      <a:schemeClr val="tx1"/>
-                    </a:solidFill>
-                    <a:effectLst/>
-                    <a:latin typeface="+mn-lt"/>
-                    <a:ea typeface="+mn-ea"/>
-                    <a:cs typeface="+mn-cs"/>
-                  </a:defRPr>
-                </a:lvl6pPr>
-                <a:lvl7pPr marL="2743200" algn="l" defTabSz="914400" rtl="0" eaLnBrk="1" latinLnBrk="0" hangingPunct="1">
-                  <a:defRPr sz="1800" kern="1200">
-                    <a:solidFill>
-                      <a:schemeClr val="tx1"/>
-                    </a:solidFill>
-                    <a:effectLst/>
-                    <a:latin typeface="+mn-lt"/>
-                    <a:ea typeface="+mn-ea"/>
-                    <a:cs typeface="+mn-cs"/>
-                  </a:defRPr>
-                </a:lvl7pPr>
-                <a:lvl8pPr marL="3200400" algn="l" defTabSz="914400" rtl="0" eaLnBrk="1" latinLnBrk="0" hangingPunct="1">
-                  <a:defRPr sz="1800" kern="1200">
-                    <a:solidFill>
-                      <a:schemeClr val="tx1"/>
-                    </a:solidFill>
-                    <a:effectLst/>
-                    <a:latin typeface="+mn-lt"/>
-                    <a:ea typeface="+mn-ea"/>
-                    <a:cs typeface="+mn-cs"/>
-                  </a:defRPr>
-                </a:lvl8pPr>
-                <a:lvl9pPr marL="3657600" algn="l" defTabSz="914400" rtl="0" eaLnBrk="1" latinLnBrk="0" hangingPunct="1">
-                  <a:defRPr sz="1800" kern="1200">
-                    <a:solidFill>
-                      <a:schemeClr val="tx1"/>
-                    </a:solidFill>
-                    <a:effectLst/>
-                    <a:latin typeface="+mn-lt"/>
-                    <a:ea typeface="+mn-ea"/>
-                    <a:cs typeface="+mn-cs"/>
-                  </a:defRPr>
-                </a:lvl9pPr>
-              </a:lstStyle>
-              <a:p>
-                <a:pPr algn="ctr">
-                  <a:lnSpc>
-                    <a:spcPct val="70000"/>
-                  </a:lnSpc>
-                  <a:defRPr>
-                    <a:effectLst/>
-                  </a:defRPr>
-                </a:pPr>
-                <a:r>
-                  <a:rPr lang="en-US" sz="2000" kern="0" dirty="0">
-                    <a:solidFill>
-                      <a:prstClr val="white"/>
-                    </a:solidFill>
-                    <a:latin typeface="Intel Clear Pro"/>
-                  </a:rPr>
-                  <a:t>ONEM2M OCF ECHONET ZIGBEE OPC-UA… </a:t>
-                </a:r>
-              </a:p>
-            </p:txBody>
-          </p:sp>
-          <p:sp>
-            <p:nvSpPr>
-              <p:cNvPr id="43" name="Rectangle 42">
-                <a:extLst>
-                  <a:ext uri="{FF2B5EF4-FFF2-40B4-BE49-F238E27FC236}">
-                    <a16:creationId xmlns:a16="http://schemas.microsoft.com/office/drawing/2014/main" id="{E2B0B32B-7F3E-4F4D-A26D-3FF08977A2B3}"/>
-                  </a:ext>
-                </a:extLst>
-              </p:cNvPr>
-              <p:cNvSpPr/>
-              <p:nvPr>
-                <p:custDataLst>
-                  <p:tags r:id="rId36"/>
-                </p:custDataLst>
-              </p:nvPr>
-            </p:nvSpPr>
-            <p:spPr>
-              <a:xfrm>
-                <a:off x="8389718" y="4667283"/>
-                <a:ext cx="2628242" cy="720690"/>
-              </a:xfrm>
-              <a:prstGeom prst="rect">
-                <a:avLst/>
-              </a:prstGeom>
-              <a:noFill/>
-              <a:ln w="12700" cap="flat" cmpd="sng" algn="ctr">
-                <a:noFill/>
-                <a:prstDash val="solid"/>
-              </a:ln>
-              <a:effectLst/>
-            </p:spPr>
-            <p:txBody>
-              <a:bodyPr tIns="121920" rtlCol="0" anchor="ctr"/>
-              <a:lstStyle>
-                <a:defPPr>
-                  <a:defRPr lang="en-US">
-                    <a:effectLst/>
-                  </a:defRPr>
-                </a:defPPr>
-                <a:lvl1pPr marL="0" algn="l" defTabSz="914400" rtl="0" eaLnBrk="1" latinLnBrk="0" hangingPunct="1">
-                  <a:defRPr sz="1800" kern="1200">
-                    <a:solidFill>
-                      <a:schemeClr val="tx1"/>
-                    </a:solidFill>
-                    <a:effectLst/>
-                    <a:latin typeface="+mn-lt"/>
-                    <a:ea typeface="+mn-ea"/>
-                    <a:cs typeface="+mn-cs"/>
-                  </a:defRPr>
-                </a:lvl1pPr>
-                <a:lvl2pPr marL="457200" algn="l" defTabSz="914400" rtl="0" eaLnBrk="1" latinLnBrk="0" hangingPunct="1">
-                  <a:defRPr sz="1800" kern="1200">
-                    <a:solidFill>
-                      <a:schemeClr val="tx1"/>
-                    </a:solidFill>
-                    <a:effectLst/>
-                    <a:latin typeface="+mn-lt"/>
-                    <a:ea typeface="+mn-ea"/>
-                    <a:cs typeface="+mn-cs"/>
-                  </a:defRPr>
-                </a:lvl2pPr>
-                <a:lvl3pPr marL="914400" algn="l" defTabSz="914400" rtl="0" eaLnBrk="1" latinLnBrk="0" hangingPunct="1">
-                  <a:defRPr sz="1800" kern="1200">
-                    <a:solidFill>
-                      <a:schemeClr val="tx1"/>
-                    </a:solidFill>
-                    <a:effectLst/>
-                    <a:latin typeface="+mn-lt"/>
-                    <a:ea typeface="+mn-ea"/>
-                    <a:cs typeface="+mn-cs"/>
-                  </a:defRPr>
-                </a:lvl3pPr>
-                <a:lvl4pPr marL="1371600" algn="l" defTabSz="914400" rtl="0" eaLnBrk="1" latinLnBrk="0" hangingPunct="1">
-                  <a:defRPr sz="1800" kern="1200">
-                    <a:solidFill>
-                      <a:schemeClr val="tx1"/>
-                    </a:solidFill>
-                    <a:effectLst/>
-                    <a:latin typeface="+mn-lt"/>
-                    <a:ea typeface="+mn-ea"/>
-                    <a:cs typeface="+mn-cs"/>
-                  </a:defRPr>
-                </a:lvl4pPr>
-                <a:lvl5pPr marL="1828800" algn="l" defTabSz="914400" rtl="0" eaLnBrk="1" latinLnBrk="0" hangingPunct="1">
-                  <a:defRPr sz="1800" kern="1200">
-                    <a:solidFill>
-                      <a:schemeClr val="tx1"/>
-                    </a:solidFill>
-                    <a:effectLst/>
-                    <a:latin typeface="+mn-lt"/>
-                    <a:ea typeface="+mn-ea"/>
-                    <a:cs typeface="+mn-cs"/>
-                  </a:defRPr>
-                </a:lvl5pPr>
-                <a:lvl6pPr marL="2286000" algn="l" defTabSz="914400" rtl="0" eaLnBrk="1" latinLnBrk="0" hangingPunct="1">
-                  <a:defRPr sz="1800" kern="1200">
-                    <a:solidFill>
-                      <a:schemeClr val="tx1"/>
-                    </a:solidFill>
-                    <a:effectLst/>
-                    <a:latin typeface="+mn-lt"/>
-                    <a:ea typeface="+mn-ea"/>
-                    <a:cs typeface="+mn-cs"/>
-                  </a:defRPr>
-                </a:lvl6pPr>
-                <a:lvl7pPr marL="2743200" algn="l" defTabSz="914400" rtl="0" eaLnBrk="1" latinLnBrk="0" hangingPunct="1">
-                  <a:defRPr sz="1800" kern="1200">
-                    <a:solidFill>
-                      <a:schemeClr val="tx1"/>
-                    </a:solidFill>
-                    <a:effectLst/>
-                    <a:latin typeface="+mn-lt"/>
-                    <a:ea typeface="+mn-ea"/>
-                    <a:cs typeface="+mn-cs"/>
-                  </a:defRPr>
-                </a:lvl7pPr>
-                <a:lvl8pPr marL="3200400" algn="l" defTabSz="914400" rtl="0" eaLnBrk="1" latinLnBrk="0" hangingPunct="1">
-                  <a:defRPr sz="1800" kern="1200">
-                    <a:solidFill>
-                      <a:schemeClr val="tx1"/>
-                    </a:solidFill>
-                    <a:effectLst/>
-                    <a:latin typeface="+mn-lt"/>
-                    <a:ea typeface="+mn-ea"/>
-                    <a:cs typeface="+mn-cs"/>
-                  </a:defRPr>
-                </a:lvl8pPr>
-                <a:lvl9pPr marL="3657600" algn="l" defTabSz="914400" rtl="0" eaLnBrk="1" latinLnBrk="0" hangingPunct="1">
-                  <a:defRPr sz="1800" kern="1200">
-                    <a:solidFill>
-                      <a:schemeClr val="tx1"/>
-                    </a:solidFill>
-                    <a:effectLst/>
-                    <a:latin typeface="+mn-lt"/>
-                    <a:ea typeface="+mn-ea"/>
-                    <a:cs typeface="+mn-cs"/>
-                  </a:defRPr>
-                </a:lvl9pPr>
-              </a:lstStyle>
-              <a:p>
-                <a:pPr algn="ctr">
-                  <a:lnSpc>
-                    <a:spcPct val="70000"/>
-                  </a:lnSpc>
-                  <a:defRPr>
-                    <a:effectLst/>
-                  </a:defRPr>
-                </a:pPr>
-                <a:r>
-                  <a:rPr lang="en-US" sz="2000" kern="0" dirty="0">
-                    <a:solidFill>
-                      <a:prstClr val="white"/>
-                    </a:solidFill>
-                    <a:latin typeface="Intel Clear Pro"/>
-                  </a:rPr>
-                  <a:t>     HTTP </a:t>
-                </a:r>
-                <a:r>
-                  <a:rPr lang="en-US" sz="2000" kern="0" dirty="0" err="1">
-                    <a:solidFill>
-                      <a:prstClr val="white"/>
-                    </a:solidFill>
-                    <a:latin typeface="Intel Clear Pro"/>
-                  </a:rPr>
-                  <a:t>CoAP</a:t>
-                </a:r>
-                <a:r>
-                  <a:rPr lang="en-US" sz="2000" kern="0" dirty="0">
-                    <a:solidFill>
-                      <a:prstClr val="white"/>
-                    </a:solidFill>
-                    <a:latin typeface="Intel Clear Pro"/>
-                  </a:rPr>
-                  <a:t> MQTT BACNET ZWAVE… </a:t>
-                </a:r>
-              </a:p>
-            </p:txBody>
-          </p:sp>
-        </p:grpSp>
-        <p:grpSp>
-          <p:nvGrpSpPr>
-            <p:cNvPr id="52" name="Group 51">
-              <a:extLst>
-                <a:ext uri="{FF2B5EF4-FFF2-40B4-BE49-F238E27FC236}">
-                  <a16:creationId xmlns:a16="http://schemas.microsoft.com/office/drawing/2014/main" id="{07AA207D-2FE5-49E4-9E1D-36BC118B9961}"/>
+                  <a16:creationId xmlns:a16="http://schemas.microsoft.com/office/drawing/2014/main" id="{18DFB0D4-43B9-4614-87D4-A88A9403AD17}"/>
                 </a:ext>
               </a:extLst>
             </p:cNvPr>
@@ -26905,890 +26022,2093 @@
           <p:grpSpPr>
             <a:xfrm>
               <a:off x="7613311" y="910444"/>
-              <a:ext cx="4249324" cy="2080845"/>
+              <a:ext cx="4249324" cy="4836452"/>
               <a:chOff x="7613311" y="910444"/>
-              <a:chExt cx="4249324" cy="2080845"/>
+              <a:chExt cx="4249324" cy="4836452"/>
             </a:xfrm>
           </p:grpSpPr>
-          <p:sp>
-            <p:nvSpPr>
-              <p:cNvPr id="5" name="Flowchart: Manual Operation 4">
+          <p:grpSp>
+            <p:nvGrpSpPr>
+              <p:cNvPr id="54" name="Group 53">
                 <a:extLst>
                   <a:ext uri="{FF2B5EF4-FFF2-40B4-BE49-F238E27FC236}">
-                    <a16:creationId xmlns:a16="http://schemas.microsoft.com/office/drawing/2014/main" id="{C3041B53-9F64-46EB-95A0-B684D8DABD2B}"/>
+                    <a16:creationId xmlns:a16="http://schemas.microsoft.com/office/drawing/2014/main" id="{922A4212-081D-4B49-BD36-98C47B4A2A88}"/>
                   </a:ext>
                 </a:extLst>
               </p:cNvPr>
-              <p:cNvSpPr/>
-              <p:nvPr>
-                <p:custDataLst>
-                  <p:tags r:id="rId26"/>
-                </p:custDataLst>
-              </p:nvPr>
-            </p:nvSpPr>
-            <p:spPr>
+              <p:cNvGrpSpPr/>
+              <p:nvPr/>
+            </p:nvGrpSpPr>
+            <p:grpSpPr>
               <a:xfrm>
-                <a:off x="7613311" y="1028157"/>
-                <a:ext cx="4249324" cy="1938613"/>
+                <a:off x="8389718" y="1508627"/>
+                <a:ext cx="2719977" cy="3677433"/>
+                <a:chOff x="8389718" y="1508627"/>
+                <a:chExt cx="2719977" cy="3677433"/>
               </a:xfrm>
-              <a:prstGeom prst="flowChartManualOperation">
-                <a:avLst/>
-              </a:prstGeom>
-              <a:gradFill>
-                <a:gsLst>
-                  <a:gs pos="12000">
-                    <a:srgbClr val="00AEEF">
-                      <a:lumMod val="98000"/>
-                      <a:alpha val="41000"/>
+            </p:grpSpPr>
+            <p:sp>
+              <p:nvSpPr>
+                <p:cNvPr id="7" name="Oval 6">
+                  <a:extLst>
+                    <a:ext uri="{FF2B5EF4-FFF2-40B4-BE49-F238E27FC236}">
+                      <a16:creationId xmlns:a16="http://schemas.microsoft.com/office/drawing/2014/main" id="{C28A8288-B046-42FA-B06A-5DBC93EE3D05}"/>
+                    </a:ext>
+                  </a:extLst>
+                </p:cNvPr>
+                <p:cNvSpPr/>
+                <p:nvPr>
+                  <p:custDataLst>
+                    <p:tags r:id="rId37"/>
+                  </p:custDataLst>
+                </p:nvPr>
+              </p:nvSpPr>
+              <p:spPr>
+                <a:xfrm rot="5400000" flipV="1">
+                  <a:off x="8653494" y="2000710"/>
+                  <a:ext cx="2192426" cy="2719977"/>
+                </a:xfrm>
+                <a:prstGeom prst="ellipse">
+                  <a:avLst/>
+                </a:prstGeom>
+                <a:gradFill flip="none" rotWithShape="1">
+                  <a:gsLst>
+                    <a:gs pos="0">
+                      <a:srgbClr val="00AEEF">
+                        <a:alpha val="86000"/>
+                      </a:srgbClr>
+                    </a:gs>
+                    <a:gs pos="100000">
+                      <a:srgbClr val="00AEEF">
+                        <a:alpha val="26000"/>
+                      </a:srgbClr>
+                    </a:gs>
+                  </a:gsLst>
+                  <a:lin ang="0" scaled="1"/>
+                  <a:tileRect/>
+                </a:gradFill>
+                <a:ln w="28575" cap="flat" cmpd="sng" algn="ctr">
+                  <a:noFill/>
+                  <a:prstDash val="solid"/>
+                </a:ln>
+                <a:effectLst>
+                  <a:outerShdw blurRad="57785" dist="33020" dir="3180000" algn="ctr">
+                    <a:srgbClr val="000000">
+                      <a:alpha val="30000"/>
                     </a:srgbClr>
-                  </a:gs>
-                  <a:gs pos="59000">
-                    <a:srgbClr val="00AEEF"/>
-                  </a:gs>
-                </a:gsLst>
-                <a:lin ang="15000000" scaled="0"/>
-              </a:gradFill>
-              <a:ln w="9525" cap="flat" cmpd="sng" algn="ctr">
+                  </a:outerShdw>
+                </a:effectLst>
+              </p:spPr>
+              <p:txBody>
+                <a:bodyPr rtlCol="0" anchor="ctr"/>
+                <a:lstStyle/>
+                <a:p>
+                  <a:pPr algn="ctr" defTabSz="914354">
+                    <a:defRPr>
+                      <a:effectLst/>
+                    </a:defRPr>
+                  </a:pPr>
+                  <a:endParaRPr lang="en-US" sz="3067" b="1" kern="0">
+                    <a:solidFill>
+                      <a:prstClr val="black"/>
+                    </a:solidFill>
+                    <a:latin typeface="Intel Clear"/>
+                  </a:endParaRPr>
+                </a:p>
+              </p:txBody>
+            </p:sp>
+            <p:pic>
+              <p:nvPicPr>
+                <p:cNvPr id="4" name="Picture 3">
+                  <a:extLst>
+                    <a:ext uri="{FF2B5EF4-FFF2-40B4-BE49-F238E27FC236}">
+                      <a16:creationId xmlns:a16="http://schemas.microsoft.com/office/drawing/2014/main" id="{0142B63B-168E-414B-8DB1-560E54D47D12}"/>
+                    </a:ext>
+                  </a:extLst>
+                </p:cNvPr>
+                <p:cNvPicPr>
+                  <a:picLocks noChangeAspect="1"/>
+                </p:cNvPicPr>
+                <p:nvPr/>
+              </p:nvPicPr>
+              <p:blipFill rotWithShape="1">
+                <a:blip r:embed="rId40" cstate="screen">
+                  <a:extLst>
+                    <a:ext uri="{28A0092B-C50C-407E-A947-70E740481C1C}">
+                      <a14:useLocalDpi xmlns:a14="http://schemas.microsoft.com/office/drawing/2010/main"/>
+                    </a:ext>
+                  </a:extLst>
+                </a:blip>
+                <a:srcRect/>
+                <a:stretch/>
+              </p:blipFill>
+              <p:spPr>
+                <a:xfrm rot="5400000">
+                  <a:off x="7865124" y="2795355"/>
+                  <a:ext cx="3677433" cy="1103977"/>
+                </a:xfrm>
+                <a:prstGeom prst="rect">
+                  <a:avLst/>
+                </a:prstGeom>
+              </p:spPr>
+            </p:pic>
+          </p:grpSp>
+          <p:grpSp>
+            <p:nvGrpSpPr>
+              <p:cNvPr id="53" name="Group 52">
+                <a:extLst>
+                  <a:ext uri="{FF2B5EF4-FFF2-40B4-BE49-F238E27FC236}">
+                    <a16:creationId xmlns:a16="http://schemas.microsoft.com/office/drawing/2014/main" id="{0A9EE1FF-91A8-411A-BE5A-5E7E479B6494}"/>
+                  </a:ext>
+                </a:extLst>
+              </p:cNvPr>
+              <p:cNvGrpSpPr/>
+              <p:nvPr/>
+            </p:nvGrpSpPr>
+            <p:grpSpPr>
+              <a:xfrm>
+                <a:off x="7613311" y="3754626"/>
+                <a:ext cx="4249324" cy="1992270"/>
+                <a:chOff x="7613311" y="3754626"/>
+                <a:chExt cx="4249324" cy="1992270"/>
+              </a:xfrm>
+            </p:grpSpPr>
+            <p:sp>
+              <p:nvSpPr>
+                <p:cNvPr id="3" name="Flowchart: Manual Operation 2">
+                  <a:extLst>
+                    <a:ext uri="{FF2B5EF4-FFF2-40B4-BE49-F238E27FC236}">
+                      <a16:creationId xmlns:a16="http://schemas.microsoft.com/office/drawing/2014/main" id="{7EFE8D1C-BFAE-4407-96BB-DF6E6FC9AEC9}"/>
+                    </a:ext>
+                  </a:extLst>
+                </p:cNvPr>
+                <p:cNvSpPr/>
+                <p:nvPr>
+                  <p:custDataLst>
+                    <p:tags r:id="rId32"/>
+                  </p:custDataLst>
+                </p:nvPr>
+              </p:nvSpPr>
+              <p:spPr>
+                <a:xfrm rot="10800000">
+                  <a:off x="7613311" y="3754626"/>
+                  <a:ext cx="4249324" cy="1938613"/>
+                </a:xfrm>
+                <a:prstGeom prst="flowChartManualOperation">
+                  <a:avLst/>
+                </a:prstGeom>
+                <a:gradFill>
+                  <a:gsLst>
+                    <a:gs pos="12000">
+                      <a:srgbClr val="00AEEF">
+                        <a:lumMod val="98000"/>
+                        <a:alpha val="41000"/>
+                      </a:srgbClr>
+                    </a:gs>
+                    <a:gs pos="59000">
+                      <a:srgbClr val="00AEEF"/>
+                    </a:gs>
+                  </a:gsLst>
+                  <a:lin ang="15000000" scaled="0"/>
+                </a:gradFill>
+                <a:ln w="9525" cap="flat" cmpd="sng" algn="ctr">
+                  <a:noFill/>
+                  <a:prstDash val="solid"/>
+                  <a:round/>
+                  <a:headEnd type="none" w="med" len="med"/>
+                  <a:tailEnd type="none" w="med" len="med"/>
+                </a:ln>
+                <a:effectLst/>
+              </p:spPr>
+              <p:txBody>
+                <a:bodyPr rot="0" spcFirstLastPara="0" vertOverflow="overflow" horzOverflow="overflow" vert="horz" wrap="square" lIns="91372" tIns="45688" rIns="91372" bIns="45688" numCol="1" spcCol="0" rtlCol="0" fromWordArt="0" anchor="ctr" anchorCtr="0" forceAA="0" compatLnSpc="1">
+                  <a:prstTxWarp prst="textNoShape">
+                    <a:avLst/>
+                  </a:prstTxWarp>
+                  <a:noAutofit/>
+                </a:bodyPr>
+                <a:lstStyle/>
+                <a:p>
+                  <a:pPr algn="ctr" defTabSz="914400" fontAlgn="base">
+                    <a:lnSpc>
+                      <a:spcPct val="85000"/>
+                    </a:lnSpc>
+                    <a:spcAft>
+                      <a:spcPct val="0"/>
+                    </a:spcAft>
+                    <a:buClr>
+                      <a:prstClr val="black"/>
+                    </a:buClr>
+                    <a:defRPr/>
+                  </a:pPr>
+                  <a:endParaRPr lang="en-US" sz="1400" kern="0" dirty="0">
+                    <a:solidFill>
+                      <a:prstClr val="white"/>
+                    </a:solidFill>
+                    <a:latin typeface="Intel Clear"/>
+                    <a:cs typeface="Arial" charset="0"/>
+                  </a:endParaRPr>
+                </a:p>
+              </p:txBody>
+            </p:sp>
+            <p:sp>
+              <p:nvSpPr>
+                <p:cNvPr id="6" name="Rectangle 5">
+                  <a:extLst>
+                    <a:ext uri="{FF2B5EF4-FFF2-40B4-BE49-F238E27FC236}">
+                      <a16:creationId xmlns:a16="http://schemas.microsoft.com/office/drawing/2014/main" id="{D9C2274F-EE42-43B5-BF32-B381968767B8}"/>
+                    </a:ext>
+                  </a:extLst>
+                </p:cNvPr>
+                <p:cNvSpPr/>
+                <p:nvPr>
+                  <p:custDataLst>
+                    <p:tags r:id="rId33"/>
+                  </p:custDataLst>
+                </p:nvPr>
+              </p:nvSpPr>
+              <p:spPr>
+                <a:xfrm>
+                  <a:off x="8785744" y="5026206"/>
+                  <a:ext cx="1963659" cy="720690"/>
+                </a:xfrm>
+                <a:prstGeom prst="rect">
+                  <a:avLst/>
+                </a:prstGeom>
                 <a:noFill/>
-                <a:prstDash val="solid"/>
-                <a:round/>
-                <a:headEnd type="none" w="med" len="med"/>
-                <a:tailEnd type="none" w="med" len="med"/>
-              </a:ln>
-              <a:effectLst/>
-            </p:spPr>
-            <p:txBody>
-              <a:bodyPr rot="0" spcFirstLastPara="0" vertOverflow="overflow" horzOverflow="overflow" vert="horz" wrap="square" lIns="91372" tIns="45688" rIns="91372" bIns="45688" numCol="1" spcCol="0" rtlCol="0" fromWordArt="0" anchor="ctr" anchorCtr="0" forceAA="0" compatLnSpc="1">
-                <a:prstTxWarp prst="textNoShape">
+                <a:ln w="12700" cap="flat" cmpd="sng" algn="ctr">
+                  <a:noFill/>
+                  <a:prstDash val="solid"/>
+                </a:ln>
+                <a:effectLst/>
+              </p:spPr>
+              <p:txBody>
+                <a:bodyPr tIns="121920" rtlCol="0" anchor="ctr"/>
+                <a:lstStyle>
+                  <a:defPPr>
+                    <a:defRPr lang="en-US">
+                      <a:effectLst/>
+                    </a:defRPr>
+                  </a:defPPr>
+                  <a:lvl1pPr marL="0" algn="l" defTabSz="914400" rtl="0" eaLnBrk="1" latinLnBrk="0" hangingPunct="1">
+                    <a:defRPr sz="1800" kern="1200">
+                      <a:solidFill>
+                        <a:schemeClr val="tx1"/>
+                      </a:solidFill>
+                      <a:effectLst/>
+                      <a:latin typeface="+mn-lt"/>
+                      <a:ea typeface="+mn-ea"/>
+                      <a:cs typeface="+mn-cs"/>
+                    </a:defRPr>
+                  </a:lvl1pPr>
+                  <a:lvl2pPr marL="457200" algn="l" defTabSz="914400" rtl="0" eaLnBrk="1" latinLnBrk="0" hangingPunct="1">
+                    <a:defRPr sz="1800" kern="1200">
+                      <a:solidFill>
+                        <a:schemeClr val="tx1"/>
+                      </a:solidFill>
+                      <a:effectLst/>
+                      <a:latin typeface="+mn-lt"/>
+                      <a:ea typeface="+mn-ea"/>
+                      <a:cs typeface="+mn-cs"/>
+                    </a:defRPr>
+                  </a:lvl2pPr>
+                  <a:lvl3pPr marL="914400" algn="l" defTabSz="914400" rtl="0" eaLnBrk="1" latinLnBrk="0" hangingPunct="1">
+                    <a:defRPr sz="1800" kern="1200">
+                      <a:solidFill>
+                        <a:schemeClr val="tx1"/>
+                      </a:solidFill>
+                      <a:effectLst/>
+                      <a:latin typeface="+mn-lt"/>
+                      <a:ea typeface="+mn-ea"/>
+                      <a:cs typeface="+mn-cs"/>
+                    </a:defRPr>
+                  </a:lvl3pPr>
+                  <a:lvl4pPr marL="1371600" algn="l" defTabSz="914400" rtl="0" eaLnBrk="1" latinLnBrk="0" hangingPunct="1">
+                    <a:defRPr sz="1800" kern="1200">
+                      <a:solidFill>
+                        <a:schemeClr val="tx1"/>
+                      </a:solidFill>
+                      <a:effectLst/>
+                      <a:latin typeface="+mn-lt"/>
+                      <a:ea typeface="+mn-ea"/>
+                      <a:cs typeface="+mn-cs"/>
+                    </a:defRPr>
+                  </a:lvl4pPr>
+                  <a:lvl5pPr marL="1828800" algn="l" defTabSz="914400" rtl="0" eaLnBrk="1" latinLnBrk="0" hangingPunct="1">
+                    <a:defRPr sz="1800" kern="1200">
+                      <a:solidFill>
+                        <a:schemeClr val="tx1"/>
+                      </a:solidFill>
+                      <a:effectLst/>
+                      <a:latin typeface="+mn-lt"/>
+                      <a:ea typeface="+mn-ea"/>
+                      <a:cs typeface="+mn-cs"/>
+                    </a:defRPr>
+                  </a:lvl5pPr>
+                  <a:lvl6pPr marL="2286000" algn="l" defTabSz="914400" rtl="0" eaLnBrk="1" latinLnBrk="0" hangingPunct="1">
+                    <a:defRPr sz="1800" kern="1200">
+                      <a:solidFill>
+                        <a:schemeClr val="tx1"/>
+                      </a:solidFill>
+                      <a:effectLst/>
+                      <a:latin typeface="+mn-lt"/>
+                      <a:ea typeface="+mn-ea"/>
+                      <a:cs typeface="+mn-cs"/>
+                    </a:defRPr>
+                  </a:lvl6pPr>
+                  <a:lvl7pPr marL="2743200" algn="l" defTabSz="914400" rtl="0" eaLnBrk="1" latinLnBrk="0" hangingPunct="1">
+                    <a:defRPr sz="1800" kern="1200">
+                      <a:solidFill>
+                        <a:schemeClr val="tx1"/>
+                      </a:solidFill>
+                      <a:effectLst/>
+                      <a:latin typeface="+mn-lt"/>
+                      <a:ea typeface="+mn-ea"/>
+                      <a:cs typeface="+mn-cs"/>
+                    </a:defRPr>
+                  </a:lvl7pPr>
+                  <a:lvl8pPr marL="3200400" algn="l" defTabSz="914400" rtl="0" eaLnBrk="1" latinLnBrk="0" hangingPunct="1">
+                    <a:defRPr sz="1800" kern="1200">
+                      <a:solidFill>
+                        <a:schemeClr val="tx1"/>
+                      </a:solidFill>
+                      <a:effectLst/>
+                      <a:latin typeface="+mn-lt"/>
+                      <a:ea typeface="+mn-ea"/>
+                      <a:cs typeface="+mn-cs"/>
+                    </a:defRPr>
+                  </a:lvl8pPr>
+                  <a:lvl9pPr marL="3657600" algn="l" defTabSz="914400" rtl="0" eaLnBrk="1" latinLnBrk="0" hangingPunct="1">
+                    <a:defRPr sz="1800" kern="1200">
+                      <a:solidFill>
+                        <a:schemeClr val="tx1"/>
+                      </a:solidFill>
+                      <a:effectLst/>
+                      <a:latin typeface="+mn-lt"/>
+                      <a:ea typeface="+mn-ea"/>
+                      <a:cs typeface="+mn-cs"/>
+                    </a:defRPr>
+                  </a:lvl9pPr>
+                </a:lstStyle>
+                <a:p>
+                  <a:pPr algn="ctr">
+                    <a:lnSpc>
+                      <a:spcPct val="70000"/>
+                    </a:lnSpc>
+                    <a:defRPr>
+                      <a:effectLst/>
+                    </a:defRPr>
+                  </a:pPr>
+                  <a:r>
+                    <a:rPr lang="en-US" sz="1600" b="1" kern="0" dirty="0">
+                      <a:solidFill>
+                        <a:prstClr val="white"/>
+                      </a:solidFill>
+                      <a:effectLst>
+                        <a:outerShdw blurRad="38100" dist="38100" dir="2700000" algn="tl">
+                          <a:srgbClr val="000000">
+                            <a:alpha val="43137"/>
+                          </a:srgbClr>
+                        </a:outerShdw>
+                      </a:effectLst>
+                      <a:latin typeface="Arial Narrow" panose="020B0606020202030204" pitchFamily="34" charset="0"/>
+                    </a:rPr>
+                    <a:t>IOT DEVICES</a:t>
+                  </a:r>
+                </a:p>
+              </p:txBody>
+            </p:sp>
+            <p:sp>
+              <p:nvSpPr>
+                <p:cNvPr id="36" name="Rectangle 35">
+                  <a:extLst>
+                    <a:ext uri="{FF2B5EF4-FFF2-40B4-BE49-F238E27FC236}">
+                      <a16:creationId xmlns:a16="http://schemas.microsoft.com/office/drawing/2014/main" id="{9641CF4F-10CF-4575-9180-4849EF8BFDBD}"/>
+                    </a:ext>
+                  </a:extLst>
+                </p:cNvPr>
+                <p:cNvSpPr/>
+                <p:nvPr>
+                  <p:custDataLst>
+                    <p:tags r:id="rId34"/>
+                  </p:custDataLst>
+                </p:nvPr>
+              </p:nvSpPr>
+              <p:spPr>
+                <a:xfrm>
+                  <a:off x="8342610" y="3986640"/>
+                  <a:ext cx="2628242" cy="720690"/>
+                </a:xfrm>
+                <a:prstGeom prst="rect">
                   <a:avLst/>
-                </a:prstTxWarp>
-                <a:noAutofit/>
-              </a:bodyPr>
-              <a:lstStyle/>
-              <a:p>
-                <a:pPr algn="ctr" defTabSz="914400" fontAlgn="base">
-                  <a:lnSpc>
-                    <a:spcPct val="85000"/>
-                  </a:lnSpc>
-                  <a:spcAft>
-                    <a:spcPct val="0"/>
-                  </a:spcAft>
-                  <a:buClr>
-                    <a:prstClr val="black"/>
-                  </a:buClr>
-                  <a:defRPr/>
-                </a:pPr>
-                <a:endParaRPr lang="en-US" sz="1400" kern="0" dirty="0">
+                </a:prstGeom>
+                <a:noFill/>
+                <a:ln w="12700" cap="flat" cmpd="sng" algn="ctr">
+                  <a:noFill/>
+                  <a:prstDash val="solid"/>
+                </a:ln>
+                <a:effectLst/>
+              </p:spPr>
+              <p:txBody>
+                <a:bodyPr tIns="121920" rtlCol="0" anchor="ctr"/>
+                <a:lstStyle>
+                  <a:defPPr>
+                    <a:defRPr lang="en-US">
+                      <a:effectLst/>
+                    </a:defRPr>
+                  </a:defPPr>
+                  <a:lvl1pPr marL="0" algn="l" defTabSz="914400" rtl="0" eaLnBrk="1" latinLnBrk="0" hangingPunct="1">
+                    <a:defRPr sz="1800" kern="1200">
+                      <a:solidFill>
+                        <a:schemeClr val="tx1"/>
+                      </a:solidFill>
+                      <a:effectLst/>
+                      <a:latin typeface="+mn-lt"/>
+                      <a:ea typeface="+mn-ea"/>
+                      <a:cs typeface="+mn-cs"/>
+                    </a:defRPr>
+                  </a:lvl1pPr>
+                  <a:lvl2pPr marL="457200" algn="l" defTabSz="914400" rtl="0" eaLnBrk="1" latinLnBrk="0" hangingPunct="1">
+                    <a:defRPr sz="1800" kern="1200">
+                      <a:solidFill>
+                        <a:schemeClr val="tx1"/>
+                      </a:solidFill>
+                      <a:effectLst/>
+                      <a:latin typeface="+mn-lt"/>
+                      <a:ea typeface="+mn-ea"/>
+                      <a:cs typeface="+mn-cs"/>
+                    </a:defRPr>
+                  </a:lvl2pPr>
+                  <a:lvl3pPr marL="914400" algn="l" defTabSz="914400" rtl="0" eaLnBrk="1" latinLnBrk="0" hangingPunct="1">
+                    <a:defRPr sz="1800" kern="1200">
+                      <a:solidFill>
+                        <a:schemeClr val="tx1"/>
+                      </a:solidFill>
+                      <a:effectLst/>
+                      <a:latin typeface="+mn-lt"/>
+                      <a:ea typeface="+mn-ea"/>
+                      <a:cs typeface="+mn-cs"/>
+                    </a:defRPr>
+                  </a:lvl3pPr>
+                  <a:lvl4pPr marL="1371600" algn="l" defTabSz="914400" rtl="0" eaLnBrk="1" latinLnBrk="0" hangingPunct="1">
+                    <a:defRPr sz="1800" kern="1200">
+                      <a:solidFill>
+                        <a:schemeClr val="tx1"/>
+                      </a:solidFill>
+                      <a:effectLst/>
+                      <a:latin typeface="+mn-lt"/>
+                      <a:ea typeface="+mn-ea"/>
+                      <a:cs typeface="+mn-cs"/>
+                    </a:defRPr>
+                  </a:lvl4pPr>
+                  <a:lvl5pPr marL="1828800" algn="l" defTabSz="914400" rtl="0" eaLnBrk="1" latinLnBrk="0" hangingPunct="1">
+                    <a:defRPr sz="1800" kern="1200">
+                      <a:solidFill>
+                        <a:schemeClr val="tx1"/>
+                      </a:solidFill>
+                      <a:effectLst/>
+                      <a:latin typeface="+mn-lt"/>
+                      <a:ea typeface="+mn-ea"/>
+                      <a:cs typeface="+mn-cs"/>
+                    </a:defRPr>
+                  </a:lvl5pPr>
+                  <a:lvl6pPr marL="2286000" algn="l" defTabSz="914400" rtl="0" eaLnBrk="1" latinLnBrk="0" hangingPunct="1">
+                    <a:defRPr sz="1800" kern="1200">
+                      <a:solidFill>
+                        <a:schemeClr val="tx1"/>
+                      </a:solidFill>
+                      <a:effectLst/>
+                      <a:latin typeface="+mn-lt"/>
+                      <a:ea typeface="+mn-ea"/>
+                      <a:cs typeface="+mn-cs"/>
+                    </a:defRPr>
+                  </a:lvl6pPr>
+                  <a:lvl7pPr marL="2743200" algn="l" defTabSz="914400" rtl="0" eaLnBrk="1" latinLnBrk="0" hangingPunct="1">
+                    <a:defRPr sz="1800" kern="1200">
+                      <a:solidFill>
+                        <a:schemeClr val="tx1"/>
+                      </a:solidFill>
+                      <a:effectLst/>
+                      <a:latin typeface="+mn-lt"/>
+                      <a:ea typeface="+mn-ea"/>
+                      <a:cs typeface="+mn-cs"/>
+                    </a:defRPr>
+                  </a:lvl7pPr>
+                  <a:lvl8pPr marL="3200400" algn="l" defTabSz="914400" rtl="0" eaLnBrk="1" latinLnBrk="0" hangingPunct="1">
+                    <a:defRPr sz="1800" kern="1200">
+                      <a:solidFill>
+                        <a:schemeClr val="tx1"/>
+                      </a:solidFill>
+                      <a:effectLst/>
+                      <a:latin typeface="+mn-lt"/>
+                      <a:ea typeface="+mn-ea"/>
+                      <a:cs typeface="+mn-cs"/>
+                    </a:defRPr>
+                  </a:lvl8pPr>
+                  <a:lvl9pPr marL="3657600" algn="l" defTabSz="914400" rtl="0" eaLnBrk="1" latinLnBrk="0" hangingPunct="1">
+                    <a:defRPr sz="1800" kern="1200">
+                      <a:solidFill>
+                        <a:schemeClr val="tx1"/>
+                      </a:solidFill>
+                      <a:effectLst/>
+                      <a:latin typeface="+mn-lt"/>
+                      <a:ea typeface="+mn-ea"/>
+                      <a:cs typeface="+mn-cs"/>
+                    </a:defRPr>
+                  </a:lvl9pPr>
+                </a:lstStyle>
+                <a:p>
+                  <a:pPr algn="ctr">
+                    <a:lnSpc>
+                      <a:spcPct val="70000"/>
+                    </a:lnSpc>
+                    <a:defRPr>
+                      <a:effectLst/>
+                    </a:defRPr>
+                  </a:pPr>
+                  <a:r>
+                    <a:rPr lang="en-US" sz="2000" kern="0" dirty="0">
+                      <a:solidFill>
+                        <a:prstClr val="white"/>
+                      </a:solidFill>
+                      <a:effectLst>
+                        <a:outerShdw blurRad="38100" dist="38100" dir="2700000" algn="tl">
+                          <a:srgbClr val="000000">
+                            <a:alpha val="43137"/>
+                          </a:srgbClr>
+                        </a:outerShdw>
+                      </a:effectLst>
+                      <a:latin typeface="Intel Clear Pro"/>
+                    </a:rPr>
+                    <a:t>     </a:t>
+                  </a:r>
+                  <a:r>
+                    <a:rPr lang="en-US" sz="1600" b="1" kern="0" dirty="0">
+                      <a:solidFill>
+                        <a:prstClr val="white"/>
+                      </a:solidFill>
+                      <a:effectLst>
+                        <a:outerShdw blurRad="38100" dist="38100" dir="2700000" algn="tl">
+                          <a:srgbClr val="000000">
+                            <a:alpha val="43137"/>
+                          </a:srgbClr>
+                        </a:outerShdw>
+                      </a:effectLst>
+                      <a:latin typeface="Arial Narrow" panose="020B0606020202030204" pitchFamily="34" charset="0"/>
+                    </a:rPr>
+                    <a:t>JSON XML CBOR JPEG…</a:t>
+                  </a:r>
+                  <a:endParaRPr lang="en-US" sz="2000" b="1" kern="0" dirty="0">
+                    <a:solidFill>
+                      <a:prstClr val="white"/>
+                    </a:solidFill>
+                    <a:effectLst>
+                      <a:outerShdw blurRad="38100" dist="38100" dir="2700000" algn="tl">
+                        <a:srgbClr val="000000">
+                          <a:alpha val="43137"/>
+                        </a:srgbClr>
+                      </a:outerShdw>
+                    </a:effectLst>
+                    <a:latin typeface="Arial Narrow" panose="020B0606020202030204" pitchFamily="34" charset="0"/>
+                  </a:endParaRPr>
+                </a:p>
+              </p:txBody>
+            </p:sp>
+            <p:sp>
+              <p:nvSpPr>
+                <p:cNvPr id="37" name="Rectangle 36">
+                  <a:extLst>
+                    <a:ext uri="{FF2B5EF4-FFF2-40B4-BE49-F238E27FC236}">
+                      <a16:creationId xmlns:a16="http://schemas.microsoft.com/office/drawing/2014/main" id="{2DD894DA-7EE5-49C8-B9EB-4CADFE78F721}"/>
+                    </a:ext>
+                  </a:extLst>
+                </p:cNvPr>
+                <p:cNvSpPr/>
+                <p:nvPr>
+                  <p:custDataLst>
+                    <p:tags r:id="rId35"/>
+                  </p:custDataLst>
+                </p:nvPr>
+              </p:nvSpPr>
+              <p:spPr>
+                <a:xfrm>
+                  <a:off x="7913261" y="4355198"/>
+                  <a:ext cx="3738360" cy="720690"/>
+                </a:xfrm>
+                <a:prstGeom prst="rect">
+                  <a:avLst/>
+                </a:prstGeom>
+                <a:noFill/>
+                <a:ln w="12700" cap="flat" cmpd="sng" algn="ctr">
+                  <a:noFill/>
+                  <a:prstDash val="solid"/>
+                </a:ln>
+                <a:effectLst/>
+              </p:spPr>
+              <p:txBody>
+                <a:bodyPr tIns="121920" rtlCol="0" anchor="ctr"/>
+                <a:lstStyle>
+                  <a:defPPr>
+                    <a:defRPr lang="en-US">
+                      <a:effectLst/>
+                    </a:defRPr>
+                  </a:defPPr>
+                  <a:lvl1pPr marL="0" algn="l" defTabSz="914400" rtl="0" eaLnBrk="1" latinLnBrk="0" hangingPunct="1">
+                    <a:defRPr sz="1800" kern="1200">
+                      <a:solidFill>
+                        <a:schemeClr val="tx1"/>
+                      </a:solidFill>
+                      <a:effectLst/>
+                      <a:latin typeface="+mn-lt"/>
+                      <a:ea typeface="+mn-ea"/>
+                      <a:cs typeface="+mn-cs"/>
+                    </a:defRPr>
+                  </a:lvl1pPr>
+                  <a:lvl2pPr marL="457200" algn="l" defTabSz="914400" rtl="0" eaLnBrk="1" latinLnBrk="0" hangingPunct="1">
+                    <a:defRPr sz="1800" kern="1200">
+                      <a:solidFill>
+                        <a:schemeClr val="tx1"/>
+                      </a:solidFill>
+                      <a:effectLst/>
+                      <a:latin typeface="+mn-lt"/>
+                      <a:ea typeface="+mn-ea"/>
+                      <a:cs typeface="+mn-cs"/>
+                    </a:defRPr>
+                  </a:lvl2pPr>
+                  <a:lvl3pPr marL="914400" algn="l" defTabSz="914400" rtl="0" eaLnBrk="1" latinLnBrk="0" hangingPunct="1">
+                    <a:defRPr sz="1800" kern="1200">
+                      <a:solidFill>
+                        <a:schemeClr val="tx1"/>
+                      </a:solidFill>
+                      <a:effectLst/>
+                      <a:latin typeface="+mn-lt"/>
+                      <a:ea typeface="+mn-ea"/>
+                      <a:cs typeface="+mn-cs"/>
+                    </a:defRPr>
+                  </a:lvl3pPr>
+                  <a:lvl4pPr marL="1371600" algn="l" defTabSz="914400" rtl="0" eaLnBrk="1" latinLnBrk="0" hangingPunct="1">
+                    <a:defRPr sz="1800" kern="1200">
+                      <a:solidFill>
+                        <a:schemeClr val="tx1"/>
+                      </a:solidFill>
+                      <a:effectLst/>
+                      <a:latin typeface="+mn-lt"/>
+                      <a:ea typeface="+mn-ea"/>
+                      <a:cs typeface="+mn-cs"/>
+                    </a:defRPr>
+                  </a:lvl4pPr>
+                  <a:lvl5pPr marL="1828800" algn="l" defTabSz="914400" rtl="0" eaLnBrk="1" latinLnBrk="0" hangingPunct="1">
+                    <a:defRPr sz="1800" kern="1200">
+                      <a:solidFill>
+                        <a:schemeClr val="tx1"/>
+                      </a:solidFill>
+                      <a:effectLst/>
+                      <a:latin typeface="+mn-lt"/>
+                      <a:ea typeface="+mn-ea"/>
+                      <a:cs typeface="+mn-cs"/>
+                    </a:defRPr>
+                  </a:lvl5pPr>
+                  <a:lvl6pPr marL="2286000" algn="l" defTabSz="914400" rtl="0" eaLnBrk="1" latinLnBrk="0" hangingPunct="1">
+                    <a:defRPr sz="1800" kern="1200">
+                      <a:solidFill>
+                        <a:schemeClr val="tx1"/>
+                      </a:solidFill>
+                      <a:effectLst/>
+                      <a:latin typeface="+mn-lt"/>
+                      <a:ea typeface="+mn-ea"/>
+                      <a:cs typeface="+mn-cs"/>
+                    </a:defRPr>
+                  </a:lvl6pPr>
+                  <a:lvl7pPr marL="2743200" algn="l" defTabSz="914400" rtl="0" eaLnBrk="1" latinLnBrk="0" hangingPunct="1">
+                    <a:defRPr sz="1800" kern="1200">
+                      <a:solidFill>
+                        <a:schemeClr val="tx1"/>
+                      </a:solidFill>
+                      <a:effectLst/>
+                      <a:latin typeface="+mn-lt"/>
+                      <a:ea typeface="+mn-ea"/>
+                      <a:cs typeface="+mn-cs"/>
+                    </a:defRPr>
+                  </a:lvl7pPr>
+                  <a:lvl8pPr marL="3200400" algn="l" defTabSz="914400" rtl="0" eaLnBrk="1" latinLnBrk="0" hangingPunct="1">
+                    <a:defRPr sz="1800" kern="1200">
+                      <a:solidFill>
+                        <a:schemeClr val="tx1"/>
+                      </a:solidFill>
+                      <a:effectLst/>
+                      <a:latin typeface="+mn-lt"/>
+                      <a:ea typeface="+mn-ea"/>
+                      <a:cs typeface="+mn-cs"/>
+                    </a:defRPr>
+                  </a:lvl8pPr>
+                  <a:lvl9pPr marL="3657600" algn="l" defTabSz="914400" rtl="0" eaLnBrk="1" latinLnBrk="0" hangingPunct="1">
+                    <a:defRPr sz="1800" kern="1200">
+                      <a:solidFill>
+                        <a:schemeClr val="tx1"/>
+                      </a:solidFill>
+                      <a:effectLst/>
+                      <a:latin typeface="+mn-lt"/>
+                      <a:ea typeface="+mn-ea"/>
+                      <a:cs typeface="+mn-cs"/>
+                    </a:defRPr>
+                  </a:lvl9pPr>
+                </a:lstStyle>
+                <a:p>
+                  <a:pPr algn="ctr">
+                    <a:lnSpc>
+                      <a:spcPct val="70000"/>
+                    </a:lnSpc>
+                    <a:defRPr>
+                      <a:effectLst/>
+                    </a:defRPr>
+                  </a:pPr>
+                  <a:r>
+                    <a:rPr lang="en-US" sz="1600" b="1" kern="0" dirty="0">
+                      <a:solidFill>
+                        <a:prstClr val="white"/>
+                      </a:solidFill>
+                      <a:effectLst>
+                        <a:outerShdw blurRad="38100" dist="38100" dir="2700000" algn="tl">
+                          <a:srgbClr val="000000">
+                            <a:alpha val="43137"/>
+                          </a:srgbClr>
+                        </a:outerShdw>
+                      </a:effectLst>
+                      <a:latin typeface="Arial Narrow" panose="020B0606020202030204" pitchFamily="34" charset="0"/>
+                    </a:rPr>
+                    <a:t>ONEM2M OCF ECHONET OPC-UA… </a:t>
+                  </a:r>
+                </a:p>
+              </p:txBody>
+            </p:sp>
+            <p:sp>
+              <p:nvSpPr>
+                <p:cNvPr id="43" name="Rectangle 42">
+                  <a:extLst>
+                    <a:ext uri="{FF2B5EF4-FFF2-40B4-BE49-F238E27FC236}">
+                      <a16:creationId xmlns:a16="http://schemas.microsoft.com/office/drawing/2014/main" id="{E2B0B32B-7F3E-4F4D-A26D-3FF08977A2B3}"/>
+                    </a:ext>
+                  </a:extLst>
+                </p:cNvPr>
+                <p:cNvSpPr/>
+                <p:nvPr>
+                  <p:custDataLst>
+                    <p:tags r:id="rId36"/>
+                  </p:custDataLst>
+                </p:nvPr>
+              </p:nvSpPr>
+              <p:spPr>
+                <a:xfrm>
+                  <a:off x="7968955" y="4667283"/>
+                  <a:ext cx="3530819" cy="720690"/>
+                </a:xfrm>
+                <a:prstGeom prst="rect">
+                  <a:avLst/>
+                </a:prstGeom>
+                <a:noFill/>
+                <a:ln w="12700" cap="flat" cmpd="sng" algn="ctr">
+                  <a:noFill/>
+                  <a:prstDash val="solid"/>
+                </a:ln>
+                <a:effectLst/>
+              </p:spPr>
+              <p:txBody>
+                <a:bodyPr tIns="121920" rtlCol="0" anchor="ctr"/>
+                <a:lstStyle>
+                  <a:defPPr>
+                    <a:defRPr lang="en-US">
+                      <a:effectLst/>
+                    </a:defRPr>
+                  </a:defPPr>
+                  <a:lvl1pPr marL="0" algn="l" defTabSz="914400" rtl="0" eaLnBrk="1" latinLnBrk="0" hangingPunct="1">
+                    <a:defRPr sz="1800" kern="1200">
+                      <a:solidFill>
+                        <a:schemeClr val="tx1"/>
+                      </a:solidFill>
+                      <a:effectLst/>
+                      <a:latin typeface="+mn-lt"/>
+                      <a:ea typeface="+mn-ea"/>
+                      <a:cs typeface="+mn-cs"/>
+                    </a:defRPr>
+                  </a:lvl1pPr>
+                  <a:lvl2pPr marL="457200" algn="l" defTabSz="914400" rtl="0" eaLnBrk="1" latinLnBrk="0" hangingPunct="1">
+                    <a:defRPr sz="1800" kern="1200">
+                      <a:solidFill>
+                        <a:schemeClr val="tx1"/>
+                      </a:solidFill>
+                      <a:effectLst/>
+                      <a:latin typeface="+mn-lt"/>
+                      <a:ea typeface="+mn-ea"/>
+                      <a:cs typeface="+mn-cs"/>
+                    </a:defRPr>
+                  </a:lvl2pPr>
+                  <a:lvl3pPr marL="914400" algn="l" defTabSz="914400" rtl="0" eaLnBrk="1" latinLnBrk="0" hangingPunct="1">
+                    <a:defRPr sz="1800" kern="1200">
+                      <a:solidFill>
+                        <a:schemeClr val="tx1"/>
+                      </a:solidFill>
+                      <a:effectLst/>
+                      <a:latin typeface="+mn-lt"/>
+                      <a:ea typeface="+mn-ea"/>
+                      <a:cs typeface="+mn-cs"/>
+                    </a:defRPr>
+                  </a:lvl3pPr>
+                  <a:lvl4pPr marL="1371600" algn="l" defTabSz="914400" rtl="0" eaLnBrk="1" latinLnBrk="0" hangingPunct="1">
+                    <a:defRPr sz="1800" kern="1200">
+                      <a:solidFill>
+                        <a:schemeClr val="tx1"/>
+                      </a:solidFill>
+                      <a:effectLst/>
+                      <a:latin typeface="+mn-lt"/>
+                      <a:ea typeface="+mn-ea"/>
+                      <a:cs typeface="+mn-cs"/>
+                    </a:defRPr>
+                  </a:lvl4pPr>
+                  <a:lvl5pPr marL="1828800" algn="l" defTabSz="914400" rtl="0" eaLnBrk="1" latinLnBrk="0" hangingPunct="1">
+                    <a:defRPr sz="1800" kern="1200">
+                      <a:solidFill>
+                        <a:schemeClr val="tx1"/>
+                      </a:solidFill>
+                      <a:effectLst/>
+                      <a:latin typeface="+mn-lt"/>
+                      <a:ea typeface="+mn-ea"/>
+                      <a:cs typeface="+mn-cs"/>
+                    </a:defRPr>
+                  </a:lvl5pPr>
+                  <a:lvl6pPr marL="2286000" algn="l" defTabSz="914400" rtl="0" eaLnBrk="1" latinLnBrk="0" hangingPunct="1">
+                    <a:defRPr sz="1800" kern="1200">
+                      <a:solidFill>
+                        <a:schemeClr val="tx1"/>
+                      </a:solidFill>
+                      <a:effectLst/>
+                      <a:latin typeface="+mn-lt"/>
+                      <a:ea typeface="+mn-ea"/>
+                      <a:cs typeface="+mn-cs"/>
+                    </a:defRPr>
+                  </a:lvl6pPr>
+                  <a:lvl7pPr marL="2743200" algn="l" defTabSz="914400" rtl="0" eaLnBrk="1" latinLnBrk="0" hangingPunct="1">
+                    <a:defRPr sz="1800" kern="1200">
+                      <a:solidFill>
+                        <a:schemeClr val="tx1"/>
+                      </a:solidFill>
+                      <a:effectLst/>
+                      <a:latin typeface="+mn-lt"/>
+                      <a:ea typeface="+mn-ea"/>
+                      <a:cs typeface="+mn-cs"/>
+                    </a:defRPr>
+                  </a:lvl7pPr>
+                  <a:lvl8pPr marL="3200400" algn="l" defTabSz="914400" rtl="0" eaLnBrk="1" latinLnBrk="0" hangingPunct="1">
+                    <a:defRPr sz="1800" kern="1200">
+                      <a:solidFill>
+                        <a:schemeClr val="tx1"/>
+                      </a:solidFill>
+                      <a:effectLst/>
+                      <a:latin typeface="+mn-lt"/>
+                      <a:ea typeface="+mn-ea"/>
+                      <a:cs typeface="+mn-cs"/>
+                    </a:defRPr>
+                  </a:lvl8pPr>
+                  <a:lvl9pPr marL="3657600" algn="l" defTabSz="914400" rtl="0" eaLnBrk="1" latinLnBrk="0" hangingPunct="1">
+                    <a:defRPr sz="1800" kern="1200">
+                      <a:solidFill>
+                        <a:schemeClr val="tx1"/>
+                      </a:solidFill>
+                      <a:effectLst/>
+                      <a:latin typeface="+mn-lt"/>
+                      <a:ea typeface="+mn-ea"/>
+                      <a:cs typeface="+mn-cs"/>
+                    </a:defRPr>
+                  </a:lvl9pPr>
+                </a:lstStyle>
+                <a:p>
+                  <a:pPr algn="ctr">
+                    <a:lnSpc>
+                      <a:spcPct val="70000"/>
+                    </a:lnSpc>
+                    <a:defRPr>
+                      <a:effectLst/>
+                    </a:defRPr>
+                  </a:pPr>
+                  <a:r>
+                    <a:rPr lang="en-US" sz="2000" kern="0" dirty="0">
+                      <a:solidFill>
+                        <a:prstClr val="white"/>
+                      </a:solidFill>
+                      <a:effectLst>
+                        <a:outerShdw blurRad="38100" dist="38100" dir="2700000" algn="tl">
+                          <a:srgbClr val="000000">
+                            <a:alpha val="43137"/>
+                          </a:srgbClr>
+                        </a:outerShdw>
+                      </a:effectLst>
+                      <a:latin typeface="Intel Clear Pro"/>
+                    </a:rPr>
+                    <a:t>     </a:t>
+                  </a:r>
+                  <a:r>
+                    <a:rPr lang="en-US" sz="1600" b="1" kern="0" dirty="0">
+                      <a:solidFill>
+                        <a:prstClr val="white"/>
+                      </a:solidFill>
+                      <a:effectLst>
+                        <a:outerShdw blurRad="38100" dist="38100" dir="2700000" algn="tl">
+                          <a:srgbClr val="000000">
+                            <a:alpha val="43137"/>
+                          </a:srgbClr>
+                        </a:outerShdw>
+                      </a:effectLst>
+                      <a:latin typeface="Arial Narrow" panose="020B0606020202030204" pitchFamily="34" charset="0"/>
+                    </a:rPr>
+                    <a:t>HTTP COAP MQTT BACNET ZWAVE… </a:t>
+                  </a:r>
+                  <a:endParaRPr lang="en-US" sz="2000" b="1" kern="0" dirty="0">
+                    <a:solidFill>
+                      <a:prstClr val="white"/>
+                    </a:solidFill>
+                    <a:effectLst>
+                      <a:outerShdw blurRad="38100" dist="38100" dir="2700000" algn="tl">
+                        <a:srgbClr val="000000">
+                          <a:alpha val="43137"/>
+                        </a:srgbClr>
+                      </a:outerShdw>
+                    </a:effectLst>
+                    <a:latin typeface="Arial Narrow" panose="020B0606020202030204" pitchFamily="34" charset="0"/>
+                  </a:endParaRPr>
+                </a:p>
+              </p:txBody>
+            </p:sp>
+          </p:grpSp>
+          <p:grpSp>
+            <p:nvGrpSpPr>
+              <p:cNvPr id="52" name="Group 51">
+                <a:extLst>
+                  <a:ext uri="{FF2B5EF4-FFF2-40B4-BE49-F238E27FC236}">
+                    <a16:creationId xmlns:a16="http://schemas.microsoft.com/office/drawing/2014/main" id="{07AA207D-2FE5-49E4-9E1D-36BC118B9961}"/>
+                  </a:ext>
+                </a:extLst>
+              </p:cNvPr>
+              <p:cNvGrpSpPr/>
+              <p:nvPr/>
+            </p:nvGrpSpPr>
+            <p:grpSpPr>
+              <a:xfrm>
+                <a:off x="7613311" y="910444"/>
+                <a:ext cx="4249324" cy="2080845"/>
+                <a:chOff x="7613311" y="910444"/>
+                <a:chExt cx="4249324" cy="2080845"/>
+              </a:xfrm>
+            </p:grpSpPr>
+            <p:sp>
+              <p:nvSpPr>
+                <p:cNvPr id="5" name="Flowchart: Manual Operation 4">
+                  <a:extLst>
+                    <a:ext uri="{FF2B5EF4-FFF2-40B4-BE49-F238E27FC236}">
+                      <a16:creationId xmlns:a16="http://schemas.microsoft.com/office/drawing/2014/main" id="{C3041B53-9F64-46EB-95A0-B684D8DABD2B}"/>
+                    </a:ext>
+                  </a:extLst>
+                </p:cNvPr>
+                <p:cNvSpPr/>
+                <p:nvPr>
+                  <p:custDataLst>
+                    <p:tags r:id="rId26"/>
+                  </p:custDataLst>
+                </p:nvPr>
+              </p:nvSpPr>
+              <p:spPr>
+                <a:xfrm>
+                  <a:off x="7613311" y="1028157"/>
+                  <a:ext cx="4249324" cy="1938613"/>
+                </a:xfrm>
+                <a:prstGeom prst="flowChartManualOperation">
+                  <a:avLst/>
+                </a:prstGeom>
+                <a:gradFill>
+                  <a:gsLst>
+                    <a:gs pos="12000">
+                      <a:srgbClr val="00AEEF">
+                        <a:lumMod val="98000"/>
+                        <a:alpha val="41000"/>
+                      </a:srgbClr>
+                    </a:gs>
+                    <a:gs pos="59000">
+                      <a:srgbClr val="00AEEF"/>
+                    </a:gs>
+                  </a:gsLst>
+                  <a:lin ang="15000000" scaled="0"/>
+                </a:gradFill>
+                <a:ln w="9525" cap="flat" cmpd="sng" algn="ctr">
+                  <a:noFill/>
+                  <a:prstDash val="solid"/>
+                  <a:round/>
+                  <a:headEnd type="none" w="med" len="med"/>
+                  <a:tailEnd type="none" w="med" len="med"/>
+                </a:ln>
+                <a:effectLst/>
+              </p:spPr>
+              <p:txBody>
+                <a:bodyPr rot="0" spcFirstLastPara="0" vertOverflow="overflow" horzOverflow="overflow" vert="horz" wrap="square" lIns="91372" tIns="45688" rIns="91372" bIns="45688" numCol="1" spcCol="0" rtlCol="0" fromWordArt="0" anchor="ctr" anchorCtr="0" forceAA="0" compatLnSpc="1">
+                  <a:prstTxWarp prst="textNoShape">
+                    <a:avLst/>
+                  </a:prstTxWarp>
+                  <a:noAutofit/>
+                </a:bodyPr>
+                <a:lstStyle/>
+                <a:p>
+                  <a:pPr algn="ctr" defTabSz="914400" fontAlgn="base">
+                    <a:lnSpc>
+                      <a:spcPct val="85000"/>
+                    </a:lnSpc>
+                    <a:spcAft>
+                      <a:spcPct val="0"/>
+                    </a:spcAft>
+                    <a:buClr>
+                      <a:prstClr val="black"/>
+                    </a:buClr>
+                    <a:defRPr/>
+                  </a:pPr>
+                  <a:endParaRPr lang="en-US" sz="1400" kern="0" dirty="0">
+                    <a:solidFill>
+                      <a:prstClr val="white"/>
+                    </a:solidFill>
+                    <a:latin typeface="Intel Clear"/>
+                    <a:cs typeface="Arial" charset="0"/>
+                  </a:endParaRPr>
+                </a:p>
+              </p:txBody>
+            </p:sp>
+            <p:sp>
+              <p:nvSpPr>
+                <p:cNvPr id="13" name="Rectangle 12">
+                  <a:extLst>
+                    <a:ext uri="{FF2B5EF4-FFF2-40B4-BE49-F238E27FC236}">
+                      <a16:creationId xmlns:a16="http://schemas.microsoft.com/office/drawing/2014/main" id="{460F86C2-41BD-4210-8396-0CC5575F563B}"/>
+                    </a:ext>
+                  </a:extLst>
+                </p:cNvPr>
+                <p:cNvSpPr/>
+                <p:nvPr>
+                  <p:custDataLst>
+                    <p:tags r:id="rId27"/>
+                  </p:custDataLst>
+                </p:nvPr>
+              </p:nvSpPr>
+              <p:spPr>
+                <a:xfrm>
+                  <a:off x="8775354" y="910444"/>
+                  <a:ext cx="2014174" cy="720690"/>
+                </a:xfrm>
+                <a:prstGeom prst="rect">
+                  <a:avLst/>
+                </a:prstGeom>
+                <a:noFill/>
+                <a:ln w="12700" cap="flat" cmpd="sng" algn="ctr">
+                  <a:noFill/>
+                  <a:prstDash val="solid"/>
+                </a:ln>
+                <a:effectLst/>
+              </p:spPr>
+              <p:txBody>
+                <a:bodyPr tIns="121920" rtlCol="0" anchor="ctr"/>
+                <a:lstStyle>
+                  <a:defPPr>
+                    <a:defRPr lang="en-US">
+                      <a:effectLst/>
+                    </a:defRPr>
+                  </a:defPPr>
+                  <a:lvl1pPr marL="0" algn="l" defTabSz="914400" rtl="0" eaLnBrk="1" latinLnBrk="0" hangingPunct="1">
+                    <a:defRPr sz="1800" kern="1200">
+                      <a:solidFill>
+                        <a:schemeClr val="tx1"/>
+                      </a:solidFill>
+                      <a:effectLst/>
+                      <a:latin typeface="+mn-lt"/>
+                      <a:ea typeface="+mn-ea"/>
+                      <a:cs typeface="+mn-cs"/>
+                    </a:defRPr>
+                  </a:lvl1pPr>
+                  <a:lvl2pPr marL="457200" algn="l" defTabSz="914400" rtl="0" eaLnBrk="1" latinLnBrk="0" hangingPunct="1">
+                    <a:defRPr sz="1800" kern="1200">
+                      <a:solidFill>
+                        <a:schemeClr val="tx1"/>
+                      </a:solidFill>
+                      <a:effectLst/>
+                      <a:latin typeface="+mn-lt"/>
+                      <a:ea typeface="+mn-ea"/>
+                      <a:cs typeface="+mn-cs"/>
+                    </a:defRPr>
+                  </a:lvl2pPr>
+                  <a:lvl3pPr marL="914400" algn="l" defTabSz="914400" rtl="0" eaLnBrk="1" latinLnBrk="0" hangingPunct="1">
+                    <a:defRPr sz="1800" kern="1200">
+                      <a:solidFill>
+                        <a:schemeClr val="tx1"/>
+                      </a:solidFill>
+                      <a:effectLst/>
+                      <a:latin typeface="+mn-lt"/>
+                      <a:ea typeface="+mn-ea"/>
+                      <a:cs typeface="+mn-cs"/>
+                    </a:defRPr>
+                  </a:lvl3pPr>
+                  <a:lvl4pPr marL="1371600" algn="l" defTabSz="914400" rtl="0" eaLnBrk="1" latinLnBrk="0" hangingPunct="1">
+                    <a:defRPr sz="1800" kern="1200">
+                      <a:solidFill>
+                        <a:schemeClr val="tx1"/>
+                      </a:solidFill>
+                      <a:effectLst/>
+                      <a:latin typeface="+mn-lt"/>
+                      <a:ea typeface="+mn-ea"/>
+                      <a:cs typeface="+mn-cs"/>
+                    </a:defRPr>
+                  </a:lvl4pPr>
+                  <a:lvl5pPr marL="1828800" algn="l" defTabSz="914400" rtl="0" eaLnBrk="1" latinLnBrk="0" hangingPunct="1">
+                    <a:defRPr sz="1800" kern="1200">
+                      <a:solidFill>
+                        <a:schemeClr val="tx1"/>
+                      </a:solidFill>
+                      <a:effectLst/>
+                      <a:latin typeface="+mn-lt"/>
+                      <a:ea typeface="+mn-ea"/>
+                      <a:cs typeface="+mn-cs"/>
+                    </a:defRPr>
+                  </a:lvl5pPr>
+                  <a:lvl6pPr marL="2286000" algn="l" defTabSz="914400" rtl="0" eaLnBrk="1" latinLnBrk="0" hangingPunct="1">
+                    <a:defRPr sz="1800" kern="1200">
+                      <a:solidFill>
+                        <a:schemeClr val="tx1"/>
+                      </a:solidFill>
+                      <a:effectLst/>
+                      <a:latin typeface="+mn-lt"/>
+                      <a:ea typeface="+mn-ea"/>
+                      <a:cs typeface="+mn-cs"/>
+                    </a:defRPr>
+                  </a:lvl6pPr>
+                  <a:lvl7pPr marL="2743200" algn="l" defTabSz="914400" rtl="0" eaLnBrk="1" latinLnBrk="0" hangingPunct="1">
+                    <a:defRPr sz="1800" kern="1200">
+                      <a:solidFill>
+                        <a:schemeClr val="tx1"/>
+                      </a:solidFill>
+                      <a:effectLst/>
+                      <a:latin typeface="+mn-lt"/>
+                      <a:ea typeface="+mn-ea"/>
+                      <a:cs typeface="+mn-cs"/>
+                    </a:defRPr>
+                  </a:lvl7pPr>
+                  <a:lvl8pPr marL="3200400" algn="l" defTabSz="914400" rtl="0" eaLnBrk="1" latinLnBrk="0" hangingPunct="1">
+                    <a:defRPr sz="1800" kern="1200">
+                      <a:solidFill>
+                        <a:schemeClr val="tx1"/>
+                      </a:solidFill>
+                      <a:effectLst/>
+                      <a:latin typeface="+mn-lt"/>
+                      <a:ea typeface="+mn-ea"/>
+                      <a:cs typeface="+mn-cs"/>
+                    </a:defRPr>
+                  </a:lvl8pPr>
+                  <a:lvl9pPr marL="3657600" algn="l" defTabSz="914400" rtl="0" eaLnBrk="1" latinLnBrk="0" hangingPunct="1">
+                    <a:defRPr sz="1800" kern="1200">
+                      <a:solidFill>
+                        <a:schemeClr val="tx1"/>
+                      </a:solidFill>
+                      <a:effectLst/>
+                      <a:latin typeface="+mn-lt"/>
+                      <a:ea typeface="+mn-ea"/>
+                      <a:cs typeface="+mn-cs"/>
+                    </a:defRPr>
+                  </a:lvl9pPr>
+                </a:lstStyle>
+                <a:p>
+                  <a:pPr algn="ctr">
+                    <a:lnSpc>
+                      <a:spcPct val="70000"/>
+                    </a:lnSpc>
+                    <a:defRPr>
+                      <a:effectLst/>
+                    </a:defRPr>
+                  </a:pPr>
+                  <a:r>
+                    <a:rPr lang="en-US" sz="1600" b="1" kern="0" dirty="0">
+                      <a:solidFill>
+                        <a:prstClr val="white"/>
+                      </a:solidFill>
+                      <a:effectLst>
+                        <a:outerShdw blurRad="38100" dist="38100" dir="2700000" algn="tl">
+                          <a:srgbClr val="000000">
+                            <a:alpha val="43137"/>
+                          </a:srgbClr>
+                        </a:outerShdw>
+                      </a:effectLst>
+                      <a:latin typeface="Arial Narrow" panose="020B0606020202030204" pitchFamily="34" charset="0"/>
+                    </a:rPr>
+                    <a:t>IOT APPLICATIONS</a:t>
+                  </a:r>
+                </a:p>
+              </p:txBody>
+            </p:sp>
+            <p:sp>
+              <p:nvSpPr>
+                <p:cNvPr id="39" name="Rectangle 38">
+                  <a:extLst>
+                    <a:ext uri="{FF2B5EF4-FFF2-40B4-BE49-F238E27FC236}">
+                      <a16:creationId xmlns:a16="http://schemas.microsoft.com/office/drawing/2014/main" id="{3660C2A7-3647-4CDB-BEC0-4F67D5D1C92D}"/>
+                    </a:ext>
+                  </a:extLst>
+                </p:cNvPr>
+                <p:cNvSpPr/>
+                <p:nvPr>
+                  <p:custDataLst>
+                    <p:tags r:id="rId28"/>
+                  </p:custDataLst>
+                </p:nvPr>
+              </p:nvSpPr>
+              <p:spPr>
+                <a:xfrm>
+                  <a:off x="8223830" y="2270599"/>
+                  <a:ext cx="3087488" cy="720690"/>
+                </a:xfrm>
+                <a:prstGeom prst="rect">
+                  <a:avLst/>
+                </a:prstGeom>
+                <a:noFill/>
+                <a:ln w="12700" cap="flat" cmpd="sng" algn="ctr">
+                  <a:noFill/>
+                  <a:prstDash val="solid"/>
+                </a:ln>
+                <a:effectLst/>
+              </p:spPr>
+              <p:txBody>
+                <a:bodyPr tIns="121920" rtlCol="0" anchor="ctr"/>
+                <a:lstStyle>
+                  <a:defPPr>
+                    <a:defRPr lang="en-US">
+                      <a:effectLst/>
+                    </a:defRPr>
+                  </a:defPPr>
+                  <a:lvl1pPr marL="0" algn="l" defTabSz="914400" rtl="0" eaLnBrk="1" latinLnBrk="0" hangingPunct="1">
+                    <a:defRPr sz="1800" kern="1200">
+                      <a:solidFill>
+                        <a:schemeClr val="tx1"/>
+                      </a:solidFill>
+                      <a:effectLst/>
+                      <a:latin typeface="+mn-lt"/>
+                      <a:ea typeface="+mn-ea"/>
+                      <a:cs typeface="+mn-cs"/>
+                    </a:defRPr>
+                  </a:lvl1pPr>
+                  <a:lvl2pPr marL="457200" algn="l" defTabSz="914400" rtl="0" eaLnBrk="1" latinLnBrk="0" hangingPunct="1">
+                    <a:defRPr sz="1800" kern="1200">
+                      <a:solidFill>
+                        <a:schemeClr val="tx1"/>
+                      </a:solidFill>
+                      <a:effectLst/>
+                      <a:latin typeface="+mn-lt"/>
+                      <a:ea typeface="+mn-ea"/>
+                      <a:cs typeface="+mn-cs"/>
+                    </a:defRPr>
+                  </a:lvl2pPr>
+                  <a:lvl3pPr marL="914400" algn="l" defTabSz="914400" rtl="0" eaLnBrk="1" latinLnBrk="0" hangingPunct="1">
+                    <a:defRPr sz="1800" kern="1200">
+                      <a:solidFill>
+                        <a:schemeClr val="tx1"/>
+                      </a:solidFill>
+                      <a:effectLst/>
+                      <a:latin typeface="+mn-lt"/>
+                      <a:ea typeface="+mn-ea"/>
+                      <a:cs typeface="+mn-cs"/>
+                    </a:defRPr>
+                  </a:lvl3pPr>
+                  <a:lvl4pPr marL="1371600" algn="l" defTabSz="914400" rtl="0" eaLnBrk="1" latinLnBrk="0" hangingPunct="1">
+                    <a:defRPr sz="1800" kern="1200">
+                      <a:solidFill>
+                        <a:schemeClr val="tx1"/>
+                      </a:solidFill>
+                      <a:effectLst/>
+                      <a:latin typeface="+mn-lt"/>
+                      <a:ea typeface="+mn-ea"/>
+                      <a:cs typeface="+mn-cs"/>
+                    </a:defRPr>
+                  </a:lvl4pPr>
+                  <a:lvl5pPr marL="1828800" algn="l" defTabSz="914400" rtl="0" eaLnBrk="1" latinLnBrk="0" hangingPunct="1">
+                    <a:defRPr sz="1800" kern="1200">
+                      <a:solidFill>
+                        <a:schemeClr val="tx1"/>
+                      </a:solidFill>
+                      <a:effectLst/>
+                      <a:latin typeface="+mn-lt"/>
+                      <a:ea typeface="+mn-ea"/>
+                      <a:cs typeface="+mn-cs"/>
+                    </a:defRPr>
+                  </a:lvl5pPr>
+                  <a:lvl6pPr marL="2286000" algn="l" defTabSz="914400" rtl="0" eaLnBrk="1" latinLnBrk="0" hangingPunct="1">
+                    <a:defRPr sz="1800" kern="1200">
+                      <a:solidFill>
+                        <a:schemeClr val="tx1"/>
+                      </a:solidFill>
+                      <a:effectLst/>
+                      <a:latin typeface="+mn-lt"/>
+                      <a:ea typeface="+mn-ea"/>
+                      <a:cs typeface="+mn-cs"/>
+                    </a:defRPr>
+                  </a:lvl6pPr>
+                  <a:lvl7pPr marL="2743200" algn="l" defTabSz="914400" rtl="0" eaLnBrk="1" latinLnBrk="0" hangingPunct="1">
+                    <a:defRPr sz="1800" kern="1200">
+                      <a:solidFill>
+                        <a:schemeClr val="tx1"/>
+                      </a:solidFill>
+                      <a:effectLst/>
+                      <a:latin typeface="+mn-lt"/>
+                      <a:ea typeface="+mn-ea"/>
+                      <a:cs typeface="+mn-cs"/>
+                    </a:defRPr>
+                  </a:lvl7pPr>
+                  <a:lvl8pPr marL="3200400" algn="l" defTabSz="914400" rtl="0" eaLnBrk="1" latinLnBrk="0" hangingPunct="1">
+                    <a:defRPr sz="1800" kern="1200">
+                      <a:solidFill>
+                        <a:schemeClr val="tx1"/>
+                      </a:solidFill>
+                      <a:effectLst/>
+                      <a:latin typeface="+mn-lt"/>
+                      <a:ea typeface="+mn-ea"/>
+                      <a:cs typeface="+mn-cs"/>
+                    </a:defRPr>
+                  </a:lvl8pPr>
+                  <a:lvl9pPr marL="3657600" algn="l" defTabSz="914400" rtl="0" eaLnBrk="1" latinLnBrk="0" hangingPunct="1">
+                    <a:defRPr sz="1800" kern="1200">
+                      <a:solidFill>
+                        <a:schemeClr val="tx1"/>
+                      </a:solidFill>
+                      <a:effectLst/>
+                      <a:latin typeface="+mn-lt"/>
+                      <a:ea typeface="+mn-ea"/>
+                      <a:cs typeface="+mn-cs"/>
+                    </a:defRPr>
+                  </a:lvl9pPr>
+                </a:lstStyle>
+                <a:p>
+                  <a:pPr algn="ctr">
+                    <a:lnSpc>
+                      <a:spcPct val="70000"/>
+                    </a:lnSpc>
+                    <a:defRPr>
+                      <a:effectLst/>
+                    </a:defRPr>
+                  </a:pPr>
+                  <a:r>
+                    <a:rPr lang="en-US" sz="1600" b="1" kern="0" dirty="0">
+                      <a:solidFill>
+                        <a:prstClr val="white"/>
+                      </a:solidFill>
+                      <a:effectLst>
+                        <a:outerShdw blurRad="38100" dist="38100" dir="2700000" algn="tl">
+                          <a:srgbClr val="000000">
+                            <a:alpha val="43137"/>
+                          </a:srgbClr>
+                        </a:outerShdw>
+                      </a:effectLst>
+                      <a:latin typeface="Arial Narrow" panose="020B0606020202030204" pitchFamily="34" charset="0"/>
+                    </a:rPr>
+                    <a:t>TABLES  RDF/JSON-LD</a:t>
+                  </a:r>
+                </a:p>
+              </p:txBody>
+            </p:sp>
+            <p:sp>
+              <p:nvSpPr>
+                <p:cNvPr id="40" name="Rectangle 39">
+                  <a:extLst>
+                    <a:ext uri="{FF2B5EF4-FFF2-40B4-BE49-F238E27FC236}">
+                      <a16:creationId xmlns:a16="http://schemas.microsoft.com/office/drawing/2014/main" id="{B7E2F181-70E3-4DB0-B24C-0A9A620A474F}"/>
+                    </a:ext>
+                  </a:extLst>
+                </p:cNvPr>
+                <p:cNvSpPr/>
+                <p:nvPr>
+                  <p:custDataLst>
+                    <p:tags r:id="rId29"/>
+                  </p:custDataLst>
+                </p:nvPr>
+              </p:nvSpPr>
+              <p:spPr>
+                <a:xfrm>
+                  <a:off x="8240639" y="1922384"/>
+                  <a:ext cx="3087488" cy="720690"/>
+                </a:xfrm>
+                <a:prstGeom prst="rect">
+                  <a:avLst/>
+                </a:prstGeom>
+                <a:noFill/>
+                <a:ln w="12700" cap="flat" cmpd="sng" algn="ctr">
+                  <a:noFill/>
+                  <a:prstDash val="solid"/>
+                </a:ln>
+                <a:effectLst/>
+              </p:spPr>
+              <p:txBody>
+                <a:bodyPr tIns="121920" rtlCol="0" anchor="ctr"/>
+                <a:lstStyle>
+                  <a:defPPr>
+                    <a:defRPr lang="en-US">
+                      <a:effectLst/>
+                    </a:defRPr>
+                  </a:defPPr>
+                  <a:lvl1pPr marL="0" algn="l" defTabSz="914400" rtl="0" eaLnBrk="1" latinLnBrk="0" hangingPunct="1">
+                    <a:defRPr sz="1800" kern="1200">
+                      <a:solidFill>
+                        <a:schemeClr val="tx1"/>
+                      </a:solidFill>
+                      <a:effectLst/>
+                      <a:latin typeface="+mn-lt"/>
+                      <a:ea typeface="+mn-ea"/>
+                      <a:cs typeface="+mn-cs"/>
+                    </a:defRPr>
+                  </a:lvl1pPr>
+                  <a:lvl2pPr marL="457200" algn="l" defTabSz="914400" rtl="0" eaLnBrk="1" latinLnBrk="0" hangingPunct="1">
+                    <a:defRPr sz="1800" kern="1200">
+                      <a:solidFill>
+                        <a:schemeClr val="tx1"/>
+                      </a:solidFill>
+                      <a:effectLst/>
+                      <a:latin typeface="+mn-lt"/>
+                      <a:ea typeface="+mn-ea"/>
+                      <a:cs typeface="+mn-cs"/>
+                    </a:defRPr>
+                  </a:lvl2pPr>
+                  <a:lvl3pPr marL="914400" algn="l" defTabSz="914400" rtl="0" eaLnBrk="1" latinLnBrk="0" hangingPunct="1">
+                    <a:defRPr sz="1800" kern="1200">
+                      <a:solidFill>
+                        <a:schemeClr val="tx1"/>
+                      </a:solidFill>
+                      <a:effectLst/>
+                      <a:latin typeface="+mn-lt"/>
+                      <a:ea typeface="+mn-ea"/>
+                      <a:cs typeface="+mn-cs"/>
+                    </a:defRPr>
+                  </a:lvl3pPr>
+                  <a:lvl4pPr marL="1371600" algn="l" defTabSz="914400" rtl="0" eaLnBrk="1" latinLnBrk="0" hangingPunct="1">
+                    <a:defRPr sz="1800" kern="1200">
+                      <a:solidFill>
+                        <a:schemeClr val="tx1"/>
+                      </a:solidFill>
+                      <a:effectLst/>
+                      <a:latin typeface="+mn-lt"/>
+                      <a:ea typeface="+mn-ea"/>
+                      <a:cs typeface="+mn-cs"/>
+                    </a:defRPr>
+                  </a:lvl4pPr>
+                  <a:lvl5pPr marL="1828800" algn="l" defTabSz="914400" rtl="0" eaLnBrk="1" latinLnBrk="0" hangingPunct="1">
+                    <a:defRPr sz="1800" kern="1200">
+                      <a:solidFill>
+                        <a:schemeClr val="tx1"/>
+                      </a:solidFill>
+                      <a:effectLst/>
+                      <a:latin typeface="+mn-lt"/>
+                      <a:ea typeface="+mn-ea"/>
+                      <a:cs typeface="+mn-cs"/>
+                    </a:defRPr>
+                  </a:lvl5pPr>
+                  <a:lvl6pPr marL="2286000" algn="l" defTabSz="914400" rtl="0" eaLnBrk="1" latinLnBrk="0" hangingPunct="1">
+                    <a:defRPr sz="1800" kern="1200">
+                      <a:solidFill>
+                        <a:schemeClr val="tx1"/>
+                      </a:solidFill>
+                      <a:effectLst/>
+                      <a:latin typeface="+mn-lt"/>
+                      <a:ea typeface="+mn-ea"/>
+                      <a:cs typeface="+mn-cs"/>
+                    </a:defRPr>
+                  </a:lvl6pPr>
+                  <a:lvl7pPr marL="2743200" algn="l" defTabSz="914400" rtl="0" eaLnBrk="1" latinLnBrk="0" hangingPunct="1">
+                    <a:defRPr sz="1800" kern="1200">
+                      <a:solidFill>
+                        <a:schemeClr val="tx1"/>
+                      </a:solidFill>
+                      <a:effectLst/>
+                      <a:latin typeface="+mn-lt"/>
+                      <a:ea typeface="+mn-ea"/>
+                      <a:cs typeface="+mn-cs"/>
+                    </a:defRPr>
+                  </a:lvl7pPr>
+                  <a:lvl8pPr marL="3200400" algn="l" defTabSz="914400" rtl="0" eaLnBrk="1" latinLnBrk="0" hangingPunct="1">
+                    <a:defRPr sz="1800" kern="1200">
+                      <a:solidFill>
+                        <a:schemeClr val="tx1"/>
+                      </a:solidFill>
+                      <a:effectLst/>
+                      <a:latin typeface="+mn-lt"/>
+                      <a:ea typeface="+mn-ea"/>
+                      <a:cs typeface="+mn-cs"/>
+                    </a:defRPr>
+                  </a:lvl8pPr>
+                  <a:lvl9pPr marL="3657600" algn="l" defTabSz="914400" rtl="0" eaLnBrk="1" latinLnBrk="0" hangingPunct="1">
+                    <a:defRPr sz="1800" kern="1200">
+                      <a:solidFill>
+                        <a:schemeClr val="tx1"/>
+                      </a:solidFill>
+                      <a:effectLst/>
+                      <a:latin typeface="+mn-lt"/>
+                      <a:ea typeface="+mn-ea"/>
+                      <a:cs typeface="+mn-cs"/>
+                    </a:defRPr>
+                  </a:lvl9pPr>
+                </a:lstStyle>
+                <a:p>
+                  <a:pPr algn="ctr">
+                    <a:lnSpc>
+                      <a:spcPct val="70000"/>
+                    </a:lnSpc>
+                    <a:defRPr>
+                      <a:effectLst/>
+                    </a:defRPr>
+                  </a:pPr>
+                  <a:r>
+                    <a:rPr lang="en-US" sz="1600" b="1" kern="0" dirty="0">
+                      <a:solidFill>
+                        <a:prstClr val="white"/>
+                      </a:solidFill>
+                      <a:effectLst>
+                        <a:outerShdw blurRad="38100" dist="38100" dir="2700000" algn="tl">
+                          <a:srgbClr val="000000">
+                            <a:alpha val="43137"/>
+                          </a:srgbClr>
+                        </a:outerShdw>
+                      </a:effectLst>
+                      <a:latin typeface="Arial Narrow" panose="020B0606020202030204" pitchFamily="34" charset="0"/>
+                    </a:rPr>
+                    <a:t>SQL  SPARQL </a:t>
+                  </a:r>
+                </a:p>
+              </p:txBody>
+            </p:sp>
+            <p:sp>
+              <p:nvSpPr>
+                <p:cNvPr id="45" name="Rectangle 44">
+                  <a:extLst>
+                    <a:ext uri="{FF2B5EF4-FFF2-40B4-BE49-F238E27FC236}">
+                      <a16:creationId xmlns:a16="http://schemas.microsoft.com/office/drawing/2014/main" id="{C238CC39-D92F-45B6-9B47-C437C466702C}"/>
+                    </a:ext>
+                  </a:extLst>
+                </p:cNvPr>
+                <p:cNvSpPr/>
+                <p:nvPr>
+                  <p:custDataLst>
+                    <p:tags r:id="rId30"/>
+                  </p:custDataLst>
+                </p:nvPr>
+              </p:nvSpPr>
+              <p:spPr>
+                <a:xfrm>
+                  <a:off x="7951889" y="1611338"/>
+                  <a:ext cx="3547886" cy="720690"/>
+                </a:xfrm>
+                <a:prstGeom prst="rect">
+                  <a:avLst/>
+                </a:prstGeom>
+                <a:noFill/>
+                <a:ln w="12700" cap="flat" cmpd="sng" algn="ctr">
+                  <a:noFill/>
+                  <a:prstDash val="solid"/>
+                </a:ln>
+                <a:effectLst/>
+              </p:spPr>
+              <p:txBody>
+                <a:bodyPr tIns="121920" rtlCol="0" anchor="ctr"/>
+                <a:lstStyle>
+                  <a:defPPr>
+                    <a:defRPr lang="en-US">
+                      <a:effectLst/>
+                    </a:defRPr>
+                  </a:defPPr>
+                  <a:lvl1pPr marL="0" algn="l" defTabSz="914400" rtl="0" eaLnBrk="1" latinLnBrk="0" hangingPunct="1">
+                    <a:defRPr sz="1800" kern="1200">
+                      <a:solidFill>
+                        <a:schemeClr val="tx1"/>
+                      </a:solidFill>
+                      <a:effectLst/>
+                      <a:latin typeface="+mn-lt"/>
+                      <a:ea typeface="+mn-ea"/>
+                      <a:cs typeface="+mn-cs"/>
+                    </a:defRPr>
+                  </a:lvl1pPr>
+                  <a:lvl2pPr marL="457200" algn="l" defTabSz="914400" rtl="0" eaLnBrk="1" latinLnBrk="0" hangingPunct="1">
+                    <a:defRPr sz="1800" kern="1200">
+                      <a:solidFill>
+                        <a:schemeClr val="tx1"/>
+                      </a:solidFill>
+                      <a:effectLst/>
+                      <a:latin typeface="+mn-lt"/>
+                      <a:ea typeface="+mn-ea"/>
+                      <a:cs typeface="+mn-cs"/>
+                    </a:defRPr>
+                  </a:lvl2pPr>
+                  <a:lvl3pPr marL="914400" algn="l" defTabSz="914400" rtl="0" eaLnBrk="1" latinLnBrk="0" hangingPunct="1">
+                    <a:defRPr sz="1800" kern="1200">
+                      <a:solidFill>
+                        <a:schemeClr val="tx1"/>
+                      </a:solidFill>
+                      <a:effectLst/>
+                      <a:latin typeface="+mn-lt"/>
+                      <a:ea typeface="+mn-ea"/>
+                      <a:cs typeface="+mn-cs"/>
+                    </a:defRPr>
+                  </a:lvl3pPr>
+                  <a:lvl4pPr marL="1371600" algn="l" defTabSz="914400" rtl="0" eaLnBrk="1" latinLnBrk="0" hangingPunct="1">
+                    <a:defRPr sz="1800" kern="1200">
+                      <a:solidFill>
+                        <a:schemeClr val="tx1"/>
+                      </a:solidFill>
+                      <a:effectLst/>
+                      <a:latin typeface="+mn-lt"/>
+                      <a:ea typeface="+mn-ea"/>
+                      <a:cs typeface="+mn-cs"/>
+                    </a:defRPr>
+                  </a:lvl4pPr>
+                  <a:lvl5pPr marL="1828800" algn="l" defTabSz="914400" rtl="0" eaLnBrk="1" latinLnBrk="0" hangingPunct="1">
+                    <a:defRPr sz="1800" kern="1200">
+                      <a:solidFill>
+                        <a:schemeClr val="tx1"/>
+                      </a:solidFill>
+                      <a:effectLst/>
+                      <a:latin typeface="+mn-lt"/>
+                      <a:ea typeface="+mn-ea"/>
+                      <a:cs typeface="+mn-cs"/>
+                    </a:defRPr>
+                  </a:lvl5pPr>
+                  <a:lvl6pPr marL="2286000" algn="l" defTabSz="914400" rtl="0" eaLnBrk="1" latinLnBrk="0" hangingPunct="1">
+                    <a:defRPr sz="1800" kern="1200">
+                      <a:solidFill>
+                        <a:schemeClr val="tx1"/>
+                      </a:solidFill>
+                      <a:effectLst/>
+                      <a:latin typeface="+mn-lt"/>
+                      <a:ea typeface="+mn-ea"/>
+                      <a:cs typeface="+mn-cs"/>
+                    </a:defRPr>
+                  </a:lvl6pPr>
+                  <a:lvl7pPr marL="2743200" algn="l" defTabSz="914400" rtl="0" eaLnBrk="1" latinLnBrk="0" hangingPunct="1">
+                    <a:defRPr sz="1800" kern="1200">
+                      <a:solidFill>
+                        <a:schemeClr val="tx1"/>
+                      </a:solidFill>
+                      <a:effectLst/>
+                      <a:latin typeface="+mn-lt"/>
+                      <a:ea typeface="+mn-ea"/>
+                      <a:cs typeface="+mn-cs"/>
+                    </a:defRPr>
+                  </a:lvl7pPr>
+                  <a:lvl8pPr marL="3200400" algn="l" defTabSz="914400" rtl="0" eaLnBrk="1" latinLnBrk="0" hangingPunct="1">
+                    <a:defRPr sz="1800" kern="1200">
+                      <a:solidFill>
+                        <a:schemeClr val="tx1"/>
+                      </a:solidFill>
+                      <a:effectLst/>
+                      <a:latin typeface="+mn-lt"/>
+                      <a:ea typeface="+mn-ea"/>
+                      <a:cs typeface="+mn-cs"/>
+                    </a:defRPr>
+                  </a:lvl8pPr>
+                  <a:lvl9pPr marL="3657600" algn="l" defTabSz="914400" rtl="0" eaLnBrk="1" latinLnBrk="0" hangingPunct="1">
+                    <a:defRPr sz="1800" kern="1200">
+                      <a:solidFill>
+                        <a:schemeClr val="tx1"/>
+                      </a:solidFill>
+                      <a:effectLst/>
+                      <a:latin typeface="+mn-lt"/>
+                      <a:ea typeface="+mn-ea"/>
+                      <a:cs typeface="+mn-cs"/>
+                    </a:defRPr>
+                  </a:lvl9pPr>
+                </a:lstStyle>
+                <a:p>
+                  <a:pPr algn="ctr">
+                    <a:lnSpc>
+                      <a:spcPct val="70000"/>
+                    </a:lnSpc>
+                    <a:defRPr>
+                      <a:effectLst/>
+                    </a:defRPr>
+                  </a:pPr>
+                  <a:r>
+                    <a:rPr lang="en-US" sz="1600" b="1" kern="0" dirty="0">
+                      <a:solidFill>
+                        <a:prstClr val="white"/>
+                      </a:solidFill>
+                      <a:effectLst>
+                        <a:outerShdw blurRad="38100" dist="38100" dir="2700000" algn="tl">
+                          <a:srgbClr val="000000">
+                            <a:alpha val="43137"/>
+                          </a:srgbClr>
+                        </a:outerShdw>
+                      </a:effectLst>
+                      <a:latin typeface="Arial Narrow" panose="020B0606020202030204" pitchFamily="34" charset="0"/>
+                    </a:rPr>
+                    <a:t>FAAS  DIGITAL TWINS  ML/AI ANALYTICS </a:t>
+                  </a:r>
+                </a:p>
+              </p:txBody>
+            </p:sp>
+            <p:sp>
+              <p:nvSpPr>
+                <p:cNvPr id="46" name="Rectangle 45">
+                  <a:extLst>
+                    <a:ext uri="{FF2B5EF4-FFF2-40B4-BE49-F238E27FC236}">
+                      <a16:creationId xmlns:a16="http://schemas.microsoft.com/office/drawing/2014/main" id="{A2683798-7DEE-49D4-8F33-B4DF5BD2BB4D}"/>
+                    </a:ext>
+                  </a:extLst>
+                </p:cNvPr>
+                <p:cNvSpPr/>
+                <p:nvPr>
+                  <p:custDataLst>
+                    <p:tags r:id="rId31"/>
+                  </p:custDataLst>
+                </p:nvPr>
+              </p:nvSpPr>
+              <p:spPr>
+                <a:xfrm>
+                  <a:off x="7894500" y="1265458"/>
+                  <a:ext cx="3605275" cy="720690"/>
+                </a:xfrm>
+                <a:prstGeom prst="rect">
+                  <a:avLst/>
+                </a:prstGeom>
+                <a:noFill/>
+                <a:ln w="12700" cap="flat" cmpd="sng" algn="ctr">
+                  <a:noFill/>
+                  <a:prstDash val="solid"/>
+                </a:ln>
+                <a:effectLst/>
+              </p:spPr>
+              <p:txBody>
+                <a:bodyPr tIns="121920" rtlCol="0" anchor="ctr"/>
+                <a:lstStyle>
+                  <a:defPPr>
+                    <a:defRPr lang="en-US">
+                      <a:effectLst/>
+                    </a:defRPr>
+                  </a:defPPr>
+                  <a:lvl1pPr marL="0" algn="l" defTabSz="914400" rtl="0" eaLnBrk="1" latinLnBrk="0" hangingPunct="1">
+                    <a:defRPr sz="1800" kern="1200">
+                      <a:solidFill>
+                        <a:schemeClr val="tx1"/>
+                      </a:solidFill>
+                      <a:effectLst/>
+                      <a:latin typeface="+mn-lt"/>
+                      <a:ea typeface="+mn-ea"/>
+                      <a:cs typeface="+mn-cs"/>
+                    </a:defRPr>
+                  </a:lvl1pPr>
+                  <a:lvl2pPr marL="457200" algn="l" defTabSz="914400" rtl="0" eaLnBrk="1" latinLnBrk="0" hangingPunct="1">
+                    <a:defRPr sz="1800" kern="1200">
+                      <a:solidFill>
+                        <a:schemeClr val="tx1"/>
+                      </a:solidFill>
+                      <a:effectLst/>
+                      <a:latin typeface="+mn-lt"/>
+                      <a:ea typeface="+mn-ea"/>
+                      <a:cs typeface="+mn-cs"/>
+                    </a:defRPr>
+                  </a:lvl2pPr>
+                  <a:lvl3pPr marL="914400" algn="l" defTabSz="914400" rtl="0" eaLnBrk="1" latinLnBrk="0" hangingPunct="1">
+                    <a:defRPr sz="1800" kern="1200">
+                      <a:solidFill>
+                        <a:schemeClr val="tx1"/>
+                      </a:solidFill>
+                      <a:effectLst/>
+                      <a:latin typeface="+mn-lt"/>
+                      <a:ea typeface="+mn-ea"/>
+                      <a:cs typeface="+mn-cs"/>
+                    </a:defRPr>
+                  </a:lvl3pPr>
+                  <a:lvl4pPr marL="1371600" algn="l" defTabSz="914400" rtl="0" eaLnBrk="1" latinLnBrk="0" hangingPunct="1">
+                    <a:defRPr sz="1800" kern="1200">
+                      <a:solidFill>
+                        <a:schemeClr val="tx1"/>
+                      </a:solidFill>
+                      <a:effectLst/>
+                      <a:latin typeface="+mn-lt"/>
+                      <a:ea typeface="+mn-ea"/>
+                      <a:cs typeface="+mn-cs"/>
+                    </a:defRPr>
+                  </a:lvl4pPr>
+                  <a:lvl5pPr marL="1828800" algn="l" defTabSz="914400" rtl="0" eaLnBrk="1" latinLnBrk="0" hangingPunct="1">
+                    <a:defRPr sz="1800" kern="1200">
+                      <a:solidFill>
+                        <a:schemeClr val="tx1"/>
+                      </a:solidFill>
+                      <a:effectLst/>
+                      <a:latin typeface="+mn-lt"/>
+                      <a:ea typeface="+mn-ea"/>
+                      <a:cs typeface="+mn-cs"/>
+                    </a:defRPr>
+                  </a:lvl5pPr>
+                  <a:lvl6pPr marL="2286000" algn="l" defTabSz="914400" rtl="0" eaLnBrk="1" latinLnBrk="0" hangingPunct="1">
+                    <a:defRPr sz="1800" kern="1200">
+                      <a:solidFill>
+                        <a:schemeClr val="tx1"/>
+                      </a:solidFill>
+                      <a:effectLst/>
+                      <a:latin typeface="+mn-lt"/>
+                      <a:ea typeface="+mn-ea"/>
+                      <a:cs typeface="+mn-cs"/>
+                    </a:defRPr>
+                  </a:lvl6pPr>
+                  <a:lvl7pPr marL="2743200" algn="l" defTabSz="914400" rtl="0" eaLnBrk="1" latinLnBrk="0" hangingPunct="1">
+                    <a:defRPr sz="1800" kern="1200">
+                      <a:solidFill>
+                        <a:schemeClr val="tx1"/>
+                      </a:solidFill>
+                      <a:effectLst/>
+                      <a:latin typeface="+mn-lt"/>
+                      <a:ea typeface="+mn-ea"/>
+                      <a:cs typeface="+mn-cs"/>
+                    </a:defRPr>
+                  </a:lvl7pPr>
+                  <a:lvl8pPr marL="3200400" algn="l" defTabSz="914400" rtl="0" eaLnBrk="1" latinLnBrk="0" hangingPunct="1">
+                    <a:defRPr sz="1800" kern="1200">
+                      <a:solidFill>
+                        <a:schemeClr val="tx1"/>
+                      </a:solidFill>
+                      <a:effectLst/>
+                      <a:latin typeface="+mn-lt"/>
+                      <a:ea typeface="+mn-ea"/>
+                      <a:cs typeface="+mn-cs"/>
+                    </a:defRPr>
+                  </a:lvl8pPr>
+                  <a:lvl9pPr marL="3657600" algn="l" defTabSz="914400" rtl="0" eaLnBrk="1" latinLnBrk="0" hangingPunct="1">
+                    <a:defRPr sz="1800" kern="1200">
+                      <a:solidFill>
+                        <a:schemeClr val="tx1"/>
+                      </a:solidFill>
+                      <a:effectLst/>
+                      <a:latin typeface="+mn-lt"/>
+                      <a:ea typeface="+mn-ea"/>
+                      <a:cs typeface="+mn-cs"/>
+                    </a:defRPr>
+                  </a:lvl9pPr>
+                </a:lstStyle>
+                <a:p>
+                  <a:pPr algn="ctr">
+                    <a:lnSpc>
+                      <a:spcPct val="70000"/>
+                    </a:lnSpc>
+                    <a:defRPr>
+                      <a:effectLst/>
+                    </a:defRPr>
+                  </a:pPr>
+                  <a:r>
+                    <a:rPr lang="en-US" sz="1600" b="1" kern="0" dirty="0">
+                      <a:solidFill>
+                        <a:prstClr val="white"/>
+                      </a:solidFill>
+                      <a:effectLst>
+                        <a:outerShdw blurRad="38100" dist="38100" dir="2700000" algn="tl">
+                          <a:srgbClr val="000000">
+                            <a:alpha val="43137"/>
+                          </a:srgbClr>
+                        </a:outerShdw>
+                      </a:effectLst>
+                      <a:latin typeface="Arial Narrow" panose="020B0606020202030204" pitchFamily="34" charset="0"/>
+                    </a:rPr>
+                    <a:t>CLOUD, EDGE/FOG, AND IOT SERVICES</a:t>
+                  </a:r>
+                </a:p>
+              </p:txBody>
+            </p:sp>
+          </p:grpSp>
+        </p:grpSp>
+        <p:sp>
+          <p:nvSpPr>
+            <p:cNvPr id="44" name="Rectangle 43">
+              <a:extLst>
+                <a:ext uri="{FF2B5EF4-FFF2-40B4-BE49-F238E27FC236}">
+                  <a16:creationId xmlns:a16="http://schemas.microsoft.com/office/drawing/2014/main" id="{4D050763-61CE-4E69-A236-6054BEB10FDB}"/>
+                </a:ext>
+              </a:extLst>
+            </p:cNvPr>
+            <p:cNvSpPr/>
+            <p:nvPr>
+              <p:custDataLst>
+                <p:tags r:id="rId25"/>
+              </p:custDataLst>
+            </p:nvPr>
+          </p:nvSpPr>
+          <p:spPr>
+            <a:xfrm>
+              <a:off x="8149177" y="3633272"/>
+              <a:ext cx="2970938" cy="720690"/>
+            </a:xfrm>
+            <a:prstGeom prst="rect">
+              <a:avLst/>
+            </a:prstGeom>
+            <a:noFill/>
+            <a:ln w="12700" cap="flat" cmpd="sng" algn="ctr">
+              <a:noFill/>
+              <a:prstDash val="solid"/>
+            </a:ln>
+            <a:effectLst/>
+          </p:spPr>
+          <p:txBody>
+            <a:bodyPr tIns="121920" rtlCol="0" anchor="ctr"/>
+            <a:lstStyle>
+              <a:defPPr>
+                <a:defRPr lang="en-US">
+                  <a:effectLst/>
+                </a:defRPr>
+              </a:defPPr>
+              <a:lvl1pPr marL="0" algn="l" defTabSz="914400" rtl="0" eaLnBrk="1" latinLnBrk="0" hangingPunct="1">
+                <a:defRPr sz="1800" kern="1200">
+                  <a:solidFill>
+                    <a:schemeClr val="tx1"/>
+                  </a:solidFill>
+                  <a:effectLst/>
+                  <a:latin typeface="+mn-lt"/>
+                  <a:ea typeface="+mn-ea"/>
+                  <a:cs typeface="+mn-cs"/>
+                </a:defRPr>
+              </a:lvl1pPr>
+              <a:lvl2pPr marL="457200" algn="l" defTabSz="914400" rtl="0" eaLnBrk="1" latinLnBrk="0" hangingPunct="1">
+                <a:defRPr sz="1800" kern="1200">
+                  <a:solidFill>
+                    <a:schemeClr val="tx1"/>
+                  </a:solidFill>
+                  <a:effectLst/>
+                  <a:latin typeface="+mn-lt"/>
+                  <a:ea typeface="+mn-ea"/>
+                  <a:cs typeface="+mn-cs"/>
+                </a:defRPr>
+              </a:lvl2pPr>
+              <a:lvl3pPr marL="914400" algn="l" defTabSz="914400" rtl="0" eaLnBrk="1" latinLnBrk="0" hangingPunct="1">
+                <a:defRPr sz="1800" kern="1200">
+                  <a:solidFill>
+                    <a:schemeClr val="tx1"/>
+                  </a:solidFill>
+                  <a:effectLst/>
+                  <a:latin typeface="+mn-lt"/>
+                  <a:ea typeface="+mn-ea"/>
+                  <a:cs typeface="+mn-cs"/>
+                </a:defRPr>
+              </a:lvl3pPr>
+              <a:lvl4pPr marL="1371600" algn="l" defTabSz="914400" rtl="0" eaLnBrk="1" latinLnBrk="0" hangingPunct="1">
+                <a:defRPr sz="1800" kern="1200">
+                  <a:solidFill>
+                    <a:schemeClr val="tx1"/>
+                  </a:solidFill>
+                  <a:effectLst/>
+                  <a:latin typeface="+mn-lt"/>
+                  <a:ea typeface="+mn-ea"/>
+                  <a:cs typeface="+mn-cs"/>
+                </a:defRPr>
+              </a:lvl4pPr>
+              <a:lvl5pPr marL="1828800" algn="l" defTabSz="914400" rtl="0" eaLnBrk="1" latinLnBrk="0" hangingPunct="1">
+                <a:defRPr sz="1800" kern="1200">
+                  <a:solidFill>
+                    <a:schemeClr val="tx1"/>
+                  </a:solidFill>
+                  <a:effectLst/>
+                  <a:latin typeface="+mn-lt"/>
+                  <a:ea typeface="+mn-ea"/>
+                  <a:cs typeface="+mn-cs"/>
+                </a:defRPr>
+              </a:lvl5pPr>
+              <a:lvl6pPr marL="2286000" algn="l" defTabSz="914400" rtl="0" eaLnBrk="1" latinLnBrk="0" hangingPunct="1">
+                <a:defRPr sz="1800" kern="1200">
+                  <a:solidFill>
+                    <a:schemeClr val="tx1"/>
+                  </a:solidFill>
+                  <a:effectLst/>
+                  <a:latin typeface="+mn-lt"/>
+                  <a:ea typeface="+mn-ea"/>
+                  <a:cs typeface="+mn-cs"/>
+                </a:defRPr>
+              </a:lvl6pPr>
+              <a:lvl7pPr marL="2743200" algn="l" defTabSz="914400" rtl="0" eaLnBrk="1" latinLnBrk="0" hangingPunct="1">
+                <a:defRPr sz="1800" kern="1200">
+                  <a:solidFill>
+                    <a:schemeClr val="tx1"/>
+                  </a:solidFill>
+                  <a:effectLst/>
+                  <a:latin typeface="+mn-lt"/>
+                  <a:ea typeface="+mn-ea"/>
+                  <a:cs typeface="+mn-cs"/>
+                </a:defRPr>
+              </a:lvl7pPr>
+              <a:lvl8pPr marL="3200400" algn="l" defTabSz="914400" rtl="0" eaLnBrk="1" latinLnBrk="0" hangingPunct="1">
+                <a:defRPr sz="1800" kern="1200">
+                  <a:solidFill>
+                    <a:schemeClr val="tx1"/>
+                  </a:solidFill>
+                  <a:effectLst/>
+                  <a:latin typeface="+mn-lt"/>
+                  <a:ea typeface="+mn-ea"/>
+                  <a:cs typeface="+mn-cs"/>
+                </a:defRPr>
+              </a:lvl8pPr>
+              <a:lvl9pPr marL="3657600" algn="l" defTabSz="914400" rtl="0" eaLnBrk="1" latinLnBrk="0" hangingPunct="1">
+                <a:defRPr sz="1800" kern="1200">
+                  <a:solidFill>
+                    <a:schemeClr val="tx1"/>
+                  </a:solidFill>
+                  <a:effectLst/>
+                  <a:latin typeface="+mn-lt"/>
+                  <a:ea typeface="+mn-ea"/>
+                  <a:cs typeface="+mn-cs"/>
+                </a:defRPr>
+              </a:lvl9pPr>
+            </a:lstStyle>
+            <a:p>
+              <a:pPr algn="ctr">
+                <a:lnSpc>
+                  <a:spcPct val="70000"/>
+                </a:lnSpc>
+                <a:defRPr>
+                  <a:effectLst/>
+                </a:defRPr>
+              </a:pPr>
+              <a:r>
+                <a:rPr lang="en-US" sz="2000" kern="0" dirty="0">
                   <a:solidFill>
                     <a:prstClr val="white"/>
                   </a:solidFill>
-                  <a:latin typeface="Intel Clear"/>
-                  <a:cs typeface="Arial" charset="0"/>
-                </a:endParaRPr>
-              </a:p>
-            </p:txBody>
-          </p:sp>
-          <p:sp>
-            <p:nvSpPr>
-              <p:cNvPr id="13" name="Rectangle 12">
-                <a:extLst>
-                  <a:ext uri="{FF2B5EF4-FFF2-40B4-BE49-F238E27FC236}">
-                    <a16:creationId xmlns:a16="http://schemas.microsoft.com/office/drawing/2014/main" id="{460F86C2-41BD-4210-8396-0CC5575F563B}"/>
-                  </a:ext>
-                </a:extLst>
-              </p:cNvPr>
-              <p:cNvSpPr/>
-              <p:nvPr>
-                <p:custDataLst>
-                  <p:tags r:id="rId27"/>
-                </p:custDataLst>
-              </p:nvPr>
-            </p:nvSpPr>
-            <p:spPr>
-              <a:xfrm>
-                <a:off x="8775354" y="910444"/>
-                <a:ext cx="2014174" cy="720690"/>
-              </a:xfrm>
-              <a:prstGeom prst="rect">
-                <a:avLst/>
-              </a:prstGeom>
-              <a:noFill/>
-              <a:ln w="12700" cap="flat" cmpd="sng" algn="ctr">
-                <a:noFill/>
-                <a:prstDash val="solid"/>
-              </a:ln>
-              <a:effectLst/>
-            </p:spPr>
-            <p:txBody>
-              <a:bodyPr tIns="121920" rtlCol="0" anchor="ctr"/>
-              <a:lstStyle>
-                <a:defPPr>
-                  <a:defRPr lang="en-US">
-                    <a:effectLst/>
-                  </a:defRPr>
-                </a:defPPr>
-                <a:lvl1pPr marL="0" algn="l" defTabSz="914400" rtl="0" eaLnBrk="1" latinLnBrk="0" hangingPunct="1">
-                  <a:defRPr sz="1800" kern="1200">
-                    <a:solidFill>
-                      <a:schemeClr val="tx1"/>
-                    </a:solidFill>
-                    <a:effectLst/>
-                    <a:latin typeface="+mn-lt"/>
-                    <a:ea typeface="+mn-ea"/>
-                    <a:cs typeface="+mn-cs"/>
-                  </a:defRPr>
-                </a:lvl1pPr>
-                <a:lvl2pPr marL="457200" algn="l" defTabSz="914400" rtl="0" eaLnBrk="1" latinLnBrk="0" hangingPunct="1">
-                  <a:defRPr sz="1800" kern="1200">
-                    <a:solidFill>
-                      <a:schemeClr val="tx1"/>
-                    </a:solidFill>
-                    <a:effectLst/>
-                    <a:latin typeface="+mn-lt"/>
-                    <a:ea typeface="+mn-ea"/>
-                    <a:cs typeface="+mn-cs"/>
-                  </a:defRPr>
-                </a:lvl2pPr>
-                <a:lvl3pPr marL="914400" algn="l" defTabSz="914400" rtl="0" eaLnBrk="1" latinLnBrk="0" hangingPunct="1">
-                  <a:defRPr sz="1800" kern="1200">
-                    <a:solidFill>
-                      <a:schemeClr val="tx1"/>
-                    </a:solidFill>
-                    <a:effectLst/>
-                    <a:latin typeface="+mn-lt"/>
-                    <a:ea typeface="+mn-ea"/>
-                    <a:cs typeface="+mn-cs"/>
-                  </a:defRPr>
-                </a:lvl3pPr>
-                <a:lvl4pPr marL="1371600" algn="l" defTabSz="914400" rtl="0" eaLnBrk="1" latinLnBrk="0" hangingPunct="1">
-                  <a:defRPr sz="1800" kern="1200">
-                    <a:solidFill>
-                      <a:schemeClr val="tx1"/>
-                    </a:solidFill>
-                    <a:effectLst/>
-                    <a:latin typeface="+mn-lt"/>
-                    <a:ea typeface="+mn-ea"/>
-                    <a:cs typeface="+mn-cs"/>
-                  </a:defRPr>
-                </a:lvl4pPr>
-                <a:lvl5pPr marL="1828800" algn="l" defTabSz="914400" rtl="0" eaLnBrk="1" latinLnBrk="0" hangingPunct="1">
-                  <a:defRPr sz="1800" kern="1200">
-                    <a:solidFill>
-                      <a:schemeClr val="tx1"/>
-                    </a:solidFill>
-                    <a:effectLst/>
-                    <a:latin typeface="+mn-lt"/>
-                    <a:ea typeface="+mn-ea"/>
-                    <a:cs typeface="+mn-cs"/>
-                  </a:defRPr>
-                </a:lvl5pPr>
-                <a:lvl6pPr marL="2286000" algn="l" defTabSz="914400" rtl="0" eaLnBrk="1" latinLnBrk="0" hangingPunct="1">
-                  <a:defRPr sz="1800" kern="1200">
-                    <a:solidFill>
-                      <a:schemeClr val="tx1"/>
-                    </a:solidFill>
-                    <a:effectLst/>
-                    <a:latin typeface="+mn-lt"/>
-                    <a:ea typeface="+mn-ea"/>
-                    <a:cs typeface="+mn-cs"/>
-                  </a:defRPr>
-                </a:lvl6pPr>
-                <a:lvl7pPr marL="2743200" algn="l" defTabSz="914400" rtl="0" eaLnBrk="1" latinLnBrk="0" hangingPunct="1">
-                  <a:defRPr sz="1800" kern="1200">
-                    <a:solidFill>
-                      <a:schemeClr val="tx1"/>
-                    </a:solidFill>
-                    <a:effectLst/>
-                    <a:latin typeface="+mn-lt"/>
-                    <a:ea typeface="+mn-ea"/>
-                    <a:cs typeface="+mn-cs"/>
-                  </a:defRPr>
-                </a:lvl7pPr>
-                <a:lvl8pPr marL="3200400" algn="l" defTabSz="914400" rtl="0" eaLnBrk="1" latinLnBrk="0" hangingPunct="1">
-                  <a:defRPr sz="1800" kern="1200">
-                    <a:solidFill>
-                      <a:schemeClr val="tx1"/>
-                    </a:solidFill>
-                    <a:effectLst/>
-                    <a:latin typeface="+mn-lt"/>
-                    <a:ea typeface="+mn-ea"/>
-                    <a:cs typeface="+mn-cs"/>
-                  </a:defRPr>
-                </a:lvl8pPr>
-                <a:lvl9pPr marL="3657600" algn="l" defTabSz="914400" rtl="0" eaLnBrk="1" latinLnBrk="0" hangingPunct="1">
-                  <a:defRPr sz="1800" kern="1200">
-                    <a:solidFill>
-                      <a:schemeClr val="tx1"/>
-                    </a:solidFill>
-                    <a:effectLst/>
-                    <a:latin typeface="+mn-lt"/>
-                    <a:ea typeface="+mn-ea"/>
-                    <a:cs typeface="+mn-cs"/>
-                  </a:defRPr>
-                </a:lvl9pPr>
-              </a:lstStyle>
-              <a:p>
-                <a:pPr algn="ctr">
-                  <a:lnSpc>
-                    <a:spcPct val="70000"/>
-                  </a:lnSpc>
-                  <a:defRPr>
-                    <a:effectLst/>
-                  </a:defRPr>
-                </a:pPr>
-                <a:r>
-                  <a:rPr lang="en-US" sz="2000" kern="0" dirty="0">
-                    <a:solidFill>
-                      <a:prstClr val="white"/>
-                    </a:solidFill>
-                    <a:latin typeface="Intel Clear Pro"/>
-                  </a:rPr>
-                  <a:t>IoT APPLICATIONS</a:t>
-                </a:r>
-              </a:p>
-            </p:txBody>
-          </p:sp>
-          <p:sp>
-            <p:nvSpPr>
-              <p:cNvPr id="39" name="Rectangle 38">
-                <a:extLst>
-                  <a:ext uri="{FF2B5EF4-FFF2-40B4-BE49-F238E27FC236}">
-                    <a16:creationId xmlns:a16="http://schemas.microsoft.com/office/drawing/2014/main" id="{3660C2A7-3647-4CDB-BEC0-4F67D5D1C92D}"/>
-                  </a:ext>
-                </a:extLst>
-              </p:cNvPr>
-              <p:cNvSpPr/>
-              <p:nvPr>
-                <p:custDataLst>
-                  <p:tags r:id="rId28"/>
-                </p:custDataLst>
-              </p:nvPr>
-            </p:nvSpPr>
-            <p:spPr>
-              <a:xfrm>
-                <a:off x="8223830" y="2270599"/>
-                <a:ext cx="3087488" cy="720690"/>
-              </a:xfrm>
-              <a:prstGeom prst="rect">
-                <a:avLst/>
-              </a:prstGeom>
-              <a:noFill/>
-              <a:ln w="12700" cap="flat" cmpd="sng" algn="ctr">
-                <a:noFill/>
-                <a:prstDash val="solid"/>
-              </a:ln>
-              <a:effectLst/>
-            </p:spPr>
-            <p:txBody>
-              <a:bodyPr tIns="121920" rtlCol="0" anchor="ctr"/>
-              <a:lstStyle>
-                <a:defPPr>
-                  <a:defRPr lang="en-US">
-                    <a:effectLst/>
-                  </a:defRPr>
-                </a:defPPr>
-                <a:lvl1pPr marL="0" algn="l" defTabSz="914400" rtl="0" eaLnBrk="1" latinLnBrk="0" hangingPunct="1">
-                  <a:defRPr sz="1800" kern="1200">
-                    <a:solidFill>
-                      <a:schemeClr val="tx1"/>
-                    </a:solidFill>
-                    <a:effectLst/>
-                    <a:latin typeface="+mn-lt"/>
-                    <a:ea typeface="+mn-ea"/>
-                    <a:cs typeface="+mn-cs"/>
-                  </a:defRPr>
-                </a:lvl1pPr>
-                <a:lvl2pPr marL="457200" algn="l" defTabSz="914400" rtl="0" eaLnBrk="1" latinLnBrk="0" hangingPunct="1">
-                  <a:defRPr sz="1800" kern="1200">
-                    <a:solidFill>
-                      <a:schemeClr val="tx1"/>
-                    </a:solidFill>
-                    <a:effectLst/>
-                    <a:latin typeface="+mn-lt"/>
-                    <a:ea typeface="+mn-ea"/>
-                    <a:cs typeface="+mn-cs"/>
-                  </a:defRPr>
-                </a:lvl2pPr>
-                <a:lvl3pPr marL="914400" algn="l" defTabSz="914400" rtl="0" eaLnBrk="1" latinLnBrk="0" hangingPunct="1">
-                  <a:defRPr sz="1800" kern="1200">
-                    <a:solidFill>
-                      <a:schemeClr val="tx1"/>
-                    </a:solidFill>
-                    <a:effectLst/>
-                    <a:latin typeface="+mn-lt"/>
-                    <a:ea typeface="+mn-ea"/>
-                    <a:cs typeface="+mn-cs"/>
-                  </a:defRPr>
-                </a:lvl3pPr>
-                <a:lvl4pPr marL="1371600" algn="l" defTabSz="914400" rtl="0" eaLnBrk="1" latinLnBrk="0" hangingPunct="1">
-                  <a:defRPr sz="1800" kern="1200">
-                    <a:solidFill>
-                      <a:schemeClr val="tx1"/>
-                    </a:solidFill>
-                    <a:effectLst/>
-                    <a:latin typeface="+mn-lt"/>
-                    <a:ea typeface="+mn-ea"/>
-                    <a:cs typeface="+mn-cs"/>
-                  </a:defRPr>
-                </a:lvl4pPr>
-                <a:lvl5pPr marL="1828800" algn="l" defTabSz="914400" rtl="0" eaLnBrk="1" latinLnBrk="0" hangingPunct="1">
-                  <a:defRPr sz="1800" kern="1200">
-                    <a:solidFill>
-                      <a:schemeClr val="tx1"/>
-                    </a:solidFill>
-                    <a:effectLst/>
-                    <a:latin typeface="+mn-lt"/>
-                    <a:ea typeface="+mn-ea"/>
-                    <a:cs typeface="+mn-cs"/>
-                  </a:defRPr>
-                </a:lvl5pPr>
-                <a:lvl6pPr marL="2286000" algn="l" defTabSz="914400" rtl="0" eaLnBrk="1" latinLnBrk="0" hangingPunct="1">
-                  <a:defRPr sz="1800" kern="1200">
-                    <a:solidFill>
-                      <a:schemeClr val="tx1"/>
-                    </a:solidFill>
-                    <a:effectLst/>
-                    <a:latin typeface="+mn-lt"/>
-                    <a:ea typeface="+mn-ea"/>
-                    <a:cs typeface="+mn-cs"/>
-                  </a:defRPr>
-                </a:lvl6pPr>
-                <a:lvl7pPr marL="2743200" algn="l" defTabSz="914400" rtl="0" eaLnBrk="1" latinLnBrk="0" hangingPunct="1">
-                  <a:defRPr sz="1800" kern="1200">
-                    <a:solidFill>
-                      <a:schemeClr val="tx1"/>
-                    </a:solidFill>
-                    <a:effectLst/>
-                    <a:latin typeface="+mn-lt"/>
-                    <a:ea typeface="+mn-ea"/>
-                    <a:cs typeface="+mn-cs"/>
-                  </a:defRPr>
-                </a:lvl7pPr>
-                <a:lvl8pPr marL="3200400" algn="l" defTabSz="914400" rtl="0" eaLnBrk="1" latinLnBrk="0" hangingPunct="1">
-                  <a:defRPr sz="1800" kern="1200">
-                    <a:solidFill>
-                      <a:schemeClr val="tx1"/>
-                    </a:solidFill>
-                    <a:effectLst/>
-                    <a:latin typeface="+mn-lt"/>
-                    <a:ea typeface="+mn-ea"/>
-                    <a:cs typeface="+mn-cs"/>
-                  </a:defRPr>
-                </a:lvl8pPr>
-                <a:lvl9pPr marL="3657600" algn="l" defTabSz="914400" rtl="0" eaLnBrk="1" latinLnBrk="0" hangingPunct="1">
-                  <a:defRPr sz="1800" kern="1200">
-                    <a:solidFill>
-                      <a:schemeClr val="tx1"/>
-                    </a:solidFill>
-                    <a:effectLst/>
-                    <a:latin typeface="+mn-lt"/>
-                    <a:ea typeface="+mn-ea"/>
-                    <a:cs typeface="+mn-cs"/>
-                  </a:defRPr>
-                </a:lvl9pPr>
-              </a:lstStyle>
-              <a:p>
-                <a:pPr algn="ctr">
-                  <a:lnSpc>
-                    <a:spcPct val="70000"/>
-                  </a:lnSpc>
-                  <a:defRPr>
-                    <a:effectLst/>
-                  </a:defRPr>
-                </a:pPr>
-                <a:r>
-                  <a:rPr lang="en-US" sz="2000" kern="0" dirty="0">
-                    <a:solidFill>
-                      <a:prstClr val="white"/>
-                    </a:solidFill>
-                    <a:latin typeface="Intel Clear Pro"/>
-                  </a:rPr>
-                  <a:t>TABLES  RDF/JSON-LD</a:t>
-                </a:r>
-              </a:p>
-            </p:txBody>
-          </p:sp>
-          <p:sp>
-            <p:nvSpPr>
-              <p:cNvPr id="40" name="Rectangle 39">
-                <a:extLst>
-                  <a:ext uri="{FF2B5EF4-FFF2-40B4-BE49-F238E27FC236}">
-                    <a16:creationId xmlns:a16="http://schemas.microsoft.com/office/drawing/2014/main" id="{B7E2F181-70E3-4DB0-B24C-0A9A620A474F}"/>
-                  </a:ext>
-                </a:extLst>
-              </p:cNvPr>
-              <p:cNvSpPr/>
-              <p:nvPr>
-                <p:custDataLst>
-                  <p:tags r:id="rId29"/>
-                </p:custDataLst>
-              </p:nvPr>
-            </p:nvSpPr>
-            <p:spPr>
-              <a:xfrm>
-                <a:off x="8240639" y="1922384"/>
-                <a:ext cx="3087488" cy="720690"/>
-              </a:xfrm>
-              <a:prstGeom prst="rect">
-                <a:avLst/>
-              </a:prstGeom>
-              <a:noFill/>
-              <a:ln w="12700" cap="flat" cmpd="sng" algn="ctr">
-                <a:noFill/>
-                <a:prstDash val="solid"/>
-              </a:ln>
-              <a:effectLst/>
-            </p:spPr>
-            <p:txBody>
-              <a:bodyPr tIns="121920" rtlCol="0" anchor="ctr"/>
-              <a:lstStyle>
-                <a:defPPr>
-                  <a:defRPr lang="en-US">
-                    <a:effectLst/>
-                  </a:defRPr>
-                </a:defPPr>
-                <a:lvl1pPr marL="0" algn="l" defTabSz="914400" rtl="0" eaLnBrk="1" latinLnBrk="0" hangingPunct="1">
-                  <a:defRPr sz="1800" kern="1200">
-                    <a:solidFill>
-                      <a:schemeClr val="tx1"/>
-                    </a:solidFill>
-                    <a:effectLst/>
-                    <a:latin typeface="+mn-lt"/>
-                    <a:ea typeface="+mn-ea"/>
-                    <a:cs typeface="+mn-cs"/>
-                  </a:defRPr>
-                </a:lvl1pPr>
-                <a:lvl2pPr marL="457200" algn="l" defTabSz="914400" rtl="0" eaLnBrk="1" latinLnBrk="0" hangingPunct="1">
-                  <a:defRPr sz="1800" kern="1200">
-                    <a:solidFill>
-                      <a:schemeClr val="tx1"/>
-                    </a:solidFill>
-                    <a:effectLst/>
-                    <a:latin typeface="+mn-lt"/>
-                    <a:ea typeface="+mn-ea"/>
-                    <a:cs typeface="+mn-cs"/>
-                  </a:defRPr>
-                </a:lvl2pPr>
-                <a:lvl3pPr marL="914400" algn="l" defTabSz="914400" rtl="0" eaLnBrk="1" latinLnBrk="0" hangingPunct="1">
-                  <a:defRPr sz="1800" kern="1200">
-                    <a:solidFill>
-                      <a:schemeClr val="tx1"/>
-                    </a:solidFill>
-                    <a:effectLst/>
-                    <a:latin typeface="+mn-lt"/>
-                    <a:ea typeface="+mn-ea"/>
-                    <a:cs typeface="+mn-cs"/>
-                  </a:defRPr>
-                </a:lvl3pPr>
-                <a:lvl4pPr marL="1371600" algn="l" defTabSz="914400" rtl="0" eaLnBrk="1" latinLnBrk="0" hangingPunct="1">
-                  <a:defRPr sz="1800" kern="1200">
-                    <a:solidFill>
-                      <a:schemeClr val="tx1"/>
-                    </a:solidFill>
-                    <a:effectLst/>
-                    <a:latin typeface="+mn-lt"/>
-                    <a:ea typeface="+mn-ea"/>
-                    <a:cs typeface="+mn-cs"/>
-                  </a:defRPr>
-                </a:lvl4pPr>
-                <a:lvl5pPr marL="1828800" algn="l" defTabSz="914400" rtl="0" eaLnBrk="1" latinLnBrk="0" hangingPunct="1">
-                  <a:defRPr sz="1800" kern="1200">
-                    <a:solidFill>
-                      <a:schemeClr val="tx1"/>
-                    </a:solidFill>
-                    <a:effectLst/>
-                    <a:latin typeface="+mn-lt"/>
-                    <a:ea typeface="+mn-ea"/>
-                    <a:cs typeface="+mn-cs"/>
-                  </a:defRPr>
-                </a:lvl5pPr>
-                <a:lvl6pPr marL="2286000" algn="l" defTabSz="914400" rtl="0" eaLnBrk="1" latinLnBrk="0" hangingPunct="1">
-                  <a:defRPr sz="1800" kern="1200">
-                    <a:solidFill>
-                      <a:schemeClr val="tx1"/>
-                    </a:solidFill>
-                    <a:effectLst/>
-                    <a:latin typeface="+mn-lt"/>
-                    <a:ea typeface="+mn-ea"/>
-                    <a:cs typeface="+mn-cs"/>
-                  </a:defRPr>
-                </a:lvl6pPr>
-                <a:lvl7pPr marL="2743200" algn="l" defTabSz="914400" rtl="0" eaLnBrk="1" latinLnBrk="0" hangingPunct="1">
-                  <a:defRPr sz="1800" kern="1200">
-                    <a:solidFill>
-                      <a:schemeClr val="tx1"/>
-                    </a:solidFill>
-                    <a:effectLst/>
-                    <a:latin typeface="+mn-lt"/>
-                    <a:ea typeface="+mn-ea"/>
-                    <a:cs typeface="+mn-cs"/>
-                  </a:defRPr>
-                </a:lvl7pPr>
-                <a:lvl8pPr marL="3200400" algn="l" defTabSz="914400" rtl="0" eaLnBrk="1" latinLnBrk="0" hangingPunct="1">
-                  <a:defRPr sz="1800" kern="1200">
-                    <a:solidFill>
-                      <a:schemeClr val="tx1"/>
-                    </a:solidFill>
-                    <a:effectLst/>
-                    <a:latin typeface="+mn-lt"/>
-                    <a:ea typeface="+mn-ea"/>
-                    <a:cs typeface="+mn-cs"/>
-                  </a:defRPr>
-                </a:lvl8pPr>
-                <a:lvl9pPr marL="3657600" algn="l" defTabSz="914400" rtl="0" eaLnBrk="1" latinLnBrk="0" hangingPunct="1">
-                  <a:defRPr sz="1800" kern="1200">
-                    <a:solidFill>
-                      <a:schemeClr val="tx1"/>
-                    </a:solidFill>
-                    <a:effectLst/>
-                    <a:latin typeface="+mn-lt"/>
-                    <a:ea typeface="+mn-ea"/>
-                    <a:cs typeface="+mn-cs"/>
-                  </a:defRPr>
-                </a:lvl9pPr>
-              </a:lstStyle>
-              <a:p>
-                <a:pPr algn="ctr">
-                  <a:lnSpc>
-                    <a:spcPct val="70000"/>
-                  </a:lnSpc>
-                  <a:defRPr>
-                    <a:effectLst/>
-                  </a:defRPr>
-                </a:pPr>
-                <a:r>
-                  <a:rPr lang="en-US" sz="2000" kern="0" dirty="0">
-                    <a:solidFill>
-                      <a:prstClr val="white"/>
-                    </a:solidFill>
-                    <a:latin typeface="Intel Clear Pro"/>
-                  </a:rPr>
-                  <a:t>SQL  SPARQL </a:t>
-                </a:r>
-              </a:p>
-            </p:txBody>
-          </p:sp>
-          <p:sp>
-            <p:nvSpPr>
-              <p:cNvPr id="45" name="Rectangle 44">
-                <a:extLst>
-                  <a:ext uri="{FF2B5EF4-FFF2-40B4-BE49-F238E27FC236}">
-                    <a16:creationId xmlns:a16="http://schemas.microsoft.com/office/drawing/2014/main" id="{C238CC39-D92F-45B6-9B47-C437C466702C}"/>
-                  </a:ext>
-                </a:extLst>
-              </p:cNvPr>
-              <p:cNvSpPr/>
-              <p:nvPr>
-                <p:custDataLst>
-                  <p:tags r:id="rId30"/>
-                </p:custDataLst>
-              </p:nvPr>
-            </p:nvSpPr>
-            <p:spPr>
-              <a:xfrm>
-                <a:off x="8248100" y="1611338"/>
-                <a:ext cx="3087488" cy="720690"/>
-              </a:xfrm>
-              <a:prstGeom prst="rect">
-                <a:avLst/>
-              </a:prstGeom>
-              <a:noFill/>
-              <a:ln w="12700" cap="flat" cmpd="sng" algn="ctr">
-                <a:noFill/>
-                <a:prstDash val="solid"/>
-              </a:ln>
-              <a:effectLst/>
-            </p:spPr>
-            <p:txBody>
-              <a:bodyPr tIns="121920" rtlCol="0" anchor="ctr"/>
-              <a:lstStyle>
-                <a:defPPr>
-                  <a:defRPr lang="en-US">
-                    <a:effectLst/>
-                  </a:defRPr>
-                </a:defPPr>
-                <a:lvl1pPr marL="0" algn="l" defTabSz="914400" rtl="0" eaLnBrk="1" latinLnBrk="0" hangingPunct="1">
-                  <a:defRPr sz="1800" kern="1200">
-                    <a:solidFill>
-                      <a:schemeClr val="tx1"/>
-                    </a:solidFill>
-                    <a:effectLst/>
-                    <a:latin typeface="+mn-lt"/>
-                    <a:ea typeface="+mn-ea"/>
-                    <a:cs typeface="+mn-cs"/>
-                  </a:defRPr>
-                </a:lvl1pPr>
-                <a:lvl2pPr marL="457200" algn="l" defTabSz="914400" rtl="0" eaLnBrk="1" latinLnBrk="0" hangingPunct="1">
-                  <a:defRPr sz="1800" kern="1200">
-                    <a:solidFill>
-                      <a:schemeClr val="tx1"/>
-                    </a:solidFill>
-                    <a:effectLst/>
-                    <a:latin typeface="+mn-lt"/>
-                    <a:ea typeface="+mn-ea"/>
-                    <a:cs typeface="+mn-cs"/>
-                  </a:defRPr>
-                </a:lvl2pPr>
-                <a:lvl3pPr marL="914400" algn="l" defTabSz="914400" rtl="0" eaLnBrk="1" latinLnBrk="0" hangingPunct="1">
-                  <a:defRPr sz="1800" kern="1200">
-                    <a:solidFill>
-                      <a:schemeClr val="tx1"/>
-                    </a:solidFill>
-                    <a:effectLst/>
-                    <a:latin typeface="+mn-lt"/>
-                    <a:ea typeface="+mn-ea"/>
-                    <a:cs typeface="+mn-cs"/>
-                  </a:defRPr>
-                </a:lvl3pPr>
-                <a:lvl4pPr marL="1371600" algn="l" defTabSz="914400" rtl="0" eaLnBrk="1" latinLnBrk="0" hangingPunct="1">
-                  <a:defRPr sz="1800" kern="1200">
-                    <a:solidFill>
-                      <a:schemeClr val="tx1"/>
-                    </a:solidFill>
-                    <a:effectLst/>
-                    <a:latin typeface="+mn-lt"/>
-                    <a:ea typeface="+mn-ea"/>
-                    <a:cs typeface="+mn-cs"/>
-                  </a:defRPr>
-                </a:lvl4pPr>
-                <a:lvl5pPr marL="1828800" algn="l" defTabSz="914400" rtl="0" eaLnBrk="1" latinLnBrk="0" hangingPunct="1">
-                  <a:defRPr sz="1800" kern="1200">
-                    <a:solidFill>
-                      <a:schemeClr val="tx1"/>
-                    </a:solidFill>
-                    <a:effectLst/>
-                    <a:latin typeface="+mn-lt"/>
-                    <a:ea typeface="+mn-ea"/>
-                    <a:cs typeface="+mn-cs"/>
-                  </a:defRPr>
-                </a:lvl5pPr>
-                <a:lvl6pPr marL="2286000" algn="l" defTabSz="914400" rtl="0" eaLnBrk="1" latinLnBrk="0" hangingPunct="1">
-                  <a:defRPr sz="1800" kern="1200">
-                    <a:solidFill>
-                      <a:schemeClr val="tx1"/>
-                    </a:solidFill>
-                    <a:effectLst/>
-                    <a:latin typeface="+mn-lt"/>
-                    <a:ea typeface="+mn-ea"/>
-                    <a:cs typeface="+mn-cs"/>
-                  </a:defRPr>
-                </a:lvl6pPr>
-                <a:lvl7pPr marL="2743200" algn="l" defTabSz="914400" rtl="0" eaLnBrk="1" latinLnBrk="0" hangingPunct="1">
-                  <a:defRPr sz="1800" kern="1200">
-                    <a:solidFill>
-                      <a:schemeClr val="tx1"/>
-                    </a:solidFill>
-                    <a:effectLst/>
-                    <a:latin typeface="+mn-lt"/>
-                    <a:ea typeface="+mn-ea"/>
-                    <a:cs typeface="+mn-cs"/>
-                  </a:defRPr>
-                </a:lvl7pPr>
-                <a:lvl8pPr marL="3200400" algn="l" defTabSz="914400" rtl="0" eaLnBrk="1" latinLnBrk="0" hangingPunct="1">
-                  <a:defRPr sz="1800" kern="1200">
-                    <a:solidFill>
-                      <a:schemeClr val="tx1"/>
-                    </a:solidFill>
-                    <a:effectLst/>
-                    <a:latin typeface="+mn-lt"/>
-                    <a:ea typeface="+mn-ea"/>
-                    <a:cs typeface="+mn-cs"/>
-                  </a:defRPr>
-                </a:lvl8pPr>
-                <a:lvl9pPr marL="3657600" algn="l" defTabSz="914400" rtl="0" eaLnBrk="1" latinLnBrk="0" hangingPunct="1">
-                  <a:defRPr sz="1800" kern="1200">
-                    <a:solidFill>
-                      <a:schemeClr val="tx1"/>
-                    </a:solidFill>
-                    <a:effectLst/>
-                    <a:latin typeface="+mn-lt"/>
-                    <a:ea typeface="+mn-ea"/>
-                    <a:cs typeface="+mn-cs"/>
-                  </a:defRPr>
-                </a:lvl9pPr>
-              </a:lstStyle>
-              <a:p>
-                <a:pPr algn="ctr">
-                  <a:lnSpc>
-                    <a:spcPct val="70000"/>
-                  </a:lnSpc>
-                  <a:defRPr>
-                    <a:effectLst/>
-                  </a:defRPr>
-                </a:pPr>
-                <a:r>
-                  <a:rPr lang="en-US" sz="2000" kern="0" dirty="0">
-                    <a:solidFill>
-                      <a:prstClr val="white"/>
-                    </a:solidFill>
-                    <a:latin typeface="Intel Clear Pro"/>
-                  </a:rPr>
-                  <a:t>FAAS  DIGITAL TWINS  ML/AI ANALYTICS </a:t>
-                </a:r>
-              </a:p>
-            </p:txBody>
-          </p:sp>
-          <p:sp>
-            <p:nvSpPr>
-              <p:cNvPr id="46" name="Rectangle 45">
-                <a:extLst>
-                  <a:ext uri="{FF2B5EF4-FFF2-40B4-BE49-F238E27FC236}">
-                    <a16:creationId xmlns:a16="http://schemas.microsoft.com/office/drawing/2014/main" id="{A2683798-7DEE-49D4-8F33-B4DF5BD2BB4D}"/>
-                  </a:ext>
-                </a:extLst>
-              </p:cNvPr>
-              <p:cNvSpPr/>
-              <p:nvPr>
-                <p:custDataLst>
-                  <p:tags r:id="rId31"/>
-                </p:custDataLst>
-              </p:nvPr>
-            </p:nvSpPr>
-            <p:spPr>
-              <a:xfrm>
-                <a:off x="8254925" y="1265458"/>
-                <a:ext cx="3087488" cy="720690"/>
-              </a:xfrm>
-              <a:prstGeom prst="rect">
-                <a:avLst/>
-              </a:prstGeom>
-              <a:noFill/>
-              <a:ln w="12700" cap="flat" cmpd="sng" algn="ctr">
-                <a:noFill/>
-                <a:prstDash val="solid"/>
-              </a:ln>
-              <a:effectLst/>
-            </p:spPr>
-            <p:txBody>
-              <a:bodyPr tIns="121920" rtlCol="0" anchor="ctr"/>
-              <a:lstStyle>
-                <a:defPPr>
-                  <a:defRPr lang="en-US">
-                    <a:effectLst/>
-                  </a:defRPr>
-                </a:defPPr>
-                <a:lvl1pPr marL="0" algn="l" defTabSz="914400" rtl="0" eaLnBrk="1" latinLnBrk="0" hangingPunct="1">
-                  <a:defRPr sz="1800" kern="1200">
-                    <a:solidFill>
-                      <a:schemeClr val="tx1"/>
-                    </a:solidFill>
-                    <a:effectLst/>
-                    <a:latin typeface="+mn-lt"/>
-                    <a:ea typeface="+mn-ea"/>
-                    <a:cs typeface="+mn-cs"/>
-                  </a:defRPr>
-                </a:lvl1pPr>
-                <a:lvl2pPr marL="457200" algn="l" defTabSz="914400" rtl="0" eaLnBrk="1" latinLnBrk="0" hangingPunct="1">
-                  <a:defRPr sz="1800" kern="1200">
-                    <a:solidFill>
-                      <a:schemeClr val="tx1"/>
-                    </a:solidFill>
-                    <a:effectLst/>
-                    <a:latin typeface="+mn-lt"/>
-                    <a:ea typeface="+mn-ea"/>
-                    <a:cs typeface="+mn-cs"/>
-                  </a:defRPr>
-                </a:lvl2pPr>
-                <a:lvl3pPr marL="914400" algn="l" defTabSz="914400" rtl="0" eaLnBrk="1" latinLnBrk="0" hangingPunct="1">
-                  <a:defRPr sz="1800" kern="1200">
-                    <a:solidFill>
-                      <a:schemeClr val="tx1"/>
-                    </a:solidFill>
-                    <a:effectLst/>
-                    <a:latin typeface="+mn-lt"/>
-                    <a:ea typeface="+mn-ea"/>
-                    <a:cs typeface="+mn-cs"/>
-                  </a:defRPr>
-                </a:lvl3pPr>
-                <a:lvl4pPr marL="1371600" algn="l" defTabSz="914400" rtl="0" eaLnBrk="1" latinLnBrk="0" hangingPunct="1">
-                  <a:defRPr sz="1800" kern="1200">
-                    <a:solidFill>
-                      <a:schemeClr val="tx1"/>
-                    </a:solidFill>
-                    <a:effectLst/>
-                    <a:latin typeface="+mn-lt"/>
-                    <a:ea typeface="+mn-ea"/>
-                    <a:cs typeface="+mn-cs"/>
-                  </a:defRPr>
-                </a:lvl4pPr>
-                <a:lvl5pPr marL="1828800" algn="l" defTabSz="914400" rtl="0" eaLnBrk="1" latinLnBrk="0" hangingPunct="1">
-                  <a:defRPr sz="1800" kern="1200">
-                    <a:solidFill>
-                      <a:schemeClr val="tx1"/>
-                    </a:solidFill>
-                    <a:effectLst/>
-                    <a:latin typeface="+mn-lt"/>
-                    <a:ea typeface="+mn-ea"/>
-                    <a:cs typeface="+mn-cs"/>
-                  </a:defRPr>
-                </a:lvl5pPr>
-                <a:lvl6pPr marL="2286000" algn="l" defTabSz="914400" rtl="0" eaLnBrk="1" latinLnBrk="0" hangingPunct="1">
-                  <a:defRPr sz="1800" kern="1200">
-                    <a:solidFill>
-                      <a:schemeClr val="tx1"/>
-                    </a:solidFill>
-                    <a:effectLst/>
-                    <a:latin typeface="+mn-lt"/>
-                    <a:ea typeface="+mn-ea"/>
-                    <a:cs typeface="+mn-cs"/>
-                  </a:defRPr>
-                </a:lvl6pPr>
-                <a:lvl7pPr marL="2743200" algn="l" defTabSz="914400" rtl="0" eaLnBrk="1" latinLnBrk="0" hangingPunct="1">
-                  <a:defRPr sz="1800" kern="1200">
-                    <a:solidFill>
-                      <a:schemeClr val="tx1"/>
-                    </a:solidFill>
-                    <a:effectLst/>
-                    <a:latin typeface="+mn-lt"/>
-                    <a:ea typeface="+mn-ea"/>
-                    <a:cs typeface="+mn-cs"/>
-                  </a:defRPr>
-                </a:lvl7pPr>
-                <a:lvl8pPr marL="3200400" algn="l" defTabSz="914400" rtl="0" eaLnBrk="1" latinLnBrk="0" hangingPunct="1">
-                  <a:defRPr sz="1800" kern="1200">
-                    <a:solidFill>
-                      <a:schemeClr val="tx1"/>
-                    </a:solidFill>
-                    <a:effectLst/>
-                    <a:latin typeface="+mn-lt"/>
-                    <a:ea typeface="+mn-ea"/>
-                    <a:cs typeface="+mn-cs"/>
-                  </a:defRPr>
-                </a:lvl8pPr>
-                <a:lvl9pPr marL="3657600" algn="l" defTabSz="914400" rtl="0" eaLnBrk="1" latinLnBrk="0" hangingPunct="1">
-                  <a:defRPr sz="1800" kern="1200">
-                    <a:solidFill>
-                      <a:schemeClr val="tx1"/>
-                    </a:solidFill>
-                    <a:effectLst/>
-                    <a:latin typeface="+mn-lt"/>
-                    <a:ea typeface="+mn-ea"/>
-                    <a:cs typeface="+mn-cs"/>
-                  </a:defRPr>
-                </a:lvl9pPr>
-              </a:lstStyle>
-              <a:p>
-                <a:pPr algn="ctr">
-                  <a:lnSpc>
-                    <a:spcPct val="70000"/>
-                  </a:lnSpc>
-                  <a:defRPr>
-                    <a:effectLst/>
-                  </a:defRPr>
-                </a:pPr>
-                <a:r>
-                  <a:rPr lang="en-US" sz="2000" kern="0" dirty="0">
-                    <a:solidFill>
-                      <a:prstClr val="white"/>
-                    </a:solidFill>
-                    <a:latin typeface="Intel Clear Pro"/>
-                  </a:rPr>
-                  <a:t>CLOUD, EDGE/FOG, and IOT SERVICES</a:t>
-                </a:r>
-              </a:p>
-            </p:txBody>
-          </p:sp>
-        </p:grpSp>
+                  <a:effectLst>
+                    <a:outerShdw blurRad="38100" dist="38100" dir="2700000" algn="tl">
+                      <a:srgbClr val="000000">
+                        <a:alpha val="43137"/>
+                      </a:srgbClr>
+                    </a:outerShdw>
+                  </a:effectLst>
+                  <a:latin typeface="Intel Clear Pro"/>
+                </a:rPr>
+                <a:t>     </a:t>
+              </a:r>
+              <a:r>
+                <a:rPr lang="en-US" sz="1600" b="1" kern="0" dirty="0">
+                  <a:solidFill>
+                    <a:prstClr val="white"/>
+                  </a:solidFill>
+                  <a:effectLst>
+                    <a:outerShdw blurRad="38100" dist="38100" dir="2700000" algn="tl">
+                      <a:srgbClr val="000000">
+                        <a:alpha val="43137"/>
+                      </a:srgbClr>
+                    </a:outerShdw>
+                  </a:effectLst>
+                  <a:latin typeface="Arial Narrow" panose="020B0606020202030204" pitchFamily="34" charset="0"/>
+                </a:rPr>
+                <a:t>IOTSCHEMA ETSI-SSN OGS…</a:t>
+              </a:r>
+              <a:endParaRPr lang="en-US" sz="2000" b="1" kern="0" dirty="0">
+                <a:solidFill>
+                  <a:prstClr val="white"/>
+                </a:solidFill>
+                <a:effectLst>
+                  <a:outerShdw blurRad="38100" dist="38100" dir="2700000" algn="tl">
+                    <a:srgbClr val="000000">
+                      <a:alpha val="43137"/>
+                    </a:srgbClr>
+                  </a:outerShdw>
+                </a:effectLst>
+                <a:latin typeface="Arial Narrow" panose="020B0606020202030204" pitchFamily="34" charset="0"/>
+              </a:endParaRPr>
+            </a:p>
+          </p:txBody>
+        </p:sp>
       </p:grpSp>
       <p:grpSp>
         <p:nvGrpSpPr>
@@ -27842,7 +28162,7 @@
               <p:cNvSpPr/>
               <p:nvPr>
                 <p:custDataLst>
-                  <p:tags r:id="rId25"/>
+                  <p:tags r:id="rId24"/>
                 </p:custDataLst>
               </p:nvPr>
             </p:nvSpPr>
@@ -27968,7 +28288,7 @@
               <p:cNvSpPr/>
               <p:nvPr>
                 <p:custDataLst>
-                  <p:tags r:id="rId21"/>
+                  <p:tags r:id="rId20"/>
                 </p:custDataLst>
               </p:nvPr>
             </p:nvSpPr>
@@ -28046,7 +28366,7 @@
               <p:cNvSpPr/>
               <p:nvPr>
                 <p:custDataLst>
-                  <p:tags r:id="rId22"/>
+                  <p:tags r:id="rId21"/>
                 </p:custDataLst>
               </p:nvPr>
             </p:nvSpPr>
@@ -28183,11 +28503,18 @@
                   </a:defRPr>
                 </a:pPr>
                 <a:r>
-                  <a:rPr lang="en-US" sz="2000" kern="0" dirty="0">
+                  <a:rPr lang="en-US" sz="1600" b="1" kern="0" dirty="0">
                     <a:solidFill>
                       <a:prstClr val="white"/>
                     </a:solidFill>
-                    <a:latin typeface="Intel Clear Pro"/>
+                    <a:effectLst>
+                      <a:outerShdw blurRad="38100" dist="38100" dir="2700000" algn="tl">
+                        <a:srgbClr val="000000">
+                          <a:alpha val="43137"/>
+                        </a:srgbClr>
+                      </a:outerShdw>
+                    </a:effectLst>
+                    <a:latin typeface="Arial Narrow" panose="020B0606020202030204" pitchFamily="34" charset="0"/>
                   </a:rPr>
                   <a:t>WEB SERVICES</a:t>
                 </a:r>
@@ -28206,14 +28533,14 @@
               <p:cNvSpPr/>
               <p:nvPr>
                 <p:custDataLst>
-                  <p:tags r:id="rId23"/>
+                  <p:tags r:id="rId22"/>
                 </p:custDataLst>
               </p:nvPr>
             </p:nvSpPr>
             <p:spPr>
               <a:xfrm>
-                <a:off x="4401406" y="4473712"/>
-                <a:ext cx="1868523" cy="720690"/>
+                <a:off x="4061438" y="4473712"/>
+                <a:ext cx="2444479" cy="720690"/>
               </a:xfrm>
               <a:prstGeom prst="rect">
                 <a:avLst/>
@@ -28349,8 +28676,37 @@
                     </a:solidFill>
                     <a:latin typeface="Intel Clear Pro"/>
                   </a:rPr>
-                  <a:t>     PYTHON  NODE.JS  C++   </a:t>
+                  <a:t>     </a:t>
                 </a:r>
+                <a:r>
+                  <a:rPr lang="en-US" sz="1600" b="1" kern="0" dirty="0">
+                    <a:solidFill>
+                      <a:prstClr val="white"/>
+                    </a:solidFill>
+                    <a:effectLst>
+                      <a:outerShdw blurRad="38100" dist="38100" dir="2700000" algn="tl">
+                        <a:srgbClr val="000000">
+                          <a:alpha val="43137"/>
+                        </a:srgbClr>
+                      </a:outerShdw>
+                    </a:effectLst>
+                    <a:latin typeface="Arial Narrow" panose="020B0606020202030204" pitchFamily="34" charset="0"/>
+                  </a:rPr>
+                  <a:t>PYTHON  NODE.JS  C++   </a:t>
+                </a:r>
+                <a:endParaRPr lang="en-US" sz="2000" b="1" kern="0" dirty="0">
+                  <a:solidFill>
+                    <a:prstClr val="white"/>
+                  </a:solidFill>
+                  <a:effectLst>
+                    <a:outerShdw blurRad="38100" dist="38100" dir="2700000" algn="tl">
+                      <a:srgbClr val="000000">
+                        <a:alpha val="43137"/>
+                      </a:srgbClr>
+                    </a:outerShdw>
+                  </a:effectLst>
+                  <a:latin typeface="Arial Narrow" panose="020B0606020202030204" pitchFamily="34" charset="0"/>
+                </a:endParaRPr>
               </a:p>
             </p:txBody>
           </p:sp>
@@ -28366,7 +28722,7 @@
               <p:cNvSpPr/>
               <p:nvPr>
                 <p:custDataLst>
-                  <p:tags r:id="rId24"/>
+                  <p:tags r:id="rId23"/>
                 </p:custDataLst>
               </p:nvPr>
             </p:nvSpPr>
@@ -28512,41 +28868,34 @@
                   <a:t>     </a:t>
                 </a:r>
                 <a:r>
-                  <a:rPr lang="en-US" sz="2000" kern="0" dirty="0" err="1">
+                  <a:rPr lang="en-US" sz="1600" b="1" kern="0" dirty="0">
                     <a:solidFill>
                       <a:prstClr val="white"/>
                     </a:solidFill>
-                    <a:latin typeface="Intel Clear Pro"/>
+                    <a:effectLst>
+                      <a:outerShdw blurRad="38100" dist="38100" dir="2700000" algn="tl">
+                        <a:srgbClr val="000000">
+                          <a:alpha val="43137"/>
+                        </a:srgbClr>
+                      </a:outerShdw>
+                    </a:effectLst>
+                    <a:latin typeface="Arial Narrow" panose="020B0606020202030204" pitchFamily="34" charset="0"/>
                   </a:rPr>
-                  <a:t>fLASK</a:t>
+                  <a:t>FLASK  EXPRESS </a:t>
                 </a:r>
-                <a:r>
-                  <a:rPr lang="en-US" sz="2000" kern="0" dirty="0">
-                    <a:solidFill>
-                      <a:prstClr val="white"/>
-                    </a:solidFill>
-                    <a:latin typeface="Intel Clear Pro"/>
-                  </a:rPr>
-                  <a:t> </a:t>
-                </a:r>
-                <a:r>
-                  <a:rPr lang="en-US" sz="2000" kern="0" dirty="0" err="1">
-                    <a:solidFill>
-                      <a:prstClr val="white"/>
-                    </a:solidFill>
-                    <a:latin typeface="Intel Clear Pro"/>
-                  </a:rPr>
-                  <a:t>eXPRESS</a:t>
-                </a:r>
-                <a:r>
-                  <a:rPr lang="en-US" sz="2000" kern="0" dirty="0">
-                    <a:solidFill>
-                      <a:prstClr val="white"/>
-                    </a:solidFill>
-                    <a:latin typeface="Intel Clear Pro"/>
-                  </a:rPr>
-                  <a:t> </a:t>
-                </a:r>
+                <a:endParaRPr lang="en-US" sz="2000" b="1" kern="0" dirty="0">
+                  <a:solidFill>
+                    <a:prstClr val="white"/>
+                  </a:solidFill>
+                  <a:effectLst>
+                    <a:outerShdw blurRad="38100" dist="38100" dir="2700000" algn="tl">
+                      <a:srgbClr val="000000">
+                        <a:alpha val="43137"/>
+                      </a:srgbClr>
+                    </a:outerShdw>
+                  </a:effectLst>
+                  <a:latin typeface="Arial Narrow" panose="020B0606020202030204" pitchFamily="34" charset="0"/>
+                </a:endParaRPr>
               </a:p>
             </p:txBody>
           </p:sp>
@@ -28583,7 +28932,7 @@
               <p:cNvSpPr/>
               <p:nvPr>
                 <p:custDataLst>
-                  <p:tags r:id="rId17"/>
+                  <p:tags r:id="rId16"/>
                 </p:custDataLst>
               </p:nvPr>
             </p:nvSpPr>
@@ -28661,14 +29010,14 @@
               <p:cNvSpPr/>
               <p:nvPr>
                 <p:custDataLst>
-                  <p:tags r:id="rId18"/>
+                  <p:tags r:id="rId17"/>
                 </p:custDataLst>
               </p:nvPr>
             </p:nvSpPr>
             <p:spPr>
               <a:xfrm>
-                <a:off x="4263713" y="921255"/>
-                <a:ext cx="2174789" cy="720690"/>
+                <a:off x="3857960" y="921255"/>
+                <a:ext cx="2901483" cy="720690"/>
               </a:xfrm>
               <a:prstGeom prst="rect">
                 <a:avLst/>
@@ -28798,11 +29147,18 @@
                   </a:defRPr>
                 </a:pPr>
                 <a:r>
-                  <a:rPr lang="en-US" sz="2000" kern="0" dirty="0">
+                  <a:rPr lang="en-US" sz="1600" b="1" kern="0" dirty="0">
                     <a:solidFill>
                       <a:prstClr val="white"/>
                     </a:solidFill>
-                    <a:latin typeface="Intel Clear Pro"/>
+                    <a:effectLst>
+                      <a:outerShdw blurRad="38100" dist="38100" dir="2700000" algn="tl">
+                        <a:srgbClr val="000000">
+                          <a:alpha val="43137"/>
+                        </a:srgbClr>
+                      </a:outerShdw>
+                    </a:effectLst>
+                    <a:latin typeface="Arial Narrow" panose="020B0606020202030204" pitchFamily="34" charset="0"/>
                   </a:rPr>
                   <a:t>BROWSER APPLICATIONS</a:t>
                 </a:r>
@@ -28821,13 +29177,13 @@
               <p:cNvSpPr/>
               <p:nvPr>
                 <p:custDataLst>
-                  <p:tags r:id="rId19"/>
+                  <p:tags r:id="rId18"/>
                 </p:custDataLst>
               </p:nvPr>
             </p:nvSpPr>
             <p:spPr>
               <a:xfrm>
-                <a:off x="4330636" y="1564373"/>
+                <a:off x="4318473" y="1356219"/>
                 <a:ext cx="1868523" cy="720690"/>
               </a:xfrm>
               <a:prstGeom prst="rect">
@@ -28964,8 +29320,37 @@
                     </a:solidFill>
                     <a:latin typeface="Intel Clear Pro"/>
                   </a:rPr>
-                  <a:t>     JQUERY AJAX</a:t>
+                  <a:t>     </a:t>
                 </a:r>
+                <a:r>
+                  <a:rPr lang="en-US" sz="1600" b="1" kern="0" dirty="0">
+                    <a:solidFill>
+                      <a:prstClr val="white"/>
+                    </a:solidFill>
+                    <a:effectLst>
+                      <a:outerShdw blurRad="38100" dist="38100" dir="2700000" algn="tl">
+                        <a:srgbClr val="000000">
+                          <a:alpha val="43137"/>
+                        </a:srgbClr>
+                      </a:outerShdw>
+                    </a:effectLst>
+                    <a:latin typeface="Arial Narrow" panose="020B0606020202030204" pitchFamily="34" charset="0"/>
+                  </a:rPr>
+                  <a:t>JQUERY AJAX</a:t>
+                </a:r>
+                <a:endParaRPr lang="en-US" sz="2000" b="1" kern="0" dirty="0">
+                  <a:solidFill>
+                    <a:prstClr val="white"/>
+                  </a:solidFill>
+                  <a:effectLst>
+                    <a:outerShdw blurRad="38100" dist="38100" dir="2700000" algn="tl">
+                      <a:srgbClr val="000000">
+                        <a:alpha val="43137"/>
+                      </a:srgbClr>
+                    </a:outerShdw>
+                  </a:effectLst>
+                  <a:latin typeface="Arial Narrow" panose="020B0606020202030204" pitchFamily="34" charset="0"/>
+                </a:endParaRPr>
               </a:p>
             </p:txBody>
           </p:sp>
@@ -28981,14 +29366,451 @@
               <p:cNvSpPr/>
               <p:nvPr>
                 <p:custDataLst>
-                  <p:tags r:id="rId20"/>
+                  <p:tags r:id="rId19"/>
                 </p:custDataLst>
               </p:nvPr>
             </p:nvSpPr>
             <p:spPr>
               <a:xfrm>
-                <a:off x="4200220" y="2185693"/>
+                <a:off x="4205578" y="1866837"/>
                 <a:ext cx="2206245" cy="720690"/>
+              </a:xfrm>
+              <a:prstGeom prst="rect">
+                <a:avLst/>
+              </a:prstGeom>
+              <a:noFill/>
+              <a:ln w="12700" cap="flat" cmpd="sng" algn="ctr">
+                <a:noFill/>
+                <a:prstDash val="solid"/>
+              </a:ln>
+              <a:effectLst/>
+            </p:spPr>
+            <p:txBody>
+              <a:bodyPr tIns="121920" rtlCol="0" anchor="ctr"/>
+              <a:lstStyle>
+                <a:defPPr>
+                  <a:defRPr lang="en-US">
+                    <a:effectLst/>
+                  </a:defRPr>
+                </a:defPPr>
+                <a:lvl1pPr marL="0" algn="l" defTabSz="914400" rtl="0" eaLnBrk="1" latinLnBrk="0" hangingPunct="1">
+                  <a:defRPr sz="1800" kern="1200">
+                    <a:solidFill>
+                      <a:schemeClr val="tx1"/>
+                    </a:solidFill>
+                    <a:effectLst/>
+                    <a:latin typeface="+mn-lt"/>
+                    <a:ea typeface="+mn-ea"/>
+                    <a:cs typeface="+mn-cs"/>
+                  </a:defRPr>
+                </a:lvl1pPr>
+                <a:lvl2pPr marL="457200" algn="l" defTabSz="914400" rtl="0" eaLnBrk="1" latinLnBrk="0" hangingPunct="1">
+                  <a:defRPr sz="1800" kern="1200">
+                    <a:solidFill>
+                      <a:schemeClr val="tx1"/>
+                    </a:solidFill>
+                    <a:effectLst/>
+                    <a:latin typeface="+mn-lt"/>
+                    <a:ea typeface="+mn-ea"/>
+                    <a:cs typeface="+mn-cs"/>
+                  </a:defRPr>
+                </a:lvl2pPr>
+                <a:lvl3pPr marL="914400" algn="l" defTabSz="914400" rtl="0" eaLnBrk="1" latinLnBrk="0" hangingPunct="1">
+                  <a:defRPr sz="1800" kern="1200">
+                    <a:solidFill>
+                      <a:schemeClr val="tx1"/>
+                    </a:solidFill>
+                    <a:effectLst/>
+                    <a:latin typeface="+mn-lt"/>
+                    <a:ea typeface="+mn-ea"/>
+                    <a:cs typeface="+mn-cs"/>
+                  </a:defRPr>
+                </a:lvl3pPr>
+                <a:lvl4pPr marL="1371600" algn="l" defTabSz="914400" rtl="0" eaLnBrk="1" latinLnBrk="0" hangingPunct="1">
+                  <a:defRPr sz="1800" kern="1200">
+                    <a:solidFill>
+                      <a:schemeClr val="tx1"/>
+                    </a:solidFill>
+                    <a:effectLst/>
+                    <a:latin typeface="+mn-lt"/>
+                    <a:ea typeface="+mn-ea"/>
+                    <a:cs typeface="+mn-cs"/>
+                  </a:defRPr>
+                </a:lvl4pPr>
+                <a:lvl5pPr marL="1828800" algn="l" defTabSz="914400" rtl="0" eaLnBrk="1" latinLnBrk="0" hangingPunct="1">
+                  <a:defRPr sz="1800" kern="1200">
+                    <a:solidFill>
+                      <a:schemeClr val="tx1"/>
+                    </a:solidFill>
+                    <a:effectLst/>
+                    <a:latin typeface="+mn-lt"/>
+                    <a:ea typeface="+mn-ea"/>
+                    <a:cs typeface="+mn-cs"/>
+                  </a:defRPr>
+                </a:lvl5pPr>
+                <a:lvl6pPr marL="2286000" algn="l" defTabSz="914400" rtl="0" eaLnBrk="1" latinLnBrk="0" hangingPunct="1">
+                  <a:defRPr sz="1800" kern="1200">
+                    <a:solidFill>
+                      <a:schemeClr val="tx1"/>
+                    </a:solidFill>
+                    <a:effectLst/>
+                    <a:latin typeface="+mn-lt"/>
+                    <a:ea typeface="+mn-ea"/>
+                    <a:cs typeface="+mn-cs"/>
+                  </a:defRPr>
+                </a:lvl6pPr>
+                <a:lvl7pPr marL="2743200" algn="l" defTabSz="914400" rtl="0" eaLnBrk="1" latinLnBrk="0" hangingPunct="1">
+                  <a:defRPr sz="1800" kern="1200">
+                    <a:solidFill>
+                      <a:schemeClr val="tx1"/>
+                    </a:solidFill>
+                    <a:effectLst/>
+                    <a:latin typeface="+mn-lt"/>
+                    <a:ea typeface="+mn-ea"/>
+                    <a:cs typeface="+mn-cs"/>
+                  </a:defRPr>
+                </a:lvl7pPr>
+                <a:lvl8pPr marL="3200400" algn="l" defTabSz="914400" rtl="0" eaLnBrk="1" latinLnBrk="0" hangingPunct="1">
+                  <a:defRPr sz="1800" kern="1200">
+                    <a:solidFill>
+                      <a:schemeClr val="tx1"/>
+                    </a:solidFill>
+                    <a:effectLst/>
+                    <a:latin typeface="+mn-lt"/>
+                    <a:ea typeface="+mn-ea"/>
+                    <a:cs typeface="+mn-cs"/>
+                  </a:defRPr>
+                </a:lvl8pPr>
+                <a:lvl9pPr marL="3657600" algn="l" defTabSz="914400" rtl="0" eaLnBrk="1" latinLnBrk="0" hangingPunct="1">
+                  <a:defRPr sz="1800" kern="1200">
+                    <a:solidFill>
+                      <a:schemeClr val="tx1"/>
+                    </a:solidFill>
+                    <a:effectLst/>
+                    <a:latin typeface="+mn-lt"/>
+                    <a:ea typeface="+mn-ea"/>
+                    <a:cs typeface="+mn-cs"/>
+                  </a:defRPr>
+                </a:lvl9pPr>
+              </a:lstStyle>
+              <a:p>
+                <a:pPr algn="ctr">
+                  <a:lnSpc>
+                    <a:spcPct val="150000"/>
+                  </a:lnSpc>
+                  <a:defRPr>
+                    <a:effectLst/>
+                  </a:defRPr>
+                </a:pPr>
+                <a:r>
+                  <a:rPr lang="en-US" sz="1600" b="1" kern="0" dirty="0">
+                    <a:solidFill>
+                      <a:prstClr val="white"/>
+                    </a:solidFill>
+                    <a:effectLst>
+                      <a:outerShdw blurRad="38100" dist="38100" dir="2700000" algn="tl">
+                        <a:srgbClr val="000000">
+                          <a:alpha val="43137"/>
+                        </a:srgbClr>
+                      </a:outerShdw>
+                    </a:effectLst>
+                    <a:latin typeface="Arial Narrow" panose="020B0606020202030204" pitchFamily="34" charset="0"/>
+                  </a:rPr>
+                  <a:t>JAVASCRIPT</a:t>
+                </a:r>
+                <a:br>
+                  <a:rPr lang="en-US" sz="1600" b="1" kern="0" dirty="0">
+                    <a:solidFill>
+                      <a:prstClr val="white"/>
+                    </a:solidFill>
+                    <a:latin typeface="Arial Narrow" panose="020B0606020202030204" pitchFamily="34" charset="0"/>
+                  </a:rPr>
+                </a:br>
+                <a:r>
+                  <a:rPr lang="en-US" sz="1600" b="1" kern="0" dirty="0">
+                    <a:solidFill>
+                      <a:prstClr val="white"/>
+                    </a:solidFill>
+                    <a:effectLst>
+                      <a:outerShdw blurRad="38100" dist="38100" dir="2700000" algn="tl">
+                        <a:srgbClr val="000000">
+                          <a:alpha val="43137"/>
+                        </a:srgbClr>
+                      </a:outerShdw>
+                    </a:effectLst>
+                    <a:latin typeface="Arial Narrow" panose="020B0606020202030204" pitchFamily="34" charset="0"/>
+                  </a:rPr>
+                  <a:t>HTML XML JSON</a:t>
+                </a:r>
+              </a:p>
+            </p:txBody>
+          </p:sp>
+        </p:grpSp>
+      </p:grpSp>
+      <p:grpSp>
+        <p:nvGrpSpPr>
+          <p:cNvPr id="47" name="Group 46">
+            <a:extLst>
+              <a:ext uri="{FF2B5EF4-FFF2-40B4-BE49-F238E27FC236}">
+                <a16:creationId xmlns:a16="http://schemas.microsoft.com/office/drawing/2014/main" id="{9A31F92E-E326-4FF7-9E99-56B31694A223}"/>
+              </a:ext>
+            </a:extLst>
+          </p:cNvPr>
+          <p:cNvGrpSpPr/>
+          <p:nvPr/>
+        </p:nvGrpSpPr>
+        <p:grpSpPr>
+          <a:xfrm>
+            <a:off x="304235" y="939981"/>
+            <a:ext cx="2914642" cy="4806915"/>
+            <a:chOff x="304235" y="939981"/>
+            <a:chExt cx="2914642" cy="4806915"/>
+          </a:xfrm>
+        </p:grpSpPr>
+        <p:grpSp>
+          <p:nvGrpSpPr>
+            <p:cNvPr id="9" name="Group 8">
+              <a:extLst>
+                <a:ext uri="{FF2B5EF4-FFF2-40B4-BE49-F238E27FC236}">
+                  <a16:creationId xmlns:a16="http://schemas.microsoft.com/office/drawing/2014/main" id="{00F462A8-88FF-4CF7-847A-D5CE521B02D7}"/>
+                </a:ext>
+              </a:extLst>
+            </p:cNvPr>
+            <p:cNvGrpSpPr/>
+            <p:nvPr/>
+          </p:nvGrpSpPr>
+          <p:grpSpPr>
+            <a:xfrm>
+              <a:off x="834098" y="1554270"/>
+              <a:ext cx="1849064" cy="3677433"/>
+              <a:chOff x="834098" y="1554270"/>
+              <a:chExt cx="1849064" cy="3677433"/>
+            </a:xfrm>
+          </p:grpSpPr>
+          <p:sp>
+            <p:nvSpPr>
+              <p:cNvPr id="23" name="Oval 22">
+                <a:extLst>
+                  <a:ext uri="{FF2B5EF4-FFF2-40B4-BE49-F238E27FC236}">
+                    <a16:creationId xmlns:a16="http://schemas.microsoft.com/office/drawing/2014/main" id="{6FFC3485-46CA-4716-94B9-B0C2147AD6B1}"/>
+                  </a:ext>
+                </a:extLst>
+              </p:cNvPr>
+              <p:cNvSpPr/>
+              <p:nvPr>
+                <p:custDataLst>
+                  <p:tags r:id="rId15"/>
+                </p:custDataLst>
+              </p:nvPr>
+            </p:nvSpPr>
+            <p:spPr>
+              <a:xfrm rot="5400000" flipV="1">
+                <a:off x="655306" y="2407999"/>
+                <a:ext cx="2206647" cy="1849064"/>
+              </a:xfrm>
+              <a:prstGeom prst="ellipse">
+                <a:avLst/>
+              </a:prstGeom>
+              <a:gradFill flip="none" rotWithShape="1">
+                <a:gsLst>
+                  <a:gs pos="0">
+                    <a:srgbClr val="00AEEF">
+                      <a:alpha val="86000"/>
+                    </a:srgbClr>
+                  </a:gs>
+                  <a:gs pos="100000">
+                    <a:srgbClr val="00AEEF">
+                      <a:alpha val="26000"/>
+                    </a:srgbClr>
+                  </a:gs>
+                </a:gsLst>
+                <a:lin ang="0" scaled="1"/>
+                <a:tileRect/>
+              </a:gradFill>
+              <a:ln w="28575" cap="flat" cmpd="sng" algn="ctr">
+                <a:noFill/>
+                <a:prstDash val="solid"/>
+              </a:ln>
+              <a:effectLst>
+                <a:outerShdw blurRad="57785" dist="33020" dir="3180000" algn="ctr">
+                  <a:srgbClr val="000000">
+                    <a:alpha val="30000"/>
+                  </a:srgbClr>
+                </a:outerShdw>
+              </a:effectLst>
+            </p:spPr>
+            <p:txBody>
+              <a:bodyPr rtlCol="0" anchor="ctr"/>
+              <a:lstStyle/>
+              <a:p>
+                <a:pPr algn="ctr" defTabSz="914354">
+                  <a:defRPr>
+                    <a:effectLst/>
+                  </a:defRPr>
+                </a:pPr>
+                <a:endParaRPr lang="en-US" sz="3067" b="1" kern="0">
+                  <a:solidFill>
+                    <a:prstClr val="black"/>
+                  </a:solidFill>
+                  <a:latin typeface="Intel Clear"/>
+                </a:endParaRPr>
+              </a:p>
+            </p:txBody>
+          </p:sp>
+          <p:pic>
+            <p:nvPicPr>
+              <p:cNvPr id="21" name="Picture 20">
+                <a:extLst>
+                  <a:ext uri="{FF2B5EF4-FFF2-40B4-BE49-F238E27FC236}">
+                    <a16:creationId xmlns:a16="http://schemas.microsoft.com/office/drawing/2014/main" id="{37BDFD6F-1F94-4274-9565-233005D52420}"/>
+                  </a:ext>
+                </a:extLst>
+              </p:cNvPr>
+              <p:cNvPicPr>
+                <a:picLocks noChangeAspect="1"/>
+              </p:cNvPicPr>
+              <p:nvPr/>
+            </p:nvPicPr>
+            <p:blipFill rotWithShape="1">
+              <a:blip r:embed="rId40" cstate="screen">
+                <a:extLst>
+                  <a:ext uri="{28A0092B-C50C-407E-A947-70E740481C1C}">
+                    <a14:useLocalDpi xmlns:a14="http://schemas.microsoft.com/office/drawing/2010/main"/>
+                  </a:ext>
+                </a:extLst>
+              </a:blip>
+              <a:srcRect/>
+              <a:stretch/>
+            </p:blipFill>
+            <p:spPr>
+              <a:xfrm rot="5400000">
+                <a:off x="-118735" y="2840998"/>
+                <a:ext cx="3677433" cy="1103977"/>
+              </a:xfrm>
+              <a:prstGeom prst="rect">
+                <a:avLst/>
+              </a:prstGeom>
+            </p:spPr>
+          </p:pic>
+        </p:grpSp>
+        <p:grpSp>
+          <p:nvGrpSpPr>
+            <p:cNvPr id="8" name="Group 7">
+              <a:extLst>
+                <a:ext uri="{FF2B5EF4-FFF2-40B4-BE49-F238E27FC236}">
+                  <a16:creationId xmlns:a16="http://schemas.microsoft.com/office/drawing/2014/main" id="{4FFB847D-1885-4E56-8AAE-46FFAB891F30}"/>
+                </a:ext>
+              </a:extLst>
+            </p:cNvPr>
+            <p:cNvGrpSpPr/>
+            <p:nvPr/>
+          </p:nvGrpSpPr>
+          <p:grpSpPr>
+            <a:xfrm>
+              <a:off x="314648" y="3784904"/>
+              <a:ext cx="2904229" cy="1961992"/>
+              <a:chOff x="314648" y="3784904"/>
+              <a:chExt cx="2904229" cy="1961992"/>
+            </a:xfrm>
+          </p:grpSpPr>
+          <p:sp>
+            <p:nvSpPr>
+              <p:cNvPr id="20" name="Flowchart: Manual Operation 19">
+                <a:extLst>
+                  <a:ext uri="{FF2B5EF4-FFF2-40B4-BE49-F238E27FC236}">
+                    <a16:creationId xmlns:a16="http://schemas.microsoft.com/office/drawing/2014/main" id="{03401762-331D-4FB0-9584-5172C2AE60D5}"/>
+                  </a:ext>
+                </a:extLst>
+              </p:cNvPr>
+              <p:cNvSpPr/>
+              <p:nvPr>
+                <p:custDataLst>
+                  <p:tags r:id="rId11"/>
+                </p:custDataLst>
+              </p:nvPr>
+            </p:nvSpPr>
+            <p:spPr>
+              <a:xfrm rot="10800000">
+                <a:off x="314648" y="3787575"/>
+                <a:ext cx="2904229" cy="1905667"/>
+              </a:xfrm>
+              <a:prstGeom prst="flowChartManualOperation">
+                <a:avLst/>
+              </a:prstGeom>
+              <a:gradFill>
+                <a:gsLst>
+                  <a:gs pos="12000">
+                    <a:srgbClr val="00AEEF">
+                      <a:lumMod val="98000"/>
+                      <a:alpha val="41000"/>
+                    </a:srgbClr>
+                  </a:gs>
+                  <a:gs pos="59000">
+                    <a:srgbClr val="00AEEF"/>
+                  </a:gs>
+                </a:gsLst>
+                <a:lin ang="15000000" scaled="0"/>
+              </a:gradFill>
+              <a:ln w="9525" cap="flat" cmpd="sng" algn="ctr">
+                <a:noFill/>
+                <a:prstDash val="solid"/>
+                <a:round/>
+                <a:headEnd type="none" w="med" len="med"/>
+                <a:tailEnd type="none" w="med" len="med"/>
+              </a:ln>
+              <a:effectLst/>
+            </p:spPr>
+            <p:txBody>
+              <a:bodyPr rot="0" spcFirstLastPara="0" vertOverflow="overflow" horzOverflow="overflow" vert="horz" wrap="square" lIns="91372" tIns="45688" rIns="91372" bIns="45688" numCol="1" spcCol="0" rtlCol="0" fromWordArt="0" anchor="ctr" anchorCtr="0" forceAA="0" compatLnSpc="1">
+                <a:prstTxWarp prst="textNoShape">
+                  <a:avLst/>
+                </a:prstTxWarp>
+                <a:noAutofit/>
+              </a:bodyPr>
+              <a:lstStyle/>
+              <a:p>
+                <a:pPr algn="ctr" defTabSz="914400" fontAlgn="base">
+                  <a:lnSpc>
+                    <a:spcPct val="85000"/>
+                  </a:lnSpc>
+                  <a:spcAft>
+                    <a:spcPct val="0"/>
+                  </a:spcAft>
+                  <a:buClr>
+                    <a:prstClr val="black"/>
+                  </a:buClr>
+                  <a:defRPr/>
+                </a:pPr>
+                <a:endParaRPr lang="en-US" sz="1400" kern="0" dirty="0">
+                  <a:solidFill>
+                    <a:prstClr val="white"/>
+                  </a:solidFill>
+                  <a:latin typeface="Intel Clear"/>
+                  <a:cs typeface="Arial" charset="0"/>
+                </a:endParaRPr>
+              </a:p>
+            </p:txBody>
+          </p:sp>
+          <p:sp>
+            <p:nvSpPr>
+              <p:cNvPr id="22" name="Rectangle 21">
+                <a:extLst>
+                  <a:ext uri="{FF2B5EF4-FFF2-40B4-BE49-F238E27FC236}">
+                    <a16:creationId xmlns:a16="http://schemas.microsoft.com/office/drawing/2014/main" id="{56E0A189-24C9-4894-8AFF-4A51ED1796F9}"/>
+                  </a:ext>
+                </a:extLst>
+              </p:cNvPr>
+              <p:cNvSpPr/>
+              <p:nvPr>
+                <p:custDataLst>
+                  <p:tags r:id="rId12"/>
+                </p:custDataLst>
+              </p:nvPr>
+            </p:nvSpPr>
+            <p:spPr>
+              <a:xfrm>
+                <a:off x="356947" y="5026206"/>
+                <a:ext cx="2800739" cy="720690"/>
               </a:xfrm>
               <a:prstGeom prst="rect">
                 <a:avLst/>
@@ -29118,417 +29940,18 @@
                   </a:defRPr>
                 </a:pPr>
                 <a:r>
-                  <a:rPr lang="en-US" sz="2000" kern="0" dirty="0">
+                  <a:rPr lang="en-US" sz="1600" b="1" kern="0" dirty="0">
                     <a:solidFill>
                       <a:prstClr val="white"/>
                     </a:solidFill>
-                    <a:latin typeface="Intel Clear Pro"/>
-                  </a:rPr>
-                  <a:t>JAVASCRIPT HTML XML JSON</a:t>
-                </a:r>
-              </a:p>
-            </p:txBody>
-          </p:sp>
-        </p:grpSp>
-      </p:grpSp>
-      <p:grpSp>
-        <p:nvGrpSpPr>
-          <p:cNvPr id="47" name="Group 46">
-            <a:extLst>
-              <a:ext uri="{FF2B5EF4-FFF2-40B4-BE49-F238E27FC236}">
-                <a16:creationId xmlns:a16="http://schemas.microsoft.com/office/drawing/2014/main" id="{9A31F92E-E326-4FF7-9E99-56B31694A223}"/>
-              </a:ext>
-            </a:extLst>
-          </p:cNvPr>
-          <p:cNvGrpSpPr/>
-          <p:nvPr/>
-        </p:nvGrpSpPr>
-        <p:grpSpPr>
-          <a:xfrm>
-            <a:off x="304235" y="939981"/>
-            <a:ext cx="2914642" cy="4806915"/>
-            <a:chOff x="304235" y="939981"/>
-            <a:chExt cx="2914642" cy="4806915"/>
-          </a:xfrm>
-        </p:grpSpPr>
-        <p:grpSp>
-          <p:nvGrpSpPr>
-            <p:cNvPr id="9" name="Group 8">
-              <a:extLst>
-                <a:ext uri="{FF2B5EF4-FFF2-40B4-BE49-F238E27FC236}">
-                  <a16:creationId xmlns:a16="http://schemas.microsoft.com/office/drawing/2014/main" id="{00F462A8-88FF-4CF7-847A-D5CE521B02D7}"/>
-                </a:ext>
-              </a:extLst>
-            </p:cNvPr>
-            <p:cNvGrpSpPr/>
-            <p:nvPr/>
-          </p:nvGrpSpPr>
-          <p:grpSpPr>
-            <a:xfrm>
-              <a:off x="834098" y="1554270"/>
-              <a:ext cx="1849064" cy="3677433"/>
-              <a:chOff x="834098" y="1554270"/>
-              <a:chExt cx="1849064" cy="3677433"/>
-            </a:xfrm>
-          </p:grpSpPr>
-          <p:sp>
-            <p:nvSpPr>
-              <p:cNvPr id="23" name="Oval 22">
-                <a:extLst>
-                  <a:ext uri="{FF2B5EF4-FFF2-40B4-BE49-F238E27FC236}">
-                    <a16:creationId xmlns:a16="http://schemas.microsoft.com/office/drawing/2014/main" id="{6FFC3485-46CA-4716-94B9-B0C2147AD6B1}"/>
-                  </a:ext>
-                </a:extLst>
-              </p:cNvPr>
-              <p:cNvSpPr/>
-              <p:nvPr>
-                <p:custDataLst>
-                  <p:tags r:id="rId16"/>
-                </p:custDataLst>
-              </p:nvPr>
-            </p:nvSpPr>
-            <p:spPr>
-              <a:xfrm rot="5400000" flipV="1">
-                <a:off x="655306" y="2407999"/>
-                <a:ext cx="2206647" cy="1849064"/>
-              </a:xfrm>
-              <a:prstGeom prst="ellipse">
-                <a:avLst/>
-              </a:prstGeom>
-              <a:gradFill flip="none" rotWithShape="1">
-                <a:gsLst>
-                  <a:gs pos="0">
-                    <a:srgbClr val="00AEEF">
-                      <a:alpha val="86000"/>
-                    </a:srgbClr>
-                  </a:gs>
-                  <a:gs pos="100000">
-                    <a:srgbClr val="00AEEF">
-                      <a:alpha val="26000"/>
-                    </a:srgbClr>
-                  </a:gs>
-                </a:gsLst>
-                <a:lin ang="0" scaled="1"/>
-                <a:tileRect/>
-              </a:gradFill>
-              <a:ln w="28575" cap="flat" cmpd="sng" algn="ctr">
-                <a:noFill/>
-                <a:prstDash val="solid"/>
-              </a:ln>
-              <a:effectLst>
-                <a:outerShdw blurRad="57785" dist="33020" dir="3180000" algn="ctr">
-                  <a:srgbClr val="000000">
-                    <a:alpha val="30000"/>
-                  </a:srgbClr>
-                </a:outerShdw>
-              </a:effectLst>
-            </p:spPr>
-            <p:txBody>
-              <a:bodyPr rtlCol="0" anchor="ctr"/>
-              <a:lstStyle/>
-              <a:p>
-                <a:pPr algn="ctr" defTabSz="914354">
-                  <a:defRPr>
-                    <a:effectLst/>
-                  </a:defRPr>
-                </a:pPr>
-                <a:endParaRPr lang="en-US" sz="3067" b="1" kern="0">
-                  <a:solidFill>
-                    <a:prstClr val="black"/>
-                  </a:solidFill>
-                  <a:latin typeface="Intel Clear"/>
-                </a:endParaRPr>
-              </a:p>
-            </p:txBody>
-          </p:sp>
-          <p:pic>
-            <p:nvPicPr>
-              <p:cNvPr id="21" name="Picture 20">
-                <a:extLst>
-                  <a:ext uri="{FF2B5EF4-FFF2-40B4-BE49-F238E27FC236}">
-                    <a16:creationId xmlns:a16="http://schemas.microsoft.com/office/drawing/2014/main" id="{37BDFD6F-1F94-4274-9565-233005D52420}"/>
-                  </a:ext>
-                </a:extLst>
-              </p:cNvPr>
-              <p:cNvPicPr>
-                <a:picLocks noChangeAspect="1"/>
-              </p:cNvPicPr>
-              <p:nvPr/>
-            </p:nvPicPr>
-            <p:blipFill rotWithShape="1">
-              <a:blip r:embed="rId40" cstate="screen">
-                <a:extLst>
-                  <a:ext uri="{28A0092B-C50C-407E-A947-70E740481C1C}">
-                    <a14:useLocalDpi xmlns:a14="http://schemas.microsoft.com/office/drawing/2010/main"/>
-                  </a:ext>
-                </a:extLst>
-              </a:blip>
-              <a:srcRect/>
-              <a:stretch/>
-            </p:blipFill>
-            <p:spPr>
-              <a:xfrm rot="5400000">
-                <a:off x="-118735" y="2840998"/>
-                <a:ext cx="3677433" cy="1103977"/>
-              </a:xfrm>
-              <a:prstGeom prst="rect">
-                <a:avLst/>
-              </a:prstGeom>
-            </p:spPr>
-          </p:pic>
-        </p:grpSp>
-        <p:grpSp>
-          <p:nvGrpSpPr>
-            <p:cNvPr id="8" name="Group 7">
-              <a:extLst>
-                <a:ext uri="{FF2B5EF4-FFF2-40B4-BE49-F238E27FC236}">
-                  <a16:creationId xmlns:a16="http://schemas.microsoft.com/office/drawing/2014/main" id="{4FFB847D-1885-4E56-8AAE-46FFAB891F30}"/>
-                </a:ext>
-              </a:extLst>
-            </p:cNvPr>
-            <p:cNvGrpSpPr/>
-            <p:nvPr/>
-          </p:nvGrpSpPr>
-          <p:grpSpPr>
-            <a:xfrm>
-              <a:off x="314648" y="3784904"/>
-              <a:ext cx="2904229" cy="1961992"/>
-              <a:chOff x="314648" y="3784904"/>
-              <a:chExt cx="2904229" cy="1961992"/>
-            </a:xfrm>
-          </p:grpSpPr>
-          <p:sp>
-            <p:nvSpPr>
-              <p:cNvPr id="20" name="Flowchart: Manual Operation 19">
-                <a:extLst>
-                  <a:ext uri="{FF2B5EF4-FFF2-40B4-BE49-F238E27FC236}">
-                    <a16:creationId xmlns:a16="http://schemas.microsoft.com/office/drawing/2014/main" id="{03401762-331D-4FB0-9584-5172C2AE60D5}"/>
-                  </a:ext>
-                </a:extLst>
-              </p:cNvPr>
-              <p:cNvSpPr/>
-              <p:nvPr>
-                <p:custDataLst>
-                  <p:tags r:id="rId12"/>
-                </p:custDataLst>
-              </p:nvPr>
-            </p:nvSpPr>
-            <p:spPr>
-              <a:xfrm rot="10800000">
-                <a:off x="314648" y="3787575"/>
-                <a:ext cx="2904229" cy="1905667"/>
-              </a:xfrm>
-              <a:prstGeom prst="flowChartManualOperation">
-                <a:avLst/>
-              </a:prstGeom>
-              <a:gradFill>
-                <a:gsLst>
-                  <a:gs pos="12000">
-                    <a:srgbClr val="00AEEF">
-                      <a:lumMod val="98000"/>
-                      <a:alpha val="41000"/>
-                    </a:srgbClr>
-                  </a:gs>
-                  <a:gs pos="59000">
-                    <a:srgbClr val="00AEEF"/>
-                  </a:gs>
-                </a:gsLst>
-                <a:lin ang="15000000" scaled="0"/>
-              </a:gradFill>
-              <a:ln w="9525" cap="flat" cmpd="sng" algn="ctr">
-                <a:noFill/>
-                <a:prstDash val="solid"/>
-                <a:round/>
-                <a:headEnd type="none" w="med" len="med"/>
-                <a:tailEnd type="none" w="med" len="med"/>
-              </a:ln>
-              <a:effectLst/>
-            </p:spPr>
-            <p:txBody>
-              <a:bodyPr rot="0" spcFirstLastPara="0" vertOverflow="overflow" horzOverflow="overflow" vert="horz" wrap="square" lIns="91372" tIns="45688" rIns="91372" bIns="45688" numCol="1" spcCol="0" rtlCol="0" fromWordArt="0" anchor="ctr" anchorCtr="0" forceAA="0" compatLnSpc="1">
-                <a:prstTxWarp prst="textNoShape">
-                  <a:avLst/>
-                </a:prstTxWarp>
-                <a:noAutofit/>
-              </a:bodyPr>
-              <a:lstStyle/>
-              <a:p>
-                <a:pPr algn="ctr" defTabSz="914400" fontAlgn="base">
-                  <a:lnSpc>
-                    <a:spcPct val="85000"/>
-                  </a:lnSpc>
-                  <a:spcAft>
-                    <a:spcPct val="0"/>
-                  </a:spcAft>
-                  <a:buClr>
-                    <a:prstClr val="black"/>
-                  </a:buClr>
-                  <a:defRPr/>
-                </a:pPr>
-                <a:endParaRPr lang="en-US" sz="1400" kern="0" dirty="0">
-                  <a:solidFill>
-                    <a:prstClr val="white"/>
-                  </a:solidFill>
-                  <a:latin typeface="Intel Clear"/>
-                  <a:cs typeface="Arial" charset="0"/>
-                </a:endParaRPr>
-              </a:p>
-            </p:txBody>
-          </p:sp>
-          <p:sp>
-            <p:nvSpPr>
-              <p:cNvPr id="22" name="Rectangle 21">
-                <a:extLst>
-                  <a:ext uri="{FF2B5EF4-FFF2-40B4-BE49-F238E27FC236}">
-                    <a16:creationId xmlns:a16="http://schemas.microsoft.com/office/drawing/2014/main" id="{56E0A189-24C9-4894-8AFF-4A51ED1796F9}"/>
-                  </a:ext>
-                </a:extLst>
-              </p:cNvPr>
-              <p:cNvSpPr/>
-              <p:nvPr>
-                <p:custDataLst>
-                  <p:tags r:id="rId13"/>
-                </p:custDataLst>
-              </p:nvPr>
-            </p:nvSpPr>
-            <p:spPr>
-              <a:xfrm>
-                <a:off x="841802" y="5026206"/>
-                <a:ext cx="1790328" cy="720690"/>
-              </a:xfrm>
-              <a:prstGeom prst="rect">
-                <a:avLst/>
-              </a:prstGeom>
-              <a:noFill/>
-              <a:ln w="12700" cap="flat" cmpd="sng" algn="ctr">
-                <a:noFill/>
-                <a:prstDash val="solid"/>
-              </a:ln>
-              <a:effectLst/>
-            </p:spPr>
-            <p:txBody>
-              <a:bodyPr tIns="121920" rtlCol="0" anchor="ctr"/>
-              <a:lstStyle>
-                <a:defPPr>
-                  <a:defRPr lang="en-US">
-                    <a:effectLst/>
-                  </a:defRPr>
-                </a:defPPr>
-                <a:lvl1pPr marL="0" algn="l" defTabSz="914400" rtl="0" eaLnBrk="1" latinLnBrk="0" hangingPunct="1">
-                  <a:defRPr sz="1800" kern="1200">
-                    <a:solidFill>
-                      <a:schemeClr val="tx1"/>
-                    </a:solidFill>
-                    <a:effectLst/>
-                    <a:latin typeface="+mn-lt"/>
-                    <a:ea typeface="+mn-ea"/>
-                    <a:cs typeface="+mn-cs"/>
-                  </a:defRPr>
-                </a:lvl1pPr>
-                <a:lvl2pPr marL="457200" algn="l" defTabSz="914400" rtl="0" eaLnBrk="1" latinLnBrk="0" hangingPunct="1">
-                  <a:defRPr sz="1800" kern="1200">
-                    <a:solidFill>
-                      <a:schemeClr val="tx1"/>
-                    </a:solidFill>
-                    <a:effectLst/>
-                    <a:latin typeface="+mn-lt"/>
-                    <a:ea typeface="+mn-ea"/>
-                    <a:cs typeface="+mn-cs"/>
-                  </a:defRPr>
-                </a:lvl2pPr>
-                <a:lvl3pPr marL="914400" algn="l" defTabSz="914400" rtl="0" eaLnBrk="1" latinLnBrk="0" hangingPunct="1">
-                  <a:defRPr sz="1800" kern="1200">
-                    <a:solidFill>
-                      <a:schemeClr val="tx1"/>
-                    </a:solidFill>
-                    <a:effectLst/>
-                    <a:latin typeface="+mn-lt"/>
-                    <a:ea typeface="+mn-ea"/>
-                    <a:cs typeface="+mn-cs"/>
-                  </a:defRPr>
-                </a:lvl3pPr>
-                <a:lvl4pPr marL="1371600" algn="l" defTabSz="914400" rtl="0" eaLnBrk="1" latinLnBrk="0" hangingPunct="1">
-                  <a:defRPr sz="1800" kern="1200">
-                    <a:solidFill>
-                      <a:schemeClr val="tx1"/>
-                    </a:solidFill>
-                    <a:effectLst/>
-                    <a:latin typeface="+mn-lt"/>
-                    <a:ea typeface="+mn-ea"/>
-                    <a:cs typeface="+mn-cs"/>
-                  </a:defRPr>
-                </a:lvl4pPr>
-                <a:lvl5pPr marL="1828800" algn="l" defTabSz="914400" rtl="0" eaLnBrk="1" latinLnBrk="0" hangingPunct="1">
-                  <a:defRPr sz="1800" kern="1200">
-                    <a:solidFill>
-                      <a:schemeClr val="tx1"/>
-                    </a:solidFill>
-                    <a:effectLst/>
-                    <a:latin typeface="+mn-lt"/>
-                    <a:ea typeface="+mn-ea"/>
-                    <a:cs typeface="+mn-cs"/>
-                  </a:defRPr>
-                </a:lvl5pPr>
-                <a:lvl6pPr marL="2286000" algn="l" defTabSz="914400" rtl="0" eaLnBrk="1" latinLnBrk="0" hangingPunct="1">
-                  <a:defRPr sz="1800" kern="1200">
-                    <a:solidFill>
-                      <a:schemeClr val="tx1"/>
-                    </a:solidFill>
-                    <a:effectLst/>
-                    <a:latin typeface="+mn-lt"/>
-                    <a:ea typeface="+mn-ea"/>
-                    <a:cs typeface="+mn-cs"/>
-                  </a:defRPr>
-                </a:lvl6pPr>
-                <a:lvl7pPr marL="2743200" algn="l" defTabSz="914400" rtl="0" eaLnBrk="1" latinLnBrk="0" hangingPunct="1">
-                  <a:defRPr sz="1800" kern="1200">
-                    <a:solidFill>
-                      <a:schemeClr val="tx1"/>
-                    </a:solidFill>
-                    <a:effectLst/>
-                    <a:latin typeface="+mn-lt"/>
-                    <a:ea typeface="+mn-ea"/>
-                    <a:cs typeface="+mn-cs"/>
-                  </a:defRPr>
-                </a:lvl7pPr>
-                <a:lvl8pPr marL="3200400" algn="l" defTabSz="914400" rtl="0" eaLnBrk="1" latinLnBrk="0" hangingPunct="1">
-                  <a:defRPr sz="1800" kern="1200">
-                    <a:solidFill>
-                      <a:schemeClr val="tx1"/>
-                    </a:solidFill>
-                    <a:effectLst/>
-                    <a:latin typeface="+mn-lt"/>
-                    <a:ea typeface="+mn-ea"/>
-                    <a:cs typeface="+mn-cs"/>
-                  </a:defRPr>
-                </a:lvl8pPr>
-                <a:lvl9pPr marL="3657600" algn="l" defTabSz="914400" rtl="0" eaLnBrk="1" latinLnBrk="0" hangingPunct="1">
-                  <a:defRPr sz="1800" kern="1200">
-                    <a:solidFill>
-                      <a:schemeClr val="tx1"/>
-                    </a:solidFill>
-                    <a:effectLst/>
-                    <a:latin typeface="+mn-lt"/>
-                    <a:ea typeface="+mn-ea"/>
-                    <a:cs typeface="+mn-cs"/>
-                  </a:defRPr>
-                </a:lvl9pPr>
-              </a:lstStyle>
-              <a:p>
-                <a:pPr algn="ctr">
-                  <a:lnSpc>
-                    <a:spcPct val="70000"/>
-                  </a:lnSpc>
-                  <a:defRPr>
-                    <a:effectLst/>
-                  </a:defRPr>
-                </a:pPr>
-                <a:r>
-                  <a:rPr lang="en-US" sz="2000" kern="0" dirty="0">
-                    <a:solidFill>
-                      <a:prstClr val="white"/>
-                    </a:solidFill>
-                    <a:latin typeface="Intel Clear Pro"/>
+                    <a:effectLst>
+                      <a:outerShdw blurRad="38100" dist="38100" dir="2700000" algn="tl">
+                        <a:srgbClr val="000000">
+                          <a:alpha val="43137"/>
+                        </a:srgbClr>
+                      </a:outerShdw>
+                    </a:effectLst>
+                    <a:latin typeface="Arial Narrow" panose="020B0606020202030204" pitchFamily="34" charset="0"/>
                   </a:rPr>
                   <a:t>PHYSICAL TRANSPORT</a:t>
                 </a:r>
@@ -29547,7 +29970,7 @@
               <p:cNvSpPr/>
               <p:nvPr>
                 <p:custDataLst>
-                  <p:tags r:id="rId14"/>
+                  <p:tags r:id="rId13"/>
                 </p:custDataLst>
               </p:nvPr>
             </p:nvSpPr>
@@ -29684,11 +30107,18 @@
                   </a:defRPr>
                 </a:pPr>
                 <a:r>
-                  <a:rPr lang="en-US" sz="2000" kern="0" dirty="0">
+                  <a:rPr lang="en-US" sz="1600" b="1" kern="0" dirty="0">
                     <a:solidFill>
                       <a:prstClr val="white"/>
                     </a:solidFill>
-                    <a:latin typeface="Intel Clear Pro"/>
+                    <a:effectLst>
+                      <a:outerShdw blurRad="38100" dist="38100" dir="2700000" algn="tl">
+                        <a:srgbClr val="000000">
+                          <a:alpha val="43137"/>
+                        </a:srgbClr>
+                      </a:outerShdw>
+                    </a:effectLst>
+                    <a:latin typeface="Arial Narrow" panose="020B0606020202030204" pitchFamily="34" charset="0"/>
                   </a:rPr>
                   <a:t>ETHERNET  WIFI</a:t>
                 </a:r>
@@ -29707,14 +30137,14 @@
               <p:cNvSpPr/>
               <p:nvPr>
                 <p:custDataLst>
-                  <p:tags r:id="rId15"/>
+                  <p:tags r:id="rId14"/>
                 </p:custDataLst>
               </p:nvPr>
             </p:nvSpPr>
             <p:spPr>
               <a:xfrm>
-                <a:off x="834097" y="4402908"/>
-                <a:ext cx="1832905" cy="720690"/>
+                <a:off x="356947" y="4402908"/>
+                <a:ext cx="2781704" cy="720690"/>
               </a:xfrm>
               <a:prstGeom prst="rect">
                 <a:avLst/>
@@ -29844,11 +30274,18 @@
                   </a:defRPr>
                 </a:pPr>
                 <a:r>
-                  <a:rPr lang="en-US" sz="2000" kern="0" dirty="0">
+                  <a:rPr lang="en-US" sz="1600" b="1" kern="0" dirty="0">
                     <a:solidFill>
                       <a:prstClr val="white"/>
                     </a:solidFill>
-                    <a:latin typeface="Intel Clear Pro"/>
+                    <a:effectLst>
+                      <a:outerShdw blurRad="38100" dist="38100" dir="2700000" algn="tl">
+                        <a:srgbClr val="000000">
+                          <a:alpha val="43137"/>
+                        </a:srgbClr>
+                      </a:outerShdw>
+                    </a:effectLst>
+                    <a:latin typeface="Arial Narrow" panose="020B0606020202030204" pitchFamily="34" charset="0"/>
                   </a:rPr>
                   <a:t>FIBER SONET 5GHZ 2.4GHZ</a:t>
                 </a:r>
@@ -29888,7 +30325,7 @@
               <p:cNvSpPr/>
               <p:nvPr>
                 <p:custDataLst>
-                  <p:tags r:id="rId8"/>
+                  <p:tags r:id="rId7"/>
                 </p:custDataLst>
               </p:nvPr>
             </p:nvSpPr>
@@ -29966,14 +30403,14 @@
               <p:cNvSpPr/>
               <p:nvPr>
                 <p:custDataLst>
-                  <p:tags r:id="rId9"/>
+                  <p:tags r:id="rId8"/>
                 </p:custDataLst>
               </p:nvPr>
             </p:nvSpPr>
             <p:spPr>
               <a:xfrm>
-                <a:off x="841803" y="939981"/>
-                <a:ext cx="1832905" cy="720690"/>
+                <a:off x="356947" y="939981"/>
+                <a:ext cx="2781704" cy="720690"/>
               </a:xfrm>
               <a:prstGeom prst="rect">
                 <a:avLst/>
@@ -30103,11 +30540,18 @@
                   </a:defRPr>
                 </a:pPr>
                 <a:r>
-                  <a:rPr lang="en-US" sz="2000" kern="0" dirty="0">
+                  <a:rPr lang="en-US" sz="1600" b="1" kern="0" dirty="0">
                     <a:solidFill>
                       <a:prstClr val="white"/>
                     </a:solidFill>
-                    <a:latin typeface="Intel Clear Pro"/>
+                    <a:effectLst>
+                      <a:outerShdw blurRad="38100" dist="38100" dir="2700000" algn="tl">
+                        <a:srgbClr val="000000">
+                          <a:alpha val="43137"/>
+                        </a:srgbClr>
+                      </a:outerShdw>
+                    </a:effectLst>
+                    <a:latin typeface="Arial Narrow" panose="020B0606020202030204" pitchFamily="34" charset="0"/>
                   </a:rPr>
                   <a:t>APPLICATION PROTOCOL</a:t>
                 </a:r>
@@ -30126,7 +30570,7 @@
               <p:cNvSpPr/>
               <p:nvPr>
                 <p:custDataLst>
-                  <p:tags r:id="rId10"/>
+                  <p:tags r:id="rId9"/>
                 </p:custDataLst>
               </p:nvPr>
             </p:nvSpPr>
@@ -30263,11 +30707,18 @@
                   </a:defRPr>
                 </a:pPr>
                 <a:r>
-                  <a:rPr lang="en-US" sz="2000" kern="0" dirty="0">
+                  <a:rPr lang="en-US" sz="1600" b="1" kern="0" dirty="0">
                     <a:solidFill>
                       <a:prstClr val="white"/>
                     </a:solidFill>
-                    <a:latin typeface="Intel Clear Pro"/>
+                    <a:effectLst>
+                      <a:outerShdw blurRad="38100" dist="38100" dir="2700000" algn="tl">
+                        <a:srgbClr val="000000">
+                          <a:alpha val="43137"/>
+                        </a:srgbClr>
+                      </a:outerShdw>
+                    </a:effectLst>
+                    <a:latin typeface="Arial Narrow" panose="020B0606020202030204" pitchFamily="34" charset="0"/>
                   </a:rPr>
                   <a:t>TCP    UDP</a:t>
                 </a:r>
@@ -30286,14 +30737,14 @@
               <p:cNvSpPr/>
               <p:nvPr>
                 <p:custDataLst>
-                  <p:tags r:id="rId11"/>
+                  <p:tags r:id="rId10"/>
                 </p:custDataLst>
               </p:nvPr>
             </p:nvSpPr>
             <p:spPr>
               <a:xfrm>
-                <a:off x="856360" y="1621294"/>
-                <a:ext cx="1832905" cy="720690"/>
+                <a:off x="698575" y="1621294"/>
+                <a:ext cx="2103895" cy="720690"/>
               </a:xfrm>
               <a:prstGeom prst="rect">
                 <a:avLst/>
@@ -30423,11 +30874,18 @@
                   </a:defRPr>
                 </a:pPr>
                 <a:r>
-                  <a:rPr lang="en-US" sz="2000" kern="0" dirty="0">
+                  <a:rPr lang="en-US" sz="1600" b="1" kern="0" dirty="0">
                     <a:solidFill>
                       <a:prstClr val="white"/>
                     </a:solidFill>
-                    <a:latin typeface="Intel Clear Pro"/>
+                    <a:effectLst>
+                      <a:outerShdw blurRad="38100" dist="38100" dir="2700000" algn="tl">
+                        <a:srgbClr val="000000">
+                          <a:alpha val="43137"/>
+                        </a:srgbClr>
+                      </a:outerShdw>
+                    </a:effectLst>
+                    <a:latin typeface="Arial Narrow" panose="020B0606020202030204" pitchFamily="34" charset="0"/>
                   </a:rPr>
                   <a:t>EMAIL WEB FTP SSH</a:t>
                 </a:r>
@@ -30585,14 +31043,14 @@
               </a:defRPr>
             </a:pPr>
             <a:r>
-              <a:rPr lang="en-US" sz="2000" kern="0" dirty="0">
+              <a:rPr lang="en-US" sz="2000" b="1" kern="0" dirty="0">
                 <a:solidFill>
                   <a:prstClr val="black">
                     <a:lumMod val="75000"/>
                     <a:lumOff val="25000"/>
                   </a:prstClr>
                 </a:solidFill>
-                <a:latin typeface="Intel Clear Pro"/>
+                <a:latin typeface="Arial Narrow" panose="020B0606020202030204" pitchFamily="34" charset="0"/>
               </a:rPr>
               <a:t>Internet</a:t>
             </a:r>
@@ -30748,16 +31206,16 @@
               </a:defRPr>
             </a:pPr>
             <a:r>
-              <a:rPr lang="en-US" sz="2000" kern="0" dirty="0">
+              <a:rPr lang="en-US" sz="2000" b="1" kern="0" dirty="0">
                 <a:solidFill>
                   <a:prstClr val="black">
                     <a:lumMod val="75000"/>
                     <a:lumOff val="25000"/>
                   </a:prstClr>
                 </a:solidFill>
-                <a:latin typeface="Intel Clear Pro"/>
+                <a:latin typeface="Arial Narrow" panose="020B0606020202030204" pitchFamily="34" charset="0"/>
               </a:rPr>
-              <a:t>WEB</a:t>
+              <a:t>Web</a:t>
             </a:r>
           </a:p>
         </p:txBody>
@@ -30911,16 +31369,16 @@
               </a:defRPr>
             </a:pPr>
             <a:r>
-              <a:rPr lang="en-US" sz="2000" kern="0" dirty="0">
+              <a:rPr lang="en-US" sz="2000" b="1" kern="0" dirty="0">
                 <a:solidFill>
                   <a:prstClr val="black">
                     <a:lumMod val="75000"/>
                     <a:lumOff val="25000"/>
                   </a:prstClr>
                 </a:solidFill>
-                <a:latin typeface="Intel Clear Pro"/>
+                <a:latin typeface="Arial Narrow" panose="020B0606020202030204" pitchFamily="34" charset="0"/>
               </a:rPr>
-              <a:t>IOT</a:t>
+              <a:t>IoT</a:t>
             </a:r>
           </a:p>
         </p:txBody>
@@ -31074,11 +31532,18 @@
               </a:defRPr>
             </a:pPr>
             <a:r>
-              <a:rPr lang="en-US" sz="3200" kern="0" dirty="0">
+              <a:rPr lang="en-US" sz="3200" b="1" kern="0" dirty="0">
                 <a:solidFill>
                   <a:prstClr val="white"/>
                 </a:solidFill>
-                <a:latin typeface="Intel Clear Pro"/>
+                <a:effectLst>
+                  <a:outerShdw blurRad="38100" dist="38100" dir="2700000" algn="tl">
+                    <a:srgbClr val="000000">
+                      <a:alpha val="43137"/>
+                    </a:srgbClr>
+                  </a:outerShdw>
+                </a:effectLst>
+                <a:latin typeface="Arial Narrow" panose="020B0606020202030204" pitchFamily="34" charset="0"/>
               </a:rPr>
               <a:t>IP</a:t>
             </a:r>
@@ -31234,11 +31699,18 @@
               </a:defRPr>
             </a:pPr>
             <a:r>
-              <a:rPr lang="en-US" sz="3200" kern="0" dirty="0">
+              <a:rPr lang="en-US" sz="3200" b="1" kern="0" dirty="0">
                 <a:solidFill>
                   <a:prstClr val="white"/>
                 </a:solidFill>
-                <a:latin typeface="Intel Clear Pro"/>
+                <a:effectLst>
+                  <a:outerShdw blurRad="38100" dist="38100" dir="2700000" algn="tl">
+                    <a:srgbClr val="000000">
+                      <a:alpha val="43137"/>
+                    </a:srgbClr>
+                  </a:outerShdw>
+                </a:effectLst>
+                <a:latin typeface="Arial Narrow" panose="020B0606020202030204" pitchFamily="34" charset="0"/>
               </a:rPr>
               <a:t>HTTP</a:t>
             </a:r>
@@ -31263,7 +31735,7 @@
         </p:nvSpPr>
         <p:spPr>
           <a:xfrm>
-            <a:off x="8160095" y="2957604"/>
+            <a:off x="8209049" y="2959606"/>
             <a:ext cx="3087488" cy="720690"/>
           </a:xfrm>
           <a:prstGeom prst="rect">
@@ -31394,173 +31866,20 @@
               </a:defRPr>
             </a:pPr>
             <a:r>
-              <a:rPr lang="en-US" sz="3200" kern="0" dirty="0">
+              <a:rPr lang="en-US" sz="3200" b="1" kern="0" dirty="0">
                 <a:solidFill>
                   <a:prstClr val="white"/>
                 </a:solidFill>
-                <a:latin typeface="Intel Clear Pro"/>
+                <a:effectLst>
+                  <a:outerShdw blurRad="38100" dist="38100" dir="2700000" algn="tl">
+                    <a:srgbClr val="000000">
+                      <a:alpha val="43137"/>
+                    </a:srgbClr>
+                  </a:outerShdw>
+                </a:effectLst>
+                <a:latin typeface="Arial Narrow" panose="020B0606020202030204" pitchFamily="34" charset="0"/>
               </a:rPr>
-              <a:t>INTERACTION MODEL</a:t>
-            </a:r>
-          </a:p>
-        </p:txBody>
-      </p:sp>
-      <p:sp>
-        <p:nvSpPr>
-          <p:cNvPr id="44" name="Rectangle 43">
-            <a:extLst>
-              <a:ext uri="{FF2B5EF4-FFF2-40B4-BE49-F238E27FC236}">
-                <a16:creationId xmlns:a16="http://schemas.microsoft.com/office/drawing/2014/main" id="{4D050763-61CE-4E69-A236-6054BEB10FDB}"/>
-              </a:ext>
-            </a:extLst>
-          </p:cNvPr>
-          <p:cNvSpPr/>
-          <p:nvPr>
-            <p:custDataLst>
-              <p:tags r:id="rId7"/>
-            </p:custDataLst>
-          </p:nvPr>
-        </p:nvSpPr>
-        <p:spPr>
-          <a:xfrm>
-            <a:off x="8149177" y="3633272"/>
-            <a:ext cx="2970938" cy="720690"/>
-          </a:xfrm>
-          <a:prstGeom prst="rect">
-            <a:avLst/>
-          </a:prstGeom>
-          <a:noFill/>
-          <a:ln w="12700" cap="flat" cmpd="sng" algn="ctr">
-            <a:noFill/>
-            <a:prstDash val="solid"/>
-          </a:ln>
-          <a:effectLst/>
-        </p:spPr>
-        <p:txBody>
-          <a:bodyPr tIns="121920" rtlCol="0" anchor="ctr"/>
-          <a:lstStyle>
-            <a:defPPr>
-              <a:defRPr lang="en-US">
-                <a:effectLst/>
-              </a:defRPr>
-            </a:defPPr>
-            <a:lvl1pPr marL="0" algn="l" defTabSz="914400" rtl="0" eaLnBrk="1" latinLnBrk="0" hangingPunct="1">
-              <a:defRPr sz="1800" kern="1200">
-                <a:solidFill>
-                  <a:schemeClr val="tx1"/>
-                </a:solidFill>
-                <a:effectLst/>
-                <a:latin typeface="+mn-lt"/>
-                <a:ea typeface="+mn-ea"/>
-                <a:cs typeface="+mn-cs"/>
-              </a:defRPr>
-            </a:lvl1pPr>
-            <a:lvl2pPr marL="457200" algn="l" defTabSz="914400" rtl="0" eaLnBrk="1" latinLnBrk="0" hangingPunct="1">
-              <a:defRPr sz="1800" kern="1200">
-                <a:solidFill>
-                  <a:schemeClr val="tx1"/>
-                </a:solidFill>
-                <a:effectLst/>
-                <a:latin typeface="+mn-lt"/>
-                <a:ea typeface="+mn-ea"/>
-                <a:cs typeface="+mn-cs"/>
-              </a:defRPr>
-            </a:lvl2pPr>
-            <a:lvl3pPr marL="914400" algn="l" defTabSz="914400" rtl="0" eaLnBrk="1" latinLnBrk="0" hangingPunct="1">
-              <a:defRPr sz="1800" kern="1200">
-                <a:solidFill>
-                  <a:schemeClr val="tx1"/>
-                </a:solidFill>
-                <a:effectLst/>
-                <a:latin typeface="+mn-lt"/>
-                <a:ea typeface="+mn-ea"/>
-                <a:cs typeface="+mn-cs"/>
-              </a:defRPr>
-            </a:lvl3pPr>
-            <a:lvl4pPr marL="1371600" algn="l" defTabSz="914400" rtl="0" eaLnBrk="1" latinLnBrk="0" hangingPunct="1">
-              <a:defRPr sz="1800" kern="1200">
-                <a:solidFill>
-                  <a:schemeClr val="tx1"/>
-                </a:solidFill>
-                <a:effectLst/>
-                <a:latin typeface="+mn-lt"/>
-                <a:ea typeface="+mn-ea"/>
-                <a:cs typeface="+mn-cs"/>
-              </a:defRPr>
-            </a:lvl4pPr>
-            <a:lvl5pPr marL="1828800" algn="l" defTabSz="914400" rtl="0" eaLnBrk="1" latinLnBrk="0" hangingPunct="1">
-              <a:defRPr sz="1800" kern="1200">
-                <a:solidFill>
-                  <a:schemeClr val="tx1"/>
-                </a:solidFill>
-                <a:effectLst/>
-                <a:latin typeface="+mn-lt"/>
-                <a:ea typeface="+mn-ea"/>
-                <a:cs typeface="+mn-cs"/>
-              </a:defRPr>
-            </a:lvl5pPr>
-            <a:lvl6pPr marL="2286000" algn="l" defTabSz="914400" rtl="0" eaLnBrk="1" latinLnBrk="0" hangingPunct="1">
-              <a:defRPr sz="1800" kern="1200">
-                <a:solidFill>
-                  <a:schemeClr val="tx1"/>
-                </a:solidFill>
-                <a:effectLst/>
-                <a:latin typeface="+mn-lt"/>
-                <a:ea typeface="+mn-ea"/>
-                <a:cs typeface="+mn-cs"/>
-              </a:defRPr>
-            </a:lvl6pPr>
-            <a:lvl7pPr marL="2743200" algn="l" defTabSz="914400" rtl="0" eaLnBrk="1" latinLnBrk="0" hangingPunct="1">
-              <a:defRPr sz="1800" kern="1200">
-                <a:solidFill>
-                  <a:schemeClr val="tx1"/>
-                </a:solidFill>
-                <a:effectLst/>
-                <a:latin typeface="+mn-lt"/>
-                <a:ea typeface="+mn-ea"/>
-                <a:cs typeface="+mn-cs"/>
-              </a:defRPr>
-            </a:lvl7pPr>
-            <a:lvl8pPr marL="3200400" algn="l" defTabSz="914400" rtl="0" eaLnBrk="1" latinLnBrk="0" hangingPunct="1">
-              <a:defRPr sz="1800" kern="1200">
-                <a:solidFill>
-                  <a:schemeClr val="tx1"/>
-                </a:solidFill>
-                <a:effectLst/>
-                <a:latin typeface="+mn-lt"/>
-                <a:ea typeface="+mn-ea"/>
-                <a:cs typeface="+mn-cs"/>
-              </a:defRPr>
-            </a:lvl8pPr>
-            <a:lvl9pPr marL="3657600" algn="l" defTabSz="914400" rtl="0" eaLnBrk="1" latinLnBrk="0" hangingPunct="1">
-              <a:defRPr sz="1800" kern="1200">
-                <a:solidFill>
-                  <a:schemeClr val="tx1"/>
-                </a:solidFill>
-                <a:effectLst/>
-                <a:latin typeface="+mn-lt"/>
-                <a:ea typeface="+mn-ea"/>
-                <a:cs typeface="+mn-cs"/>
-              </a:defRPr>
-            </a:lvl9pPr>
-          </a:lstStyle>
-          <a:p>
-            <a:pPr algn="ctr">
-              <a:lnSpc>
-                <a:spcPct val="70000"/>
-              </a:lnSpc>
-              <a:defRPr>
-                <a:effectLst/>
-              </a:defRPr>
-            </a:pPr>
-            <a:r>
-              <a:rPr lang="en-US" sz="2000" kern="0" dirty="0">
-                <a:solidFill>
-                  <a:prstClr val="white"/>
-                </a:solidFill>
-                <a:latin typeface="Intel Clear Pro"/>
-              </a:rPr>
-              <a:t>     IOTSCHEMA ETSI-SSN OGS…</a:t>
+              <a:t>INTERACTIONS</a:t>
             </a:r>
           </a:p>
         </p:txBody>
@@ -32011,7 +32330,7 @@
                                           </p:stCondLst>
                                         </p:cTn>
                                         <p:tgtEl>
-                                          <p:spTgt spid="55"/>
+                                          <p:spTgt spid="41"/>
                                         </p:tgtEl>
                                         <p:attrNameLst>
                                           <p:attrName>style.visibility</p:attrName>
@@ -32025,7 +32344,7 @@
                                       <p:cBhvr>
                                         <p:cTn id="39" dur="500"/>
                                         <p:tgtEl>
-                                          <p:spTgt spid="55"/>
+                                          <p:spTgt spid="41"/>
                                         </p:tgtEl>
                                       </p:cBhvr>
                                     </p:animEffect>
@@ -32338,7 +32657,7 @@
                 <a:defRPr/>
               </a:pPr>
               <a:r>
-                <a:rPr lang="en-US" sz="2000" dirty="0">
+                <a:rPr lang="en-US" sz="2000" b="1" dirty="0">
                   <a:solidFill>
                     <a:srgbClr val="FFFFFF"/>
                   </a:solidFill>
@@ -32349,7 +32668,7 @@
                       </a:srgbClr>
                     </a:outerShdw>
                   </a:effectLst>
-                  <a:latin typeface="Intel Clear Pro"/>
+                  <a:latin typeface="Arial Narrow" panose="020B0606020202030204" pitchFamily="34" charset="0"/>
                   <a:cs typeface="Arial" charset="0"/>
                 </a:rPr>
                 <a:t>THING DESCRIPTION</a:t>
@@ -32419,7 +32738,7 @@
             </a:fontRef>
           </p:style>
           <p:txBody>
-            <a:bodyPr vert="horz" wrap="square" lIns="91372" tIns="45688" rIns="91372" bIns="45688" numCol="1" rtlCol="0" anchor="t" anchorCtr="1" compatLnSpc="1">
+            <a:bodyPr vert="horz" wrap="square" lIns="91372" tIns="45688" rIns="91372" bIns="45688" numCol="1" rtlCol="0" anchor="ctr" anchorCtr="1" compatLnSpc="1">
               <a:prstTxWarp prst="textNoShape">
                 <a:avLst/>
               </a:prstTxWarp>
@@ -32443,7 +32762,7 @@
                 <a:defRPr/>
               </a:pPr>
               <a:r>
-                <a:rPr lang="en-US" sz="2000" dirty="0">
+                <a:rPr lang="en-US" sz="1600" b="1" dirty="0">
                   <a:solidFill>
                     <a:schemeClr val="tx1"/>
                   </a:solidFill>
@@ -32454,7 +32773,7 @@
                       </a:srgbClr>
                     </a:outerShdw>
                   </a:effectLst>
-                  <a:latin typeface="+mj-lt"/>
+                  <a:latin typeface="Arial Narrow" panose="020B0606020202030204" pitchFamily="34" charset="0"/>
                   <a:cs typeface="Arial" charset="0"/>
                 </a:rPr>
                 <a:t>SEMANTIC ANNOTATION</a:t>
@@ -32524,7 +32843,7 @@
             </a:fontRef>
           </p:style>
           <p:txBody>
-            <a:bodyPr vert="horz" wrap="square" lIns="91372" tIns="45688" rIns="91372" bIns="45688" numCol="1" rtlCol="0" anchor="t" anchorCtr="1" compatLnSpc="1">
+            <a:bodyPr vert="horz" wrap="square" lIns="91372" tIns="45688" rIns="91372" bIns="45688" numCol="1" rtlCol="0" anchor="ctr" anchorCtr="1" compatLnSpc="1">
               <a:prstTxWarp prst="textNoShape">
                 <a:avLst/>
               </a:prstTxWarp>
@@ -32548,7 +32867,7 @@
                 <a:defRPr/>
               </a:pPr>
               <a:r>
-                <a:rPr lang="en-US" sz="2000" dirty="0">
+                <a:rPr lang="en-US" sz="1600" b="1" dirty="0">
                   <a:solidFill>
                     <a:srgbClr val="FFFFFF"/>
                   </a:solidFill>
@@ -32559,7 +32878,7 @@
                       </a:srgbClr>
                     </a:outerShdw>
                   </a:effectLst>
-                  <a:latin typeface="+mj-lt"/>
+                  <a:latin typeface="Arial Narrow" panose="020B0606020202030204" pitchFamily="34" charset="0"/>
                   <a:cs typeface="Arial" charset="0"/>
                 </a:rPr>
                 <a:t>INTERACTION AFFORDANCES</a:t>
@@ -32629,7 +32948,7 @@
             </a:fontRef>
           </p:style>
           <p:txBody>
-            <a:bodyPr vert="horz" wrap="square" lIns="91372" tIns="45688" rIns="91372" bIns="45688" numCol="1" rtlCol="0" anchor="t" anchorCtr="1" compatLnSpc="1">
+            <a:bodyPr vert="horz" wrap="square" lIns="91372" tIns="45688" rIns="91372" bIns="45688" numCol="1" rtlCol="0" anchor="ctr" anchorCtr="1" compatLnSpc="1">
               <a:prstTxWarp prst="textNoShape">
                 <a:avLst/>
               </a:prstTxWarp>
@@ -32653,7 +32972,7 @@
                 <a:defRPr/>
               </a:pPr>
               <a:r>
-                <a:rPr lang="en-US" sz="2000" dirty="0">
+                <a:rPr lang="en-US" sz="1600" b="1" dirty="0">
                   <a:solidFill>
                     <a:srgbClr val="FFFFFF"/>
                   </a:solidFill>
@@ -32664,7 +32983,7 @@
                       </a:srgbClr>
                     </a:outerShdw>
                   </a:effectLst>
-                  <a:latin typeface="+mj-lt"/>
+                  <a:latin typeface="Arial Narrow" panose="020B0606020202030204" pitchFamily="34" charset="0"/>
                   <a:cs typeface="Arial" charset="0"/>
                 </a:rPr>
                 <a:t>SECURITY SCHEME</a:t>
@@ -32734,7 +33053,7 @@
             </a:fontRef>
           </p:style>
           <p:txBody>
-            <a:bodyPr vert="horz" wrap="square" lIns="91372" tIns="45688" rIns="91372" bIns="45688" numCol="1" rtlCol="0" anchor="t" anchorCtr="1" compatLnSpc="1">
+            <a:bodyPr vert="horz" wrap="square" lIns="91372" tIns="45688" rIns="91372" bIns="45688" numCol="1" rtlCol="0" anchor="ctr" anchorCtr="1" compatLnSpc="1">
               <a:prstTxWarp prst="textNoShape">
                 <a:avLst/>
               </a:prstTxWarp>
@@ -32758,7 +33077,7 @@
                 <a:defRPr/>
               </a:pPr>
               <a:r>
-                <a:rPr lang="en-US" sz="2000" dirty="0">
+                <a:rPr lang="en-US" sz="1600" b="1" dirty="0">
                   <a:solidFill>
                     <a:srgbClr val="FFFFFF"/>
                   </a:solidFill>
@@ -32769,7 +33088,7 @@
                       </a:srgbClr>
                     </a:outerShdw>
                   </a:effectLst>
-                  <a:latin typeface="+mj-lt"/>
+                  <a:latin typeface="Arial Narrow" panose="020B0606020202030204" pitchFamily="34" charset="0"/>
                   <a:cs typeface="Arial" charset="0"/>
                 </a:rPr>
                 <a:t>PROTOCOL BINDING</a:t>
@@ -32839,7 +33158,7 @@
             </a:fontRef>
           </p:style>
           <p:txBody>
-            <a:bodyPr vert="horz" wrap="square" lIns="91372" tIns="45688" rIns="91372" bIns="45688" numCol="1" rtlCol="0" anchor="t" anchorCtr="1" compatLnSpc="1">
+            <a:bodyPr vert="horz" wrap="square" lIns="91372" tIns="45688" rIns="91372" bIns="45688" numCol="1" rtlCol="0" anchor="ctr" anchorCtr="1" compatLnSpc="1">
               <a:prstTxWarp prst="textNoShape">
                 <a:avLst/>
               </a:prstTxWarp>
@@ -32863,7 +33182,7 @@
                 <a:defRPr/>
               </a:pPr>
               <a:r>
-                <a:rPr lang="en-US" sz="2000" dirty="0">
+                <a:rPr lang="en-US" sz="1600" b="1" dirty="0">
                   <a:solidFill>
                     <a:srgbClr val="FFFFFF"/>
                   </a:solidFill>
@@ -32874,7 +33193,7 @@
                       </a:srgbClr>
                     </a:outerShdw>
                   </a:effectLst>
-                  <a:latin typeface="+mj-lt"/>
+                  <a:latin typeface="Arial Narrow" panose="020B0606020202030204" pitchFamily="34" charset="0"/>
                   <a:cs typeface="Arial" charset="0"/>
                 </a:rPr>
                 <a:t>PAYLOAD DATA SCHEMA</a:t>
@@ -32965,7 +33284,7 @@
             </a:fontRef>
           </p:style>
           <p:txBody>
-            <a:bodyPr vert="horz" wrap="square" lIns="91372" tIns="45688" rIns="91372" bIns="45688" numCol="1" rtlCol="0" anchor="t" anchorCtr="1" compatLnSpc="1">
+            <a:bodyPr vert="horz" wrap="square" lIns="91372" tIns="45688" rIns="91372" bIns="45688" numCol="1" rtlCol="0" anchor="ctr" anchorCtr="1" compatLnSpc="1">
               <a:prstTxWarp prst="textNoShape">
                 <a:avLst/>
               </a:prstTxWarp>
@@ -32989,7 +33308,7 @@
                 <a:defRPr/>
               </a:pPr>
               <a:r>
-                <a:rPr lang="en-US" sz="2000" dirty="0">
+                <a:rPr lang="en-US" sz="1600" b="1" dirty="0">
                   <a:solidFill>
                     <a:srgbClr val="FFFFFF"/>
                   </a:solidFill>
@@ -33000,10 +33319,10 @@
                       </a:srgbClr>
                     </a:outerShdw>
                   </a:effectLst>
-                  <a:latin typeface="Intel Clear Pro"/>
+                  <a:latin typeface="Arial Narrow" panose="020B0606020202030204" pitchFamily="34" charset="0"/>
                   <a:cs typeface="Arial" charset="0"/>
                 </a:rPr>
-                <a:t>Ecosystem B</a:t>
+                <a:t>ECOSYSTEM B</a:t>
               </a:r>
             </a:p>
           </p:txBody>
@@ -33070,7 +33389,7 @@
             </a:fontRef>
           </p:style>
           <p:txBody>
-            <a:bodyPr vert="horz" wrap="square" lIns="91372" tIns="45688" rIns="91372" bIns="45688" numCol="1" rtlCol="0" anchor="t" anchorCtr="1" compatLnSpc="1">
+            <a:bodyPr vert="horz" wrap="square" lIns="91372" tIns="45688" rIns="91372" bIns="45688" numCol="1" rtlCol="0" anchor="ctr" anchorCtr="1" compatLnSpc="1">
               <a:prstTxWarp prst="textNoShape">
                 <a:avLst/>
               </a:prstTxWarp>
@@ -33094,7 +33413,7 @@
                 <a:defRPr/>
               </a:pPr>
               <a:r>
-                <a:rPr lang="en-US" sz="2000" dirty="0">
+                <a:rPr lang="en-US" sz="1600" b="1" dirty="0">
                   <a:solidFill>
                     <a:srgbClr val="FFFFFF"/>
                   </a:solidFill>
@@ -33105,10 +33424,10 @@
                       </a:srgbClr>
                     </a:outerShdw>
                   </a:effectLst>
-                  <a:latin typeface="Intel Clear Pro"/>
+                  <a:latin typeface="Arial Narrow" panose="020B0606020202030204" pitchFamily="34" charset="0"/>
                   <a:cs typeface="Arial" charset="0"/>
                 </a:rPr>
-                <a:t>Ecosystem C</a:t>
+                <a:t>ECOSYSTEM C</a:t>
               </a:r>
             </a:p>
           </p:txBody>
@@ -33175,7 +33494,7 @@
             </a:fontRef>
           </p:style>
           <p:txBody>
-            <a:bodyPr vert="horz" wrap="square" lIns="91372" tIns="45688" rIns="91372" bIns="45688" numCol="1" rtlCol="0" anchor="t" anchorCtr="1" compatLnSpc="1">
+            <a:bodyPr vert="horz" wrap="square" lIns="91372" tIns="45688" rIns="91372" bIns="45688" numCol="1" rtlCol="0" anchor="ctr" anchorCtr="1" compatLnSpc="1">
               <a:prstTxWarp prst="textNoShape">
                 <a:avLst/>
               </a:prstTxWarp>
@@ -33199,7 +33518,7 @@
                 <a:defRPr/>
               </a:pPr>
               <a:r>
-                <a:rPr lang="en-US" sz="2000" dirty="0">
+                <a:rPr lang="en-US" sz="1600" b="1" dirty="0">
                   <a:solidFill>
                     <a:srgbClr val="FFFFFF"/>
                   </a:solidFill>
@@ -33210,10 +33529,10 @@
                       </a:srgbClr>
                     </a:outerShdw>
                   </a:effectLst>
-                  <a:latin typeface="Intel Clear Pro"/>
+                  <a:latin typeface="Arial Narrow" panose="020B0606020202030204" pitchFamily="34" charset="0"/>
                   <a:cs typeface="Arial" charset="0"/>
                 </a:rPr>
-                <a:t>Ecosystem D</a:t>
+                <a:t>ECOSYSTEM D</a:t>
               </a:r>
             </a:p>
           </p:txBody>
@@ -33280,7 +33599,7 @@
             </a:fontRef>
           </p:style>
           <p:txBody>
-            <a:bodyPr vert="horz" wrap="square" lIns="91372" tIns="45688" rIns="91372" bIns="45688" numCol="1" rtlCol="0" anchor="t" anchorCtr="1" compatLnSpc="1">
+            <a:bodyPr vert="horz" wrap="square" lIns="91372" tIns="45688" rIns="91372" bIns="45688" numCol="1" rtlCol="0" anchor="ctr" anchorCtr="1" compatLnSpc="1">
               <a:prstTxWarp prst="textNoShape">
                 <a:avLst/>
               </a:prstTxWarp>
@@ -33304,7 +33623,7 @@
                 <a:defRPr/>
               </a:pPr>
               <a:r>
-                <a:rPr lang="en-US" sz="2000" dirty="0">
+                <a:rPr lang="en-US" sz="1600" b="1" dirty="0">
                   <a:solidFill>
                     <a:srgbClr val="FFFFFF"/>
                   </a:solidFill>
@@ -33315,10 +33634,10 @@
                       </a:srgbClr>
                     </a:outerShdw>
                   </a:effectLst>
-                  <a:latin typeface="Intel Clear Pro"/>
+                  <a:latin typeface="Arial Narrow" panose="020B0606020202030204" pitchFamily="34" charset="0"/>
                   <a:cs typeface="Arial" charset="0"/>
                 </a:rPr>
-                <a:t>Ecosystem E</a:t>
+                <a:t>ECOSYSTEM E</a:t>
               </a:r>
             </a:p>
           </p:txBody>
@@ -33385,7 +33704,7 @@
             </a:fontRef>
           </p:style>
           <p:txBody>
-            <a:bodyPr vert="horz" wrap="square" lIns="91372" tIns="45688" rIns="91372" bIns="45688" numCol="1" rtlCol="0" anchor="t" anchorCtr="1" compatLnSpc="1">
+            <a:bodyPr vert="horz" wrap="square" lIns="91372" tIns="45688" rIns="91372" bIns="45688" numCol="1" rtlCol="0" anchor="ctr" anchorCtr="1" compatLnSpc="1">
               <a:prstTxWarp prst="textNoShape">
                 <a:avLst/>
               </a:prstTxWarp>
@@ -33409,7 +33728,7 @@
                 <a:defRPr/>
               </a:pPr>
               <a:r>
-                <a:rPr lang="en-US" sz="2000" dirty="0">
+                <a:rPr lang="en-US" sz="1600" b="1" dirty="0">
                   <a:solidFill>
                     <a:srgbClr val="FFFFFF"/>
                   </a:solidFill>
@@ -33420,10 +33739,10 @@
                       </a:srgbClr>
                     </a:outerShdw>
                   </a:effectLst>
-                  <a:latin typeface="Intel Clear Pro"/>
+                  <a:latin typeface="Arial Narrow" panose="020B0606020202030204" pitchFamily="34" charset="0"/>
                   <a:cs typeface="Arial" charset="0"/>
                 </a:rPr>
-                <a:t>Ecosystem F</a:t>
+                <a:t>ECOSYSTEM F</a:t>
               </a:r>
             </a:p>
           </p:txBody>
@@ -33490,7 +33809,7 @@
             </a:fontRef>
           </p:style>
           <p:txBody>
-            <a:bodyPr vert="horz" wrap="square" lIns="91372" tIns="45688" rIns="91372" bIns="45688" numCol="1" rtlCol="0" anchor="t" anchorCtr="1" compatLnSpc="1">
+            <a:bodyPr vert="horz" wrap="square" lIns="91372" tIns="45688" rIns="91372" bIns="45688" numCol="1" rtlCol="0" anchor="ctr" anchorCtr="1" compatLnSpc="1">
               <a:prstTxWarp prst="textNoShape">
                 <a:avLst/>
               </a:prstTxWarp>
@@ -33514,7 +33833,7 @@
                 <a:defRPr/>
               </a:pPr>
               <a:r>
-                <a:rPr lang="en-US" sz="2000" dirty="0">
+                <a:rPr lang="en-US" sz="1600" b="1" dirty="0">
                   <a:solidFill>
                     <a:srgbClr val="FFFFFF"/>
                   </a:solidFill>
@@ -33525,10 +33844,10 @@
                       </a:srgbClr>
                     </a:outerShdw>
                   </a:effectLst>
-                  <a:latin typeface="Intel Clear Pro"/>
+                  <a:latin typeface="Arial Narrow" panose="020B0606020202030204" pitchFamily="34" charset="0"/>
                   <a:cs typeface="Arial" charset="0"/>
                 </a:rPr>
-                <a:t>Ecosystem A</a:t>
+                <a:t>ECOSYSTEM A</a:t>
               </a:r>
             </a:p>
           </p:txBody>
@@ -33868,7 +34187,7 @@
             </a:fontRef>
           </p:style>
           <p:txBody>
-            <a:bodyPr vert="horz" wrap="square" lIns="91372" tIns="45688" rIns="91372" bIns="45688" numCol="1" rtlCol="0" anchor="t" anchorCtr="1" compatLnSpc="1">
+            <a:bodyPr vert="horz" wrap="square" lIns="91372" tIns="45688" rIns="91372" bIns="45688" numCol="1" rtlCol="0" anchor="ctr" anchorCtr="1" compatLnSpc="1">
               <a:prstTxWarp prst="textNoShape">
                 <a:avLst/>
               </a:prstTxWarp>
@@ -33892,7 +34211,7 @@
                 <a:defRPr/>
               </a:pPr>
               <a:r>
-                <a:rPr lang="en-US" sz="2000" dirty="0">
+                <a:rPr lang="en-US" sz="1600" b="1" dirty="0">
                   <a:solidFill>
                     <a:srgbClr val="FFFFFF"/>
                   </a:solidFill>
@@ -33903,7 +34222,7 @@
                       </a:srgbClr>
                     </a:outerShdw>
                   </a:effectLst>
-                  <a:latin typeface="Intel Clear Pro"/>
+                  <a:latin typeface="Arial Narrow" panose="020B0606020202030204" pitchFamily="34" charset="0"/>
                   <a:cs typeface="Arial" charset="0"/>
                 </a:rPr>
                 <a:t>APPLICATION 2</a:t>
@@ -33973,7 +34292,7 @@
             </a:fontRef>
           </p:style>
           <p:txBody>
-            <a:bodyPr vert="horz" wrap="square" lIns="91372" tIns="45688" rIns="91372" bIns="45688" numCol="1" rtlCol="0" anchor="t" anchorCtr="1" compatLnSpc="1">
+            <a:bodyPr vert="horz" wrap="square" lIns="91372" tIns="45688" rIns="91372" bIns="45688" numCol="1" rtlCol="0" anchor="ctr" anchorCtr="1" compatLnSpc="1">
               <a:prstTxWarp prst="textNoShape">
                 <a:avLst/>
               </a:prstTxWarp>
@@ -33997,7 +34316,7 @@
                 <a:defRPr/>
               </a:pPr>
               <a:r>
-                <a:rPr lang="en-US" sz="2000" dirty="0">
+                <a:rPr lang="en-US" sz="1600" b="1" dirty="0">
                   <a:solidFill>
                     <a:srgbClr val="FFFFFF"/>
                   </a:solidFill>
@@ -34008,7 +34327,7 @@
                       </a:srgbClr>
                     </a:outerShdw>
                   </a:effectLst>
-                  <a:latin typeface="Intel Clear Pro"/>
+                  <a:latin typeface="Arial Narrow" panose="020B0606020202030204" pitchFamily="34" charset="0"/>
                   <a:cs typeface="Arial" charset="0"/>
                 </a:rPr>
                 <a:t>APPLICATION 3</a:t>
@@ -34078,7 +34397,7 @@
             </a:fontRef>
           </p:style>
           <p:txBody>
-            <a:bodyPr vert="horz" wrap="square" lIns="91372" tIns="45688" rIns="91372" bIns="45688" numCol="1" rtlCol="0" anchor="t" anchorCtr="1" compatLnSpc="1">
+            <a:bodyPr vert="horz" wrap="square" lIns="91372" tIns="45688" rIns="91372" bIns="45688" numCol="1" rtlCol="0" anchor="ctr" anchorCtr="1" compatLnSpc="1">
               <a:prstTxWarp prst="textNoShape">
                 <a:avLst/>
               </a:prstTxWarp>
@@ -34102,7 +34421,7 @@
                 <a:defRPr/>
               </a:pPr>
               <a:r>
-                <a:rPr lang="en-US" sz="2000" dirty="0">
+                <a:rPr lang="en-US" sz="1600" b="1" dirty="0">
                   <a:solidFill>
                     <a:srgbClr val="FFFFFF"/>
                   </a:solidFill>
@@ -34113,7 +34432,7 @@
                       </a:srgbClr>
                     </a:outerShdw>
                   </a:effectLst>
-                  <a:latin typeface="Intel Clear Pro"/>
+                  <a:latin typeface="Arial Narrow" panose="020B0606020202030204" pitchFamily="34" charset="0"/>
                   <a:cs typeface="Arial" charset="0"/>
                 </a:rPr>
                 <a:t>APPLICATION 4</a:t>
@@ -34183,7 +34502,7 @@
             </a:fontRef>
           </p:style>
           <p:txBody>
-            <a:bodyPr vert="horz" wrap="square" lIns="91372" tIns="45688" rIns="91372" bIns="45688" numCol="1" rtlCol="0" anchor="t" anchorCtr="1" compatLnSpc="1">
+            <a:bodyPr vert="horz" wrap="square" lIns="91372" tIns="45688" rIns="91372" bIns="45688" numCol="1" rtlCol="0" anchor="ctr" anchorCtr="1" compatLnSpc="1">
               <a:prstTxWarp prst="textNoShape">
                 <a:avLst/>
               </a:prstTxWarp>
@@ -34207,7 +34526,7 @@
                 <a:defRPr/>
               </a:pPr>
               <a:r>
-                <a:rPr lang="en-US" sz="2000" dirty="0">
+                <a:rPr lang="en-US" sz="1600" b="1" dirty="0">
                   <a:solidFill>
                     <a:srgbClr val="FFFFFF"/>
                   </a:solidFill>
@@ -34218,7 +34537,7 @@
                       </a:srgbClr>
                     </a:outerShdw>
                   </a:effectLst>
-                  <a:latin typeface="Intel Clear Pro"/>
+                  <a:latin typeface="Arial Narrow" panose="020B0606020202030204" pitchFamily="34" charset="0"/>
                   <a:cs typeface="Arial" charset="0"/>
                 </a:rPr>
                 <a:t>APPLICATION 5</a:t>
@@ -34528,7 +34847,7 @@
             </a:fontRef>
           </p:style>
           <p:txBody>
-            <a:bodyPr vert="horz" wrap="square" lIns="91372" tIns="45688" rIns="91372" bIns="45688" numCol="1" rtlCol="0" anchor="t" anchorCtr="1" compatLnSpc="1">
+            <a:bodyPr vert="horz" wrap="square" lIns="91372" tIns="45688" rIns="91372" bIns="45688" numCol="1" rtlCol="0" anchor="ctr" anchorCtr="1" compatLnSpc="1">
               <a:prstTxWarp prst="textNoShape">
                 <a:avLst/>
               </a:prstTxWarp>
@@ -34552,7 +34871,7 @@
                 <a:defRPr/>
               </a:pPr>
               <a:r>
-                <a:rPr lang="en-US" sz="2000" dirty="0">
+                <a:rPr lang="en-US" sz="1600" b="1" dirty="0">
                   <a:solidFill>
                     <a:srgbClr val="FFFFFF"/>
                   </a:solidFill>
@@ -34563,7 +34882,7 @@
                       </a:srgbClr>
                     </a:outerShdw>
                   </a:effectLst>
-                  <a:latin typeface="Intel Clear Pro"/>
+                  <a:latin typeface="Arial Narrow" panose="020B0606020202030204" pitchFamily="34" charset="0"/>
                   <a:cs typeface="Arial" charset="0"/>
                 </a:rPr>
                 <a:t>APPLICATION 6</a:t>
@@ -34633,7 +34952,7 @@
             </a:fontRef>
           </p:style>
           <p:txBody>
-            <a:bodyPr vert="horz" wrap="square" lIns="91372" tIns="45688" rIns="91372" bIns="45688" numCol="1" rtlCol="0" anchor="t" anchorCtr="1" compatLnSpc="1">
+            <a:bodyPr vert="horz" wrap="square" lIns="91372" tIns="45688" rIns="91372" bIns="45688" numCol="1" rtlCol="0" anchor="ctr" anchorCtr="1" compatLnSpc="1">
               <a:prstTxWarp prst="textNoShape">
                 <a:avLst/>
               </a:prstTxWarp>
@@ -34657,7 +34976,7 @@
                 <a:defRPr/>
               </a:pPr>
               <a:r>
-                <a:rPr lang="en-US" sz="2000" dirty="0">
+                <a:rPr lang="en-US" sz="1600" b="1" dirty="0">
                   <a:solidFill>
                     <a:srgbClr val="FFFFFF"/>
                   </a:solidFill>
@@ -34668,7 +34987,7 @@
                       </a:srgbClr>
                     </a:outerShdw>
                   </a:effectLst>
-                  <a:latin typeface="Intel Clear Pro"/>
+                  <a:latin typeface="Arial Narrow" panose="020B0606020202030204" pitchFamily="34" charset="0"/>
                   <a:cs typeface="Arial" charset="0"/>
                 </a:rPr>
                 <a:t>APPLICATION 1</a:t>
@@ -38032,19 +38351,10 @@
                 </a:solidFill>
                 <a:latin typeface="Consolas" panose="020B0609020204030204" pitchFamily="49" charset="0"/>
               </a:rPr>
-              <a:t>  "security</a:t>
-            </a:r>
-            <a:r>
-              <a:rPr lang="de-DE" sz="1600" b="1">
-                <a:solidFill>
-                  <a:srgbClr val="4A7B7C"/>
-                </a:solidFill>
-                <a:latin typeface="Consolas" panose="020B0609020204030204" pitchFamily="49" charset="0"/>
-              </a:rPr>
-              <a:t>"</a:t>
-            </a:r>
-            <a:r>
-              <a:rPr lang="de-DE" sz="1600">
+              <a:t>  "security"</a:t>
+            </a:r>
+            <a:r>
+              <a:rPr lang="de-DE" sz="1600" dirty="0">
                 <a:solidFill>
                   <a:srgbClr val="000000"/>
                 </a:solidFill>
@@ -38053,22 +38363,13 @@
               <a:t>: [</a:t>
             </a:r>
             <a:r>
-              <a:rPr lang="de-DE" sz="1600">
-                <a:solidFill>
-                  <a:srgbClr val="4A7B7C"/>
-                </a:solidFill>
-                <a:latin typeface="Consolas" panose="020B0609020204030204" pitchFamily="49" charset="0"/>
-              </a:rPr>
-              <a:t>"basic</a:t>
-            </a:r>
-            <a:r>
               <a:rPr lang="de-DE" sz="1600" dirty="0">
                 <a:solidFill>
                   <a:srgbClr val="4A7B7C"/>
                 </a:solidFill>
                 <a:latin typeface="Consolas" panose="020B0609020204030204" pitchFamily="49" charset="0"/>
               </a:rPr>
-              <a:t>_sc"</a:t>
+              <a:t>"basic_sc"</a:t>
             </a:r>
             <a:r>
               <a:rPr lang="de-DE" sz="1600" dirty="0">
@@ -42556,13 +42857,13 @@
 
 <file path=ppt/tags/tag13.xml><?xml version="1.0" encoding="utf-8"?>
 <p:tagLst xmlns:a="http://schemas.openxmlformats.org/drawingml/2006/main" xmlns:r="http://schemas.openxmlformats.org/officeDocument/2006/relationships" xmlns:p="http://schemas.openxmlformats.org/presentationml/2006/main">
-  <p:tag name="AS_UNIQUEID" val="4589"/>
+  <p:tag name="AS_UNIQUEID" val="4551"/>
 </p:tagLst>
 </file>
 
 <file path=ppt/tags/tag14.xml><?xml version="1.0" encoding="utf-8"?>
 <p:tagLst xmlns:a="http://schemas.openxmlformats.org/drawingml/2006/main" xmlns:r="http://schemas.openxmlformats.org/officeDocument/2006/relationships" xmlns:p="http://schemas.openxmlformats.org/presentationml/2006/main">
-  <p:tag name="AS_UNIQUEID" val="4551"/>
+  <p:tag name="AS_UNIQUEID" val="4589"/>
 </p:tagLst>
 </file>
 
@@ -42580,13 +42881,13 @@
 
 <file path=ppt/tags/tag17.xml><?xml version="1.0" encoding="utf-8"?>
 <p:tagLst xmlns:a="http://schemas.openxmlformats.org/drawingml/2006/main" xmlns:r="http://schemas.openxmlformats.org/officeDocument/2006/relationships" xmlns:p="http://schemas.openxmlformats.org/presentationml/2006/main">
-  <p:tag name="AS_UNIQUEID" val="4589"/>
+  <p:tag name="AS_UNIQUEID" val="4551"/>
 </p:tagLst>
 </file>
 
 <file path=ppt/tags/tag18.xml><?xml version="1.0" encoding="utf-8"?>
 <p:tagLst xmlns:a="http://schemas.openxmlformats.org/drawingml/2006/main" xmlns:r="http://schemas.openxmlformats.org/officeDocument/2006/relationships" xmlns:p="http://schemas.openxmlformats.org/presentationml/2006/main">
-  <p:tag name="AS_UNIQUEID" val="4551"/>
+  <p:tag name="AS_UNIQUEID" val="4589"/>
 </p:tagLst>
 </file>
 
@@ -42610,19 +42911,19 @@
 
 <file path=ppt/tags/tag21.xml><?xml version="1.0" encoding="utf-8"?>
 <p:tagLst xmlns:a="http://schemas.openxmlformats.org/drawingml/2006/main" xmlns:r="http://schemas.openxmlformats.org/officeDocument/2006/relationships" xmlns:p="http://schemas.openxmlformats.org/presentationml/2006/main">
-  <p:tag name="AS_UNIQUEID" val="4589"/>
+  <p:tag name="AS_UNIQUEID" val="4536"/>
 </p:tagLst>
 </file>
 
 <file path=ppt/tags/tag22.xml><?xml version="1.0" encoding="utf-8"?>
 <p:tagLst xmlns:a="http://schemas.openxmlformats.org/drawingml/2006/main" xmlns:r="http://schemas.openxmlformats.org/officeDocument/2006/relationships" xmlns:p="http://schemas.openxmlformats.org/presentationml/2006/main">
-  <p:tag name="AS_UNIQUEID" val="4536"/>
+  <p:tag name="AS_UNIQUEID" val="4551"/>
 </p:tagLst>
 </file>
 
 <file path=ppt/tags/tag23.xml><?xml version="1.0" encoding="utf-8"?>
 <p:tagLst xmlns:a="http://schemas.openxmlformats.org/drawingml/2006/main" xmlns:r="http://schemas.openxmlformats.org/officeDocument/2006/relationships" xmlns:p="http://schemas.openxmlformats.org/presentationml/2006/main">
-  <p:tag name="AS_UNIQUEID" val="4551"/>
+  <p:tag name="AS_UNIQUEID" val="4589"/>
 </p:tagLst>
 </file>
 
@@ -42640,13 +42941,13 @@
 
 <file path=ppt/tags/tag26.xml><?xml version="1.0" encoding="utf-8"?>
 <p:tagLst xmlns:a="http://schemas.openxmlformats.org/drawingml/2006/main" xmlns:r="http://schemas.openxmlformats.org/officeDocument/2006/relationships" xmlns:p="http://schemas.openxmlformats.org/presentationml/2006/main">
-  <p:tag name="AS_UNIQUEID" val="4589"/>
+  <p:tag name="AS_UNIQUEID" val="4551"/>
 </p:tagLst>
 </file>
 
 <file path=ppt/tags/tag27.xml><?xml version="1.0" encoding="utf-8"?>
 <p:tagLst xmlns:a="http://schemas.openxmlformats.org/drawingml/2006/main" xmlns:r="http://schemas.openxmlformats.org/officeDocument/2006/relationships" xmlns:p="http://schemas.openxmlformats.org/presentationml/2006/main">
-  <p:tag name="AS_UNIQUEID" val="4551"/>
+  <p:tag name="AS_UNIQUEID" val="4589"/>
 </p:tagLst>
 </file>
 
@@ -42674,13 +42975,13 @@
 
 <file path=ppt/tags/tag30.xml><?xml version="1.0" encoding="utf-8"?>
 <p:tagLst xmlns:a="http://schemas.openxmlformats.org/drawingml/2006/main" xmlns:r="http://schemas.openxmlformats.org/officeDocument/2006/relationships" xmlns:p="http://schemas.openxmlformats.org/presentationml/2006/main">
-  <p:tag name="AS_UNIQUEID" val="4589"/>
+  <p:tag name="AS_UNIQUEID" val="4536"/>
 </p:tagLst>
 </file>
 
 <file path=ppt/tags/tag31.xml><?xml version="1.0" encoding="utf-8"?>
 <p:tagLst xmlns:a="http://schemas.openxmlformats.org/drawingml/2006/main" xmlns:r="http://schemas.openxmlformats.org/officeDocument/2006/relationships" xmlns:p="http://schemas.openxmlformats.org/presentationml/2006/main">
-  <p:tag name="AS_UNIQUEID" val="4536"/>
+  <p:tag name="AS_UNIQUEID" val="4589"/>
 </p:tagLst>
 </file>
 

--- a/PRESENTATIONS/wot-summary-and-roadmap-04-2019.pptx
+++ b/PRESENTATIONS/wot-summary-and-roadmap-04-2019.pptx
@@ -1406,7 +1406,7 @@
           <a:graphicData uri="http://schemas.openxmlformats.org/presentationml/2006/ole">
             <mc:AlternateContent xmlns:mc="http://schemas.openxmlformats.org/markup-compatibility/2006">
               <mc:Choice xmlns:v="urn:schemas-microsoft-com:vml" Requires="v">
-                <p:oleObj spid="_x0000_s1076" name="think-cell Folie" r:id="rId9" imgW="270" imgH="270" progId="">
+                <p:oleObj spid="_x0000_s1079" name="think-cell Folie" r:id="rId9" imgW="270" imgH="270" progId="">
                   <p:embed/>
                 </p:oleObj>
               </mc:Choice>
@@ -42777,7 +42777,25 @@
                 </a:solidFill>
                 <a:latin typeface="Calibri"/>
               </a:rPr>
-              <a:t>Application deadline: </a:t>
+              <a:t>Application deadline</a:t>
+            </a:r>
+            <a:r>
+              <a:rPr lang="en-US">
+                <a:solidFill>
+                  <a:prstClr val="black"/>
+                </a:solidFill>
+                <a:latin typeface="Calibri"/>
+              </a:rPr>
+              <a:t>: </a:t>
+            </a:r>
+            <a:r>
+              <a:rPr lang="en-US" b="1">
+                <a:solidFill>
+                  <a:prstClr val="black"/>
+                </a:solidFill>
+                <a:latin typeface="Calibri"/>
+              </a:rPr>
+              <a:t>23rd </a:t>
             </a:r>
             <a:r>
               <a:rPr lang="en-US" b="1" dirty="0">
@@ -42786,25 +42804,7 @@
                 </a:solidFill>
                 <a:latin typeface="Calibri"/>
               </a:rPr>
-              <a:t>15</a:t>
-            </a:r>
-            <a:r>
-              <a:rPr lang="en-US" b="1" baseline="30000" dirty="0">
-                <a:solidFill>
-                  <a:prstClr val="black"/>
-                </a:solidFill>
-                <a:latin typeface="Calibri"/>
-              </a:rPr>
-              <a:t>th</a:t>
-            </a:r>
-            <a:r>
-              <a:rPr lang="en-US" b="1" dirty="0">
-                <a:solidFill>
-                  <a:prstClr val="black"/>
-                </a:solidFill>
-                <a:latin typeface="Calibri"/>
-              </a:rPr>
-              <a:t> April</a:t>
+              <a:t>April</a:t>
             </a:r>
             <a:r>
               <a:rPr lang="en-US" dirty="0">
